--- a/Status Updates/2014 01 24.pptx
+++ b/Status Updates/2014 01 24.pptx
@@ -7,6 +7,10 @@
   <p:sldIdLst>
     <p:sldId id="256" r:id="rId2"/>
     <p:sldId id="257" r:id="rId3"/>
+    <p:sldId id="261" r:id="rId4"/>
+    <p:sldId id="258" r:id="rId5"/>
+    <p:sldId id="259" r:id="rId6"/>
+    <p:sldId id="260" r:id="rId7"/>
   </p:sldIdLst>
   <p:sldSz cx="9144000" cy="6858000" type="screen4x3"/>
   <p:notesSz cx="7010400" cy="9296400"/>
@@ -107,7 +111,7 @@
   </p:defaultTextStyle>
   <p:extLst>
     <p:ext uri="{EFAFB233-063F-42B5-8137-9DF3F51BA10A}">
-      <p15:sldGuideLst xmlns="" xmlns:p15="http://schemas.microsoft.com/office/powerpoint/2012/main">
+      <p15:sldGuideLst xmlns:p15="http://schemas.microsoft.com/office/powerpoint/2012/main" xmlns="">
         <p15:guide id="1" orient="horz" pos="2160">
           <p15:clr>
             <a:srgbClr val="A4A3A4"/>
@@ -3356,8 +3360,27 @@
           <a:p>
             <a:r>
               <a:rPr lang="en-US" sz="2800" dirty="0" smtClean="0"/>
-              <a:t>Redrew UI Layer to MVC lite</a:t>
-            </a:r>
+              <a:t>Redrew UI Layer to </a:t>
+            </a:r>
+            <a:r>
+              <a:rPr lang="en-US" sz="2800" dirty="0" smtClean="0"/>
+              <a:t>MVC</a:t>
+            </a:r>
+          </a:p>
+          <a:p>
+            <a:r>
+              <a:rPr lang="en-US" sz="2800" dirty="0" smtClean="0"/>
+              <a:t>Updated Data </a:t>
+            </a:r>
+            <a:r>
+              <a:rPr lang="en-US" sz="2800" dirty="0"/>
+              <a:t>F</a:t>
+            </a:r>
+            <a:r>
+              <a:rPr lang="en-US" sz="2800" dirty="0" smtClean="0"/>
+              <a:t>low Numbering</a:t>
+            </a:r>
+            <a:endParaRPr lang="en-US" sz="2800" dirty="0" smtClean="0"/>
           </a:p>
           <a:p>
             <a:r>
@@ -3368,13 +3391,8 @@
           <a:p>
             <a:r>
               <a:rPr lang="en-US" sz="2800" dirty="0" smtClean="0"/>
-              <a:t>Rewrote </a:t>
-            </a:r>
-            <a:r>
-              <a:rPr lang="en-US" sz="2800" smtClean="0"/>
-              <a:t>Layer introduction</a:t>
-            </a:r>
-            <a:endParaRPr lang="en-US" sz="2800" dirty="0" smtClean="0"/>
+              <a:t>Rewrote Layer introduction</a:t>
+            </a:r>
           </a:p>
           <a:p>
             <a:endParaRPr lang="en-US" dirty="0"/>
@@ -3385,6 +3403,474 @@
     <p:extLst>
       <p:ext uri="{BB962C8B-B14F-4D97-AF65-F5344CB8AC3E}">
         <p14:creationId xmlns:p14="http://schemas.microsoft.com/office/powerpoint/2010/main" val="952156773"/>
+      </p:ext>
+    </p:extLst>
+  </p:cSld>
+  <p:clrMapOvr>
+    <a:masterClrMapping/>
+  </p:clrMapOvr>
+</p:sld>
+</file>
+
+<file path=ppt/slides/slide3.xml><?xml version="1.0" encoding="utf-8"?>
+<p:sld xmlns:a="http://schemas.openxmlformats.org/drawingml/2006/main" xmlns:r="http://schemas.openxmlformats.org/officeDocument/2006/relationships" xmlns:p="http://schemas.openxmlformats.org/presentationml/2006/main">
+  <p:cSld>
+    <p:spTree>
+      <p:nvGrpSpPr>
+        <p:cNvPr id="1" name=""/>
+        <p:cNvGrpSpPr/>
+        <p:nvPr/>
+      </p:nvGrpSpPr>
+      <p:grpSpPr>
+        <a:xfrm>
+          <a:off x="0" y="0"/>
+          <a:ext cx="0" cy="0"/>
+          <a:chOff x="0" y="0"/>
+          <a:chExt cx="0" cy="0"/>
+        </a:xfrm>
+      </p:grpSpPr>
+      <p:sp>
+        <p:nvSpPr>
+          <p:cNvPr id="2" name="Title 1"/>
+          <p:cNvSpPr>
+            <a:spLocks noGrp="1"/>
+          </p:cNvSpPr>
+          <p:nvPr>
+            <p:ph type="title"/>
+          </p:nvPr>
+        </p:nvSpPr>
+        <p:spPr/>
+        <p:txBody>
+          <a:bodyPr/>
+          <a:lstStyle/>
+          <a:p>
+            <a:r>
+              <a:rPr lang="en-US" dirty="0" smtClean="0"/>
+              <a:t>ADS Changes</a:t>
+            </a:r>
+            <a:endParaRPr lang="en-US" dirty="0"/>
+          </a:p>
+        </p:txBody>
+      </p:sp>
+      <p:sp>
+        <p:nvSpPr>
+          <p:cNvPr id="3" name="Content Placeholder 2"/>
+          <p:cNvSpPr>
+            <a:spLocks noGrp="1"/>
+          </p:cNvSpPr>
+          <p:nvPr>
+            <p:ph idx="1"/>
+          </p:nvPr>
+        </p:nvSpPr>
+        <p:spPr/>
+        <p:txBody>
+          <a:bodyPr>
+            <a:normAutofit/>
+          </a:bodyPr>
+          <a:lstStyle/>
+          <a:p>
+            <a:r>
+              <a:rPr lang="en-US" dirty="0"/>
+              <a:t>Tradeoffs</a:t>
+            </a:r>
+          </a:p>
+          <a:p>
+            <a:pPr lvl="1"/>
+            <a:r>
+              <a:rPr lang="en-US" dirty="0"/>
+              <a:t>Simple Interface Layer</a:t>
+            </a:r>
+          </a:p>
+          <a:p>
+            <a:pPr lvl="1"/>
+            <a:r>
+              <a:rPr lang="en-US" dirty="0"/>
+              <a:t>Three Processing Layers vs. One Processing Layer</a:t>
+            </a:r>
+          </a:p>
+          <a:p>
+            <a:pPr lvl="1"/>
+            <a:r>
+              <a:rPr lang="en-US" dirty="0"/>
+              <a:t>Physical and Printer Feedback Layer Separated</a:t>
+            </a:r>
+          </a:p>
+          <a:p>
+            <a:r>
+              <a:rPr lang="en-US" dirty="0"/>
+              <a:t>Testing Considerations</a:t>
+            </a:r>
+          </a:p>
+          <a:p>
+            <a:pPr lvl="1"/>
+            <a:r>
+              <a:rPr lang="en-US" dirty="0"/>
+              <a:t>Emphasized Testing Layers Independently</a:t>
+            </a:r>
+          </a:p>
+          <a:p>
+            <a:endParaRPr lang="en-US" dirty="0"/>
+          </a:p>
+        </p:txBody>
+      </p:sp>
+    </p:spTree>
+    <p:extLst>
+      <p:ext uri="{BB962C8B-B14F-4D97-AF65-F5344CB8AC3E}">
+        <p14:creationId xmlns:p14="http://schemas.microsoft.com/office/powerpoint/2010/main" val="1296344894"/>
+      </p:ext>
+    </p:extLst>
+  </p:cSld>
+  <p:clrMapOvr>
+    <a:masterClrMapping/>
+  </p:clrMapOvr>
+</p:sld>
+</file>
+
+<file path=ppt/slides/slide4.xml><?xml version="1.0" encoding="utf-8"?>
+<p:sld xmlns:a="http://schemas.openxmlformats.org/drawingml/2006/main" xmlns:r="http://schemas.openxmlformats.org/officeDocument/2006/relationships" xmlns:p="http://schemas.openxmlformats.org/presentationml/2006/main">
+  <p:cSld>
+    <p:spTree>
+      <p:nvGrpSpPr>
+        <p:cNvPr id="1" name=""/>
+        <p:cNvGrpSpPr/>
+        <p:nvPr/>
+      </p:nvGrpSpPr>
+      <p:grpSpPr>
+        <a:xfrm>
+          <a:off x="0" y="0"/>
+          <a:ext cx="0" cy="0"/>
+          <a:chOff x="0" y="0"/>
+          <a:chExt cx="0" cy="0"/>
+        </a:xfrm>
+      </p:grpSpPr>
+      <p:sp>
+        <p:nvSpPr>
+          <p:cNvPr id="2" name="Title 1"/>
+          <p:cNvSpPr>
+            <a:spLocks noGrp="1"/>
+          </p:cNvSpPr>
+          <p:nvPr>
+            <p:ph type="title"/>
+          </p:nvPr>
+        </p:nvSpPr>
+        <p:spPr/>
+        <p:txBody>
+          <a:bodyPr/>
+          <a:lstStyle/>
+          <a:p>
+            <a:r>
+              <a:rPr lang="en-US" dirty="0"/>
+              <a:t>Changes to U.I. Layer</a:t>
+            </a:r>
+          </a:p>
+        </p:txBody>
+      </p:sp>
+      <p:sp>
+        <p:nvSpPr>
+          <p:cNvPr id="3" name="Content Placeholder 2"/>
+          <p:cNvSpPr>
+            <a:spLocks noGrp="1"/>
+          </p:cNvSpPr>
+          <p:nvPr>
+            <p:ph idx="1"/>
+          </p:nvPr>
+        </p:nvSpPr>
+        <p:spPr/>
+        <p:txBody>
+          <a:bodyPr/>
+          <a:lstStyle/>
+          <a:p>
+            <a:r>
+              <a:rPr lang="en-US" dirty="0"/>
+              <a:t>Condensed Subsystems of the U.I. Layer</a:t>
+            </a:r>
+          </a:p>
+          <a:p>
+            <a:pPr lvl="1"/>
+            <a:r>
+              <a:rPr lang="en-US" dirty="0"/>
+              <a:t>BEFORE: </a:t>
+            </a:r>
+            <a:r>
+              <a:rPr lang="en-US" b="1" dirty="0">
+                <a:solidFill>
+                  <a:schemeClr val="accent6">
+                    <a:lumMod val="75000"/>
+                  </a:schemeClr>
+                </a:solidFill>
+              </a:rPr>
+              <a:t>Configuration, Import, Print, Status, </a:t>
+            </a:r>
+            <a:r>
+              <a:rPr lang="en-US" b="1" dirty="0">
+                <a:solidFill>
+                  <a:srgbClr val="C00000"/>
+                </a:solidFill>
+              </a:rPr>
+              <a:t>Database</a:t>
+            </a:r>
+          </a:p>
+          <a:p>
+            <a:pPr lvl="1"/>
+            <a:r>
+              <a:rPr lang="en-US" dirty="0"/>
+              <a:t>AFTER: </a:t>
+            </a:r>
+            <a:r>
+              <a:rPr lang="en-US" b="1" dirty="0">
+                <a:solidFill>
+                  <a:srgbClr val="0070C0"/>
+                </a:solidFill>
+              </a:rPr>
+              <a:t>GUI</a:t>
+            </a:r>
+            <a:r>
+              <a:rPr lang="en-US" dirty="0"/>
+              <a:t>, </a:t>
+            </a:r>
+            <a:r>
+              <a:rPr lang="en-US" b="1" dirty="0">
+                <a:solidFill>
+                  <a:schemeClr val="accent4">
+                    <a:lumMod val="75000"/>
+                  </a:schemeClr>
+                </a:solidFill>
+              </a:rPr>
+              <a:t>Controller</a:t>
+            </a:r>
+            <a:r>
+              <a:rPr lang="en-US" dirty="0"/>
+              <a:t>, </a:t>
+            </a:r>
+            <a:r>
+              <a:rPr lang="en-US" b="1" dirty="0">
+                <a:solidFill>
+                  <a:srgbClr val="C00000"/>
+                </a:solidFill>
+              </a:rPr>
+              <a:t>Database</a:t>
+            </a:r>
+          </a:p>
+          <a:p>
+            <a:pPr lvl="1"/>
+            <a:endParaRPr lang="en-US" b="1" dirty="0">
+              <a:solidFill>
+                <a:srgbClr val="C00000"/>
+              </a:solidFill>
+            </a:endParaRPr>
+          </a:p>
+          <a:p>
+            <a:r>
+              <a:rPr lang="en-US" dirty="0"/>
+              <a:t>Changed “Modules” to “Subsystems”</a:t>
+            </a:r>
+          </a:p>
+          <a:p>
+            <a:r>
+              <a:rPr lang="en-US" dirty="0"/>
+              <a:t>Updated Inter-Subsystem Data Flow Chart.</a:t>
+            </a:r>
+          </a:p>
+          <a:p>
+            <a:endParaRPr lang="en-US" dirty="0"/>
+          </a:p>
+        </p:txBody>
+      </p:sp>
+    </p:spTree>
+    <p:extLst>
+      <p:ext uri="{BB962C8B-B14F-4D97-AF65-F5344CB8AC3E}">
+        <p14:creationId xmlns:p14="http://schemas.microsoft.com/office/powerpoint/2010/main" val="3595647399"/>
+      </p:ext>
+    </p:extLst>
+  </p:cSld>
+  <p:clrMapOvr>
+    <a:masterClrMapping/>
+  </p:clrMapOvr>
+</p:sld>
+</file>
+
+<file path=ppt/slides/slide5.xml><?xml version="1.0" encoding="utf-8"?>
+<p:sld xmlns:a="http://schemas.openxmlformats.org/drawingml/2006/main" xmlns:r="http://schemas.openxmlformats.org/officeDocument/2006/relationships" xmlns:p="http://schemas.openxmlformats.org/presentationml/2006/main">
+  <p:cSld>
+    <p:spTree>
+      <p:nvGrpSpPr>
+        <p:cNvPr id="1" name=""/>
+        <p:cNvGrpSpPr/>
+        <p:nvPr/>
+      </p:nvGrpSpPr>
+      <p:grpSpPr>
+        <a:xfrm>
+          <a:off x="0" y="0"/>
+          <a:ext cx="0" cy="0"/>
+          <a:chOff x="0" y="0"/>
+          <a:chExt cx="0" cy="0"/>
+        </a:xfrm>
+      </p:grpSpPr>
+      <p:sp>
+        <p:nvSpPr>
+          <p:cNvPr id="2" name="Title 1"/>
+          <p:cNvSpPr>
+            <a:spLocks noGrp="1"/>
+          </p:cNvSpPr>
+          <p:nvPr>
+            <p:ph type="title"/>
+          </p:nvPr>
+        </p:nvSpPr>
+        <p:spPr/>
+        <p:txBody>
+          <a:bodyPr/>
+          <a:lstStyle/>
+          <a:p>
+            <a:r>
+              <a:rPr lang="en-US" dirty="0" smtClean="0"/>
+              <a:t>Before</a:t>
+            </a:r>
+            <a:endParaRPr lang="en-US" dirty="0"/>
+          </a:p>
+        </p:txBody>
+      </p:sp>
+      <p:pic>
+        <p:nvPicPr>
+          <p:cNvPr id="6" name="Picture 5"/>
+          <p:cNvPicPr>
+            <a:picLocks noChangeAspect="1"/>
+          </p:cNvPicPr>
+          <p:nvPr/>
+        </p:nvPicPr>
+        <p:blipFill>
+          <a:blip r:embed="rId2"/>
+          <a:stretch>
+            <a:fillRect/>
+          </a:stretch>
+        </p:blipFill>
+        <p:spPr>
+          <a:xfrm>
+            <a:off x="152400" y="1371600"/>
+            <a:ext cx="8311163" cy="4687623"/>
+          </a:xfrm>
+          <a:prstGeom prst="rect">
+            <a:avLst/>
+          </a:prstGeom>
+        </p:spPr>
+      </p:pic>
+    </p:spTree>
+    <p:extLst>
+      <p:ext uri="{BB962C8B-B14F-4D97-AF65-F5344CB8AC3E}">
+        <p14:creationId xmlns:p14="http://schemas.microsoft.com/office/powerpoint/2010/main" val="26394844"/>
+      </p:ext>
+    </p:extLst>
+  </p:cSld>
+  <p:clrMapOvr>
+    <a:masterClrMapping/>
+  </p:clrMapOvr>
+</p:sld>
+</file>
+
+<file path=ppt/slides/slide6.xml><?xml version="1.0" encoding="utf-8"?>
+<p:sld xmlns:a="http://schemas.openxmlformats.org/drawingml/2006/main" xmlns:r="http://schemas.openxmlformats.org/officeDocument/2006/relationships" xmlns:p="http://schemas.openxmlformats.org/presentationml/2006/main">
+  <p:cSld>
+    <p:spTree>
+      <p:nvGrpSpPr>
+        <p:cNvPr id="1" name=""/>
+        <p:cNvGrpSpPr/>
+        <p:nvPr/>
+      </p:nvGrpSpPr>
+      <p:grpSpPr>
+        <a:xfrm>
+          <a:off x="0" y="0"/>
+          <a:ext cx="0" cy="0"/>
+          <a:chOff x="0" y="0"/>
+          <a:chExt cx="0" cy="0"/>
+        </a:xfrm>
+      </p:grpSpPr>
+      <p:sp>
+        <p:nvSpPr>
+          <p:cNvPr id="2" name="Title 1"/>
+          <p:cNvSpPr>
+            <a:spLocks noGrp="1"/>
+          </p:cNvSpPr>
+          <p:nvPr>
+            <p:ph type="title"/>
+          </p:nvPr>
+        </p:nvSpPr>
+        <p:spPr/>
+        <p:txBody>
+          <a:bodyPr/>
+          <a:lstStyle/>
+          <a:p>
+            <a:r>
+              <a:rPr lang="en-US" dirty="0" smtClean="0"/>
+              <a:t>After</a:t>
+            </a:r>
+            <a:endParaRPr lang="en-US" dirty="0"/>
+          </a:p>
+        </p:txBody>
+      </p:sp>
+      <p:graphicFrame>
+        <p:nvGraphicFramePr>
+          <p:cNvPr id="4" name="Object 3"/>
+          <p:cNvGraphicFramePr>
+            <a:graphicFrameLocks noChangeAspect="1"/>
+          </p:cNvGraphicFramePr>
+          <p:nvPr>
+            <p:extLst>
+              <p:ext uri="{D42A27DB-BD31-4B8C-83A1-F6EECF244321}">
+                <p14:modId xmlns:p14="http://schemas.microsoft.com/office/powerpoint/2010/main" val="3173253423"/>
+              </p:ext>
+            </p:extLst>
+          </p:nvPr>
+        </p:nvGraphicFramePr>
+        <p:xfrm>
+          <a:off x="228600" y="1295400"/>
+          <a:ext cx="8155207" cy="5083935"/>
+        </p:xfrm>
+        <a:graphic>
+          <a:graphicData uri="http://schemas.openxmlformats.org/presentationml/2006/ole">
+            <mc:AlternateContent xmlns:mc="http://schemas.openxmlformats.org/markup-compatibility/2006">
+              <mc:Choice xmlns:v="urn:schemas-microsoft-com:vml" Requires="v">
+                <p:oleObj spid="_x0000_s1026" name="Visio" r:id="rId3" imgW="7029530" imgH="4381562" progId="Visio.Drawing.15">
+                  <p:embed/>
+                </p:oleObj>
+              </mc:Choice>
+              <mc:Fallback>
+                <p:oleObj name="Visio" r:id="rId3" imgW="7029530" imgH="4381562" progId="Visio.Drawing.15">
+                  <p:embed/>
+                  <p:pic>
+                    <p:nvPicPr>
+                      <p:cNvPr id="0" name=""/>
+                      <p:cNvPicPr>
+                        <a:picLocks noChangeAspect="1" noChangeArrowheads="1"/>
+                      </p:cNvPicPr>
+                      <p:nvPr/>
+                    </p:nvPicPr>
+                    <p:blipFill>
+                      <a:blip r:embed="rId4"/>
+                      <a:srcRect/>
+                      <a:stretch>
+                        <a:fillRect/>
+                      </a:stretch>
+                    </p:blipFill>
+                    <p:spPr bwMode="auto">
+                      <a:xfrm>
+                        <a:off x="228600" y="1295400"/>
+                        <a:ext cx="8155207" cy="5083935"/>
+                      </a:xfrm>
+                      <a:prstGeom prst="rect">
+                        <a:avLst/>
+                      </a:prstGeom>
+                      <a:noFill/>
+                    </p:spPr>
+                  </p:pic>
+                </p:oleObj>
+              </mc:Fallback>
+            </mc:AlternateContent>
+          </a:graphicData>
+        </a:graphic>
+      </p:graphicFrame>
+    </p:spTree>
+    <p:extLst>
+      <p:ext uri="{BB962C8B-B14F-4D97-AF65-F5344CB8AC3E}">
+        <p14:creationId xmlns:p14="http://schemas.microsoft.com/office/powerpoint/2010/main" val="3826827119"/>
       </p:ext>
     </p:extLst>
   </p:cSld>

--- a/Status Updates/2014 01 24.pptx
+++ b/Status Updates/2014 01 24.pptx
@@ -7,10 +7,11 @@
   <p:sldIdLst>
     <p:sldId id="256" r:id="rId2"/>
     <p:sldId id="257" r:id="rId3"/>
-    <p:sldId id="261" r:id="rId4"/>
-    <p:sldId id="258" r:id="rId5"/>
-    <p:sldId id="259" r:id="rId6"/>
-    <p:sldId id="260" r:id="rId7"/>
+    <p:sldId id="258" r:id="rId4"/>
+    <p:sldId id="259" r:id="rId5"/>
+    <p:sldId id="260" r:id="rId6"/>
+    <p:sldId id="261" r:id="rId7"/>
+    <p:sldId id="262" r:id="rId8"/>
   </p:sldIdLst>
   <p:sldSz cx="9144000" cy="6858000" type="screen4x3"/>
   <p:notesSz cx="7010400" cy="9296400"/>
@@ -111,7 +112,7 @@
   </p:defaultTextStyle>
   <p:extLst>
     <p:ext uri="{EFAFB233-063F-42B5-8137-9DF3F51BA10A}">
-      <p15:sldGuideLst xmlns:p15="http://schemas.microsoft.com/office/powerpoint/2012/main" xmlns="">
+      <p15:sldGuideLst xmlns="" xmlns:p15="http://schemas.microsoft.com/office/powerpoint/2012/main">
         <p15:guide id="1" orient="horz" pos="2160">
           <p15:clr>
             <a:srgbClr val="A4A3A4"/>
@@ -3360,11 +3361,7 @@
           <a:p>
             <a:r>
               <a:rPr lang="en-US" sz="2800" dirty="0" smtClean="0"/>
-              <a:t>Redrew UI Layer to </a:t>
-            </a:r>
-            <a:r>
-              <a:rPr lang="en-US" sz="2800" dirty="0" smtClean="0"/>
-              <a:t>MVC</a:t>
+              <a:t>Redrew UI Layer to MVC</a:t>
             </a:r>
           </a:p>
           <a:p>
@@ -3380,7 +3377,6 @@
               <a:rPr lang="en-US" sz="2800" dirty="0" smtClean="0"/>
               <a:t>low Numbering</a:t>
             </a:r>
-            <a:endParaRPr lang="en-US" sz="2800" dirty="0" smtClean="0"/>
           </a:p>
           <a:p>
             <a:r>
@@ -3391,8 +3387,31 @@
           <a:p>
             <a:r>
               <a:rPr lang="en-US" sz="2800" dirty="0" smtClean="0"/>
-              <a:t>Rewrote Layer introduction</a:t>
-            </a:r>
+              <a:t>Rewrote Layer </a:t>
+            </a:r>
+            <a:r>
+              <a:rPr lang="en-US" sz="2800" dirty="0" smtClean="0"/>
+              <a:t>introduction</a:t>
+            </a:r>
+          </a:p>
+          <a:p>
+            <a:r>
+              <a:rPr lang="en-US" sz="2800" dirty="0" smtClean="0"/>
+              <a:t>Tradeoffs</a:t>
+            </a:r>
+          </a:p>
+          <a:p>
+            <a:r>
+              <a:rPr lang="en-US" sz="2800" dirty="0" smtClean="0"/>
+              <a:t>Testing Considerations</a:t>
+            </a:r>
+          </a:p>
+          <a:p>
+            <a:r>
+              <a:rPr lang="en-US" sz="2800" dirty="0" smtClean="0"/>
+              <a:t>OS Requirements</a:t>
+            </a:r>
+            <a:endParaRPr lang="en-US" sz="2800" dirty="0" smtClean="0"/>
           </a:p>
           <a:p>
             <a:endParaRPr lang="en-US" dirty="0"/>
@@ -3446,121 +3465,11 @@
           <a:p>
             <a:r>
               <a:rPr lang="en-US" dirty="0" smtClean="0"/>
-              <a:t>ADS Changes</a:t>
-            </a:r>
-            <a:endParaRPr lang="en-US" dirty="0"/>
-          </a:p>
-        </p:txBody>
-      </p:sp>
-      <p:sp>
-        <p:nvSpPr>
-          <p:cNvPr id="3" name="Content Placeholder 2"/>
-          <p:cNvSpPr>
-            <a:spLocks noGrp="1"/>
-          </p:cNvSpPr>
-          <p:nvPr>
-            <p:ph idx="1"/>
-          </p:nvPr>
-        </p:nvSpPr>
-        <p:spPr/>
-        <p:txBody>
-          <a:bodyPr>
-            <a:normAutofit/>
-          </a:bodyPr>
-          <a:lstStyle/>
-          <a:p>
+              <a:t>ADS Changes – U.I</a:t>
+            </a:r>
             <a:r>
               <a:rPr lang="en-US" dirty="0"/>
-              <a:t>Tradeoffs</a:t>
-            </a:r>
-          </a:p>
-          <a:p>
-            <a:pPr lvl="1"/>
-            <a:r>
-              <a:rPr lang="en-US" dirty="0"/>
-              <a:t>Simple Interface Layer</a:t>
-            </a:r>
-          </a:p>
-          <a:p>
-            <a:pPr lvl="1"/>
-            <a:r>
-              <a:rPr lang="en-US" dirty="0"/>
-              <a:t>Three Processing Layers vs. One Processing Layer</a:t>
-            </a:r>
-          </a:p>
-          <a:p>
-            <a:pPr lvl="1"/>
-            <a:r>
-              <a:rPr lang="en-US" dirty="0"/>
-              <a:t>Physical and Printer Feedback Layer Separated</a:t>
-            </a:r>
-          </a:p>
-          <a:p>
-            <a:r>
-              <a:rPr lang="en-US" dirty="0"/>
-              <a:t>Testing Considerations</a:t>
-            </a:r>
-          </a:p>
-          <a:p>
-            <a:pPr lvl="1"/>
-            <a:r>
-              <a:rPr lang="en-US" dirty="0"/>
-              <a:t>Emphasized Testing Layers Independently</a:t>
-            </a:r>
-          </a:p>
-          <a:p>
-            <a:endParaRPr lang="en-US" dirty="0"/>
-          </a:p>
-        </p:txBody>
-      </p:sp>
-    </p:spTree>
-    <p:extLst>
-      <p:ext uri="{BB962C8B-B14F-4D97-AF65-F5344CB8AC3E}">
-        <p14:creationId xmlns:p14="http://schemas.microsoft.com/office/powerpoint/2010/main" val="1296344894"/>
-      </p:ext>
-    </p:extLst>
-  </p:cSld>
-  <p:clrMapOvr>
-    <a:masterClrMapping/>
-  </p:clrMapOvr>
-</p:sld>
-</file>
-
-<file path=ppt/slides/slide4.xml><?xml version="1.0" encoding="utf-8"?>
-<p:sld xmlns:a="http://schemas.openxmlformats.org/drawingml/2006/main" xmlns:r="http://schemas.openxmlformats.org/officeDocument/2006/relationships" xmlns:p="http://schemas.openxmlformats.org/presentationml/2006/main">
-  <p:cSld>
-    <p:spTree>
-      <p:nvGrpSpPr>
-        <p:cNvPr id="1" name=""/>
-        <p:cNvGrpSpPr/>
-        <p:nvPr/>
-      </p:nvGrpSpPr>
-      <p:grpSpPr>
-        <a:xfrm>
-          <a:off x="0" y="0"/>
-          <a:ext cx="0" cy="0"/>
-          <a:chOff x="0" y="0"/>
-          <a:chExt cx="0" cy="0"/>
-        </a:xfrm>
-      </p:grpSpPr>
-      <p:sp>
-        <p:nvSpPr>
-          <p:cNvPr id="2" name="Title 1"/>
-          <p:cNvSpPr>
-            <a:spLocks noGrp="1"/>
-          </p:cNvSpPr>
-          <p:nvPr>
-            <p:ph type="title"/>
-          </p:nvPr>
-        </p:nvSpPr>
-        <p:spPr/>
-        <p:txBody>
-          <a:bodyPr/>
-          <a:lstStyle/>
-          <a:p>
-            <a:r>
-              <a:rPr lang="en-US" dirty="0"/>
-              <a:t>Changes to U.I. Layer</a:t>
+              <a:t>. Layer</a:t>
             </a:r>
           </a:p>
         </p:txBody>
@@ -3689,7 +3598,7 @@
 </p:sld>
 </file>
 
-<file path=ppt/slides/slide5.xml><?xml version="1.0" encoding="utf-8"?>
+<file path=ppt/slides/slide4.xml><?xml version="1.0" encoding="utf-8"?>
 <p:sld xmlns:a="http://schemas.openxmlformats.org/drawingml/2006/main" xmlns:r="http://schemas.openxmlformats.org/officeDocument/2006/relationships" xmlns:p="http://schemas.openxmlformats.org/presentationml/2006/main">
   <p:cSld>
     <p:spTree>
@@ -3766,7 +3675,7 @@
 </p:sld>
 </file>
 
-<file path=ppt/slides/slide6.xml><?xml version="1.0" encoding="utf-8"?>
+<file path=ppt/slides/slide5.xml><?xml version="1.0" encoding="utf-8"?>
 <p:sld xmlns:a="http://schemas.openxmlformats.org/drawingml/2006/main" xmlns:r="http://schemas.openxmlformats.org/officeDocument/2006/relationships" xmlns:p="http://schemas.openxmlformats.org/presentationml/2006/main">
   <p:cSld>
     <p:spTree>
@@ -3828,7 +3737,7 @@
           <a:graphicData uri="http://schemas.openxmlformats.org/presentationml/2006/ole">
             <mc:AlternateContent xmlns:mc="http://schemas.openxmlformats.org/markup-compatibility/2006">
               <mc:Choice xmlns:v="urn:schemas-microsoft-com:vml" Requires="v">
-                <p:oleObj spid="_x0000_s1026" name="Visio" r:id="rId3" imgW="7029530" imgH="4381562" progId="Visio.Drawing.15">
+                <p:oleObj spid="_x0000_s1034" name="Visio" r:id="rId3" imgW="7029530" imgH="4381562" progId="Visio.Drawing.15">
                   <p:embed/>
                 </p:oleObj>
               </mc:Choice>
@@ -3871,6 +3780,241 @@
     <p:extLst>
       <p:ext uri="{BB962C8B-B14F-4D97-AF65-F5344CB8AC3E}">
         <p14:creationId xmlns:p14="http://schemas.microsoft.com/office/powerpoint/2010/main" val="3826827119"/>
+      </p:ext>
+    </p:extLst>
+  </p:cSld>
+  <p:clrMapOvr>
+    <a:masterClrMapping/>
+  </p:clrMapOvr>
+</p:sld>
+</file>
+
+<file path=ppt/slides/slide6.xml><?xml version="1.0" encoding="utf-8"?>
+<p:sld xmlns:a="http://schemas.openxmlformats.org/drawingml/2006/main" xmlns:r="http://schemas.openxmlformats.org/officeDocument/2006/relationships" xmlns:p="http://schemas.openxmlformats.org/presentationml/2006/main">
+  <p:cSld>
+    <p:spTree>
+      <p:nvGrpSpPr>
+        <p:cNvPr id="1" name=""/>
+        <p:cNvGrpSpPr/>
+        <p:nvPr/>
+      </p:nvGrpSpPr>
+      <p:grpSpPr>
+        <a:xfrm>
+          <a:off x="0" y="0"/>
+          <a:ext cx="0" cy="0"/>
+          <a:chOff x="0" y="0"/>
+          <a:chExt cx="0" cy="0"/>
+        </a:xfrm>
+      </p:grpSpPr>
+      <p:sp>
+        <p:nvSpPr>
+          <p:cNvPr id="2" name="Title 1"/>
+          <p:cNvSpPr>
+            <a:spLocks noGrp="1"/>
+          </p:cNvSpPr>
+          <p:nvPr>
+            <p:ph type="title"/>
+          </p:nvPr>
+        </p:nvSpPr>
+        <p:spPr>
+          <a:xfrm>
+            <a:off x="457200" y="274638"/>
+            <a:ext cx="8077200" cy="1143000"/>
+          </a:xfrm>
+        </p:spPr>
+        <p:txBody>
+          <a:bodyPr/>
+          <a:lstStyle/>
+          <a:p>
+            <a:r>
+              <a:rPr lang="en-US" dirty="0" smtClean="0"/>
+              <a:t>ADS </a:t>
+            </a:r>
+            <a:r>
+              <a:rPr lang="en-US" dirty="0" smtClean="0"/>
+              <a:t>Changes – Tradeoffs Testing </a:t>
+            </a:r>
+            <a:endParaRPr lang="en-US" dirty="0"/>
+          </a:p>
+        </p:txBody>
+      </p:sp>
+      <p:sp>
+        <p:nvSpPr>
+          <p:cNvPr id="3" name="Content Placeholder 2"/>
+          <p:cNvSpPr>
+            <a:spLocks noGrp="1"/>
+          </p:cNvSpPr>
+          <p:nvPr>
+            <p:ph idx="1"/>
+          </p:nvPr>
+        </p:nvSpPr>
+        <p:spPr/>
+        <p:txBody>
+          <a:bodyPr>
+            <a:normAutofit/>
+          </a:bodyPr>
+          <a:lstStyle/>
+          <a:p>
+            <a:r>
+              <a:rPr lang="en-US" dirty="0"/>
+              <a:t>Tradeoffs</a:t>
+            </a:r>
+          </a:p>
+          <a:p>
+            <a:pPr lvl="1"/>
+            <a:r>
+              <a:rPr lang="en-US" dirty="0"/>
+              <a:t>Simple Interface Layer</a:t>
+            </a:r>
+          </a:p>
+          <a:p>
+            <a:pPr lvl="1"/>
+            <a:r>
+              <a:rPr lang="en-US" dirty="0"/>
+              <a:t>Three Processing Layers vs. One Processing Layer</a:t>
+            </a:r>
+          </a:p>
+          <a:p>
+            <a:pPr lvl="1"/>
+            <a:r>
+              <a:rPr lang="en-US" dirty="0"/>
+              <a:t>Physical and Printer Feedback Layer Separated</a:t>
+            </a:r>
+          </a:p>
+          <a:p>
+            <a:r>
+              <a:rPr lang="en-US" dirty="0"/>
+              <a:t>Testing Considerations</a:t>
+            </a:r>
+          </a:p>
+          <a:p>
+            <a:pPr lvl="1"/>
+            <a:r>
+              <a:rPr lang="en-US" dirty="0"/>
+              <a:t>Emphasized Testing Layers Independently</a:t>
+            </a:r>
+          </a:p>
+          <a:p>
+            <a:endParaRPr lang="en-US" dirty="0"/>
+          </a:p>
+        </p:txBody>
+      </p:sp>
+    </p:spTree>
+    <p:extLst>
+      <p:ext uri="{BB962C8B-B14F-4D97-AF65-F5344CB8AC3E}">
+        <p14:creationId xmlns:p14="http://schemas.microsoft.com/office/powerpoint/2010/main" val="1296344894"/>
+      </p:ext>
+    </p:extLst>
+  </p:cSld>
+  <p:clrMapOvr>
+    <a:masterClrMapping/>
+  </p:clrMapOvr>
+</p:sld>
+</file>
+
+<file path=ppt/slides/slide7.xml><?xml version="1.0" encoding="utf-8"?>
+<p:sld xmlns:a="http://schemas.openxmlformats.org/drawingml/2006/main" xmlns:r="http://schemas.openxmlformats.org/officeDocument/2006/relationships" xmlns:p="http://schemas.openxmlformats.org/presentationml/2006/main">
+  <p:cSld>
+    <p:spTree>
+      <p:nvGrpSpPr>
+        <p:cNvPr id="1" name=""/>
+        <p:cNvGrpSpPr/>
+        <p:nvPr/>
+      </p:nvGrpSpPr>
+      <p:grpSpPr>
+        <a:xfrm>
+          <a:off x="0" y="0"/>
+          <a:ext cx="0" cy="0"/>
+          <a:chOff x="0" y="0"/>
+          <a:chExt cx="0" cy="0"/>
+        </a:xfrm>
+      </p:grpSpPr>
+      <p:sp>
+        <p:nvSpPr>
+          <p:cNvPr id="2" name="Title 1"/>
+          <p:cNvSpPr>
+            <a:spLocks noGrp="1"/>
+          </p:cNvSpPr>
+          <p:nvPr>
+            <p:ph type="title"/>
+          </p:nvPr>
+        </p:nvSpPr>
+        <p:spPr>
+          <a:xfrm>
+            <a:off x="457200" y="274638"/>
+            <a:ext cx="8001000" cy="1143000"/>
+          </a:xfrm>
+        </p:spPr>
+        <p:txBody>
+          <a:bodyPr/>
+          <a:lstStyle/>
+          <a:p>
+            <a:r>
+              <a:rPr lang="en-US" dirty="0" smtClean="0"/>
+              <a:t>ADS </a:t>
+            </a:r>
+            <a:r>
+              <a:rPr lang="en-US" dirty="0" smtClean="0"/>
+              <a:t>Changes – OS </a:t>
+            </a:r>
+            <a:r>
+              <a:rPr lang="en-US" dirty="0"/>
+              <a:t>Requirements </a:t>
+            </a:r>
+            <a:endParaRPr lang="en-US" dirty="0"/>
+          </a:p>
+        </p:txBody>
+      </p:sp>
+      <p:sp>
+        <p:nvSpPr>
+          <p:cNvPr id="3" name="Content Placeholder 2"/>
+          <p:cNvSpPr>
+            <a:spLocks noGrp="1"/>
+          </p:cNvSpPr>
+          <p:nvPr>
+            <p:ph idx="1"/>
+          </p:nvPr>
+        </p:nvSpPr>
+        <p:spPr/>
+        <p:txBody>
+          <a:bodyPr>
+            <a:normAutofit/>
+          </a:bodyPr>
+          <a:lstStyle/>
+          <a:p>
+            <a:r>
+              <a:rPr lang="en-US" dirty="0" smtClean="0"/>
+              <a:t>Language requirements</a:t>
+            </a:r>
+            <a:endParaRPr lang="en-US" dirty="0"/>
+          </a:p>
+          <a:p>
+            <a:r>
+              <a:rPr lang="en-US" dirty="0" smtClean="0"/>
+              <a:t>VM needs</a:t>
+            </a:r>
+            <a:endParaRPr lang="en-US" dirty="0"/>
+          </a:p>
+          <a:p>
+            <a:r>
+              <a:rPr lang="en-US" dirty="0" smtClean="0"/>
+              <a:t>TXRX required</a:t>
+            </a:r>
+            <a:endParaRPr lang="en-US" dirty="0"/>
+          </a:p>
+          <a:p>
+            <a:r>
+              <a:rPr lang="en-US" dirty="0" smtClean="0"/>
+              <a:t>Windows XP S.P. 3</a:t>
+            </a:r>
+            <a:endParaRPr lang="en-US" dirty="0"/>
+          </a:p>
+        </p:txBody>
+      </p:sp>
+    </p:spTree>
+    <p:extLst>
+      <p:ext uri="{BB962C8B-B14F-4D97-AF65-F5344CB8AC3E}">
+        <p14:creationId xmlns:p14="http://schemas.microsoft.com/office/powerpoint/2010/main" val="426711174"/>
       </p:ext>
     </p:extLst>
   </p:cSld>

--- a/Status Updates/2014 01 24.pptx
+++ b/Status Updates/2014 01 24.pptx
@@ -7,11 +7,12 @@
   <p:sldIdLst>
     <p:sldId id="256" r:id="rId2"/>
     <p:sldId id="257" r:id="rId3"/>
-    <p:sldId id="258" r:id="rId4"/>
-    <p:sldId id="259" r:id="rId5"/>
-    <p:sldId id="260" r:id="rId6"/>
-    <p:sldId id="261" r:id="rId7"/>
-    <p:sldId id="262" r:id="rId8"/>
+    <p:sldId id="263" r:id="rId4"/>
+    <p:sldId id="258" r:id="rId5"/>
+    <p:sldId id="259" r:id="rId6"/>
+    <p:sldId id="260" r:id="rId7"/>
+    <p:sldId id="261" r:id="rId8"/>
+    <p:sldId id="262" r:id="rId9"/>
   </p:sldIdLst>
   <p:sldSz cx="9144000" cy="6858000" type="screen4x3"/>
   <p:notesSz cx="7010400" cy="9296400"/>
@@ -112,7 +113,7 @@
   </p:defaultTextStyle>
   <p:extLst>
     <p:ext uri="{EFAFB233-063F-42B5-8137-9DF3F51BA10A}">
-      <p15:sldGuideLst xmlns="" xmlns:p15="http://schemas.microsoft.com/office/powerpoint/2012/main">
+      <p15:sldGuideLst xmlns:p15="http://schemas.microsoft.com/office/powerpoint/2012/main" xmlns="">
         <p15:guide id="1" orient="horz" pos="2160">
           <p15:clr>
             <a:srgbClr val="A4A3A4"/>
@@ -323,7 +324,7 @@
           <a:p>
             <a:fld id="{B790700D-980F-41A9-9E1A-E28F7DB87F53}" type="datetimeFigureOut">
               <a:rPr lang="en-US" smtClean="0"/>
-              <a:t>1/23/14</a:t>
+              <a:t>1/23/2014</a:t>
             </a:fld>
             <a:endParaRPr lang="en-US"/>
           </a:p>
@@ -488,7 +489,7 @@
           <a:p>
             <a:fld id="{B790700D-980F-41A9-9E1A-E28F7DB87F53}" type="datetimeFigureOut">
               <a:rPr lang="en-US" smtClean="0"/>
-              <a:t>1/23/14</a:t>
+              <a:t>1/23/2014</a:t>
             </a:fld>
             <a:endParaRPr lang="en-US"/>
           </a:p>
@@ -663,7 +664,7 @@
           <a:p>
             <a:fld id="{B790700D-980F-41A9-9E1A-E28F7DB87F53}" type="datetimeFigureOut">
               <a:rPr lang="en-US" smtClean="0"/>
-              <a:t>1/23/14</a:t>
+              <a:t>1/23/2014</a:t>
             </a:fld>
             <a:endParaRPr lang="en-US"/>
           </a:p>
@@ -828,7 +829,7 @@
           <a:p>
             <a:fld id="{B790700D-980F-41A9-9E1A-E28F7DB87F53}" type="datetimeFigureOut">
               <a:rPr lang="en-US" smtClean="0"/>
-              <a:t>1/23/14</a:t>
+              <a:t>1/23/2014</a:t>
             </a:fld>
             <a:endParaRPr lang="en-US"/>
           </a:p>
@@ -1069,7 +1070,7 @@
           <a:p>
             <a:fld id="{B790700D-980F-41A9-9E1A-E28F7DB87F53}" type="datetimeFigureOut">
               <a:rPr lang="en-US" smtClean="0"/>
-              <a:t>1/23/14</a:t>
+              <a:t>1/23/2014</a:t>
             </a:fld>
             <a:endParaRPr lang="en-US"/>
           </a:p>
@@ -1352,7 +1353,7 @@
           <a:p>
             <a:fld id="{B790700D-980F-41A9-9E1A-E28F7DB87F53}" type="datetimeFigureOut">
               <a:rPr lang="en-US" smtClean="0"/>
-              <a:t>1/23/14</a:t>
+              <a:t>1/23/2014</a:t>
             </a:fld>
             <a:endParaRPr lang="en-US"/>
           </a:p>
@@ -1781,7 +1782,7 @@
           <a:p>
             <a:fld id="{B790700D-980F-41A9-9E1A-E28F7DB87F53}" type="datetimeFigureOut">
               <a:rPr lang="en-US" smtClean="0"/>
-              <a:t>1/23/14</a:t>
+              <a:t>1/23/2014</a:t>
             </a:fld>
             <a:endParaRPr lang="en-US"/>
           </a:p>
@@ -1894,7 +1895,7 @@
           <a:p>
             <a:fld id="{B790700D-980F-41A9-9E1A-E28F7DB87F53}" type="datetimeFigureOut">
               <a:rPr lang="en-US" smtClean="0"/>
-              <a:t>1/23/14</a:t>
+              <a:t>1/23/2014</a:t>
             </a:fld>
             <a:endParaRPr lang="en-US"/>
           </a:p>
@@ -1984,7 +1985,7 @@
           <a:p>
             <a:fld id="{B790700D-980F-41A9-9E1A-E28F7DB87F53}" type="datetimeFigureOut">
               <a:rPr lang="en-US" smtClean="0"/>
-              <a:t>1/23/14</a:t>
+              <a:t>1/23/2014</a:t>
             </a:fld>
             <a:endParaRPr lang="en-US"/>
           </a:p>
@@ -2173,7 +2174,7 @@
           <a:p>
             <a:fld id="{B790700D-980F-41A9-9E1A-E28F7DB87F53}" type="datetimeFigureOut">
               <a:rPr lang="en-US" smtClean="0"/>
-              <a:t>1/23/14</a:t>
+              <a:t>1/23/2014</a:t>
             </a:fld>
             <a:endParaRPr lang="en-US"/>
           </a:p>
@@ -2491,7 +2492,7 @@
           <a:p>
             <a:fld id="{B790700D-980F-41A9-9E1A-E28F7DB87F53}" type="datetimeFigureOut">
               <a:rPr lang="en-US" smtClean="0"/>
-              <a:t>1/23/14</a:t>
+              <a:t>1/23/2014</a:t>
             </a:fld>
             <a:endParaRPr lang="en-US"/>
           </a:p>
@@ -2870,7 +2871,7 @@
           <a:p>
             <a:fld id="{B790700D-980F-41A9-9E1A-E28F7DB87F53}" type="datetimeFigureOut">
               <a:rPr lang="en-US" smtClean="0"/>
-              <a:t>1/23/14</a:t>
+              <a:t>1/23/2014</a:t>
             </a:fld>
             <a:endParaRPr lang="en-US"/>
           </a:p>
@@ -3295,7 +3296,7 @@
   <p:timing>
     <p:tnLst>
       <p:par>
-        <p:cTn xmlns:p14="http://schemas.microsoft.com/office/powerpoint/2010/main" id="1" dur="indefinite" restart="never" nodeType="tmRoot"/>
+        <p:cTn id="1" dur="indefinite" restart="never" nodeType="tmRoot"/>
       </p:par>
     </p:tnLst>
   </p:timing>
@@ -3319,105 +3320,4445 @@
           <a:chExt cx="0" cy="0"/>
         </a:xfrm>
       </p:grpSpPr>
-      <p:sp>
-        <p:nvSpPr>
-          <p:cNvPr id="2" name="Title 1"/>
-          <p:cNvSpPr>
-            <a:spLocks noGrp="1"/>
-          </p:cNvSpPr>
-          <p:nvPr>
-            <p:ph type="title"/>
-          </p:nvPr>
-        </p:nvSpPr>
-        <p:spPr/>
-        <p:txBody>
-          <a:bodyPr/>
-          <a:lstStyle/>
-          <a:p>
-            <a:r>
-              <a:rPr lang="en-US" dirty="0" smtClean="0"/>
-              <a:t>ADS Changes</a:t>
-            </a:r>
-            <a:endParaRPr lang="en-US" dirty="0"/>
-          </a:p>
-        </p:txBody>
-      </p:sp>
-      <p:sp>
-        <p:nvSpPr>
-          <p:cNvPr id="3" name="Content Placeholder 2"/>
-          <p:cNvSpPr>
-            <a:spLocks noGrp="1"/>
-          </p:cNvSpPr>
+      <p:graphicFrame>
+        <p:nvGraphicFramePr>
+          <p:cNvPr id="14" name="Content Placeholder 13"/>
+          <p:cNvGraphicFramePr>
+            <a:graphicFrameLocks noGrp="1"/>
+          </p:cNvGraphicFramePr>
           <p:nvPr>
             <p:ph idx="1"/>
+            <p:extLst>
+              <p:ext uri="{D42A27DB-BD31-4B8C-83A1-F6EECF244321}">
+                <p14:modId xmlns:p14="http://schemas.microsoft.com/office/powerpoint/2010/main" val="396933905"/>
+              </p:ext>
+            </p:extLst>
           </p:nvPr>
-        </p:nvSpPr>
-        <p:spPr/>
-        <p:txBody>
-          <a:bodyPr>
-            <a:normAutofit/>
-          </a:bodyPr>
-          <a:lstStyle/>
-          <a:p>
-            <a:r>
-              <a:rPr lang="en-US" sz="2800" dirty="0" smtClean="0"/>
-              <a:t>Redrew UI Layer to MVC</a:t>
-            </a:r>
-          </a:p>
-          <a:p>
-            <a:r>
-              <a:rPr lang="en-US" sz="2800" dirty="0" smtClean="0"/>
-              <a:t>Updated Data </a:t>
-            </a:r>
-            <a:r>
-              <a:rPr lang="en-US" sz="2800" dirty="0"/>
-              <a:t>F</a:t>
-            </a:r>
-            <a:r>
-              <a:rPr lang="en-US" sz="2800" dirty="0" smtClean="0"/>
-              <a:t>low Numbering</a:t>
-            </a:r>
-          </a:p>
-          <a:p>
-            <a:r>
-              <a:rPr lang="en-US" sz="2800" dirty="0" smtClean="0"/>
-              <a:t>Added  Traceability Matrix</a:t>
-            </a:r>
-          </a:p>
-          <a:p>
-            <a:r>
-              <a:rPr lang="en-US" sz="2800" dirty="0" smtClean="0"/>
-              <a:t>Rewrote Layer </a:t>
-            </a:r>
-            <a:r>
-              <a:rPr lang="en-US" sz="2800" dirty="0" smtClean="0"/>
-              <a:t>introduction</a:t>
-            </a:r>
-          </a:p>
-          <a:p>
-            <a:r>
-              <a:rPr lang="en-US" sz="2800" dirty="0" smtClean="0"/>
-              <a:t>Tradeoffs</a:t>
-            </a:r>
-          </a:p>
-          <a:p>
-            <a:r>
-              <a:rPr lang="en-US" sz="2800" dirty="0" smtClean="0"/>
-              <a:t>Testing Considerations</a:t>
-            </a:r>
-          </a:p>
-          <a:p>
-            <a:r>
-              <a:rPr lang="en-US" sz="2800" dirty="0" smtClean="0"/>
-              <a:t>OS Requirements</a:t>
-            </a:r>
-            <a:endParaRPr lang="en-US" sz="2800" dirty="0" smtClean="0"/>
-          </a:p>
-          <a:p>
-            <a:endParaRPr lang="en-US" dirty="0"/>
-          </a:p>
-        </p:txBody>
-      </p:sp>
+        </p:nvGraphicFramePr>
+        <p:xfrm>
+          <a:off x="228600" y="609600"/>
+          <a:ext cx="8229602" cy="6088844"/>
+        </p:xfrm>
+        <a:graphic>
+          <a:graphicData uri="http://schemas.openxmlformats.org/drawingml/2006/table">
+            <a:tbl>
+              <a:tblPr>
+                <a:tableStyleId>{5C22544A-7EE6-4342-B048-85BDC9FD1C3A}</a:tableStyleId>
+              </a:tblPr>
+              <a:tblGrid>
+                <a:gridCol w="799911"/>
+                <a:gridCol w="2399736"/>
+                <a:gridCol w="1274437"/>
+                <a:gridCol w="1274437"/>
+                <a:gridCol w="799911"/>
+                <a:gridCol w="637217"/>
+                <a:gridCol w="1043953"/>
+              </a:tblGrid>
+              <a:tr h="604157">
+                <a:tc>
+                  <a:txBody>
+                    <a:bodyPr/>
+                    <a:lstStyle/>
+                    <a:p>
+                      <a:pPr algn="l" fontAlgn="ctr"/>
+                      <a:r>
+                        <a:rPr lang="en-US" sz="1300" u="none" strike="noStrike">
+                          <a:effectLst/>
+                        </a:rPr>
+                        <a:t>Task Number</a:t>
+                      </a:r>
+                      <a:endParaRPr lang="en-US" sz="1300" b="0" i="0" u="none" strike="noStrike">
+                        <a:solidFill>
+                          <a:srgbClr val="363636"/>
+                        </a:solidFill>
+                        <a:effectLst/>
+                        <a:latin typeface="Segoe UI"/>
+                      </a:endParaRPr>
+                    </a:p>
+                  </a:txBody>
+                  <a:tcPr marL="6350" marR="6350" marT="6350" marB="0" anchor="ctr"/>
+                </a:tc>
+                <a:tc>
+                  <a:txBody>
+                    <a:bodyPr/>
+                    <a:lstStyle/>
+                    <a:p>
+                      <a:pPr algn="l" fontAlgn="ctr"/>
+                      <a:r>
+                        <a:rPr lang="en-US" sz="1300" u="none" strike="noStrike">
+                          <a:effectLst/>
+                        </a:rPr>
+                        <a:t>Task Name</a:t>
+                      </a:r>
+                      <a:endParaRPr lang="en-US" sz="1300" b="0" i="0" u="none" strike="noStrike">
+                        <a:solidFill>
+                          <a:srgbClr val="363636"/>
+                        </a:solidFill>
+                        <a:effectLst/>
+                        <a:latin typeface="Segoe UI"/>
+                      </a:endParaRPr>
+                    </a:p>
+                  </a:txBody>
+                  <a:tcPr marL="6350" marR="6350" marT="6350" marB="0" anchor="ctr"/>
+                </a:tc>
+                <a:tc>
+                  <a:txBody>
+                    <a:bodyPr/>
+                    <a:lstStyle/>
+                    <a:p>
+                      <a:pPr algn="l" fontAlgn="ctr"/>
+                      <a:r>
+                        <a:rPr lang="en-US" sz="1300" u="none" strike="noStrike">
+                          <a:effectLst/>
+                        </a:rPr>
+                        <a:t>Planned Start</a:t>
+                      </a:r>
+                      <a:endParaRPr lang="en-US" sz="1300" b="0" i="0" u="none" strike="noStrike">
+                        <a:solidFill>
+                          <a:srgbClr val="363636"/>
+                        </a:solidFill>
+                        <a:effectLst/>
+                        <a:latin typeface="Segoe UI"/>
+                      </a:endParaRPr>
+                    </a:p>
+                  </a:txBody>
+                  <a:tcPr marL="6350" marR="6350" marT="6350" marB="0" anchor="ctr"/>
+                </a:tc>
+                <a:tc>
+                  <a:txBody>
+                    <a:bodyPr/>
+                    <a:lstStyle/>
+                    <a:p>
+                      <a:pPr algn="l" fontAlgn="ctr"/>
+                      <a:r>
+                        <a:rPr lang="en-US" sz="1300" u="none" strike="noStrike">
+                          <a:effectLst/>
+                        </a:rPr>
+                        <a:t>Planned Finish</a:t>
+                      </a:r>
+                      <a:endParaRPr lang="en-US" sz="1300" b="0" i="0" u="none" strike="noStrike">
+                        <a:solidFill>
+                          <a:srgbClr val="363636"/>
+                        </a:solidFill>
+                        <a:effectLst/>
+                        <a:latin typeface="Segoe UI"/>
+                      </a:endParaRPr>
+                    </a:p>
+                  </a:txBody>
+                  <a:tcPr marL="6350" marR="6350" marT="6350" marB="0" anchor="ctr"/>
+                </a:tc>
+                <a:tc>
+                  <a:txBody>
+                    <a:bodyPr/>
+                    <a:lstStyle/>
+                    <a:p>
+                      <a:pPr algn="l" fontAlgn="ctr"/>
+                      <a:r>
+                        <a:rPr lang="en-US" sz="1300" u="none" strike="noStrike">
+                          <a:effectLst/>
+                        </a:rPr>
+                        <a:t>Planned Work Hours</a:t>
+                      </a:r>
+                      <a:endParaRPr lang="en-US" sz="1300" b="0" i="0" u="none" strike="noStrike">
+                        <a:solidFill>
+                          <a:srgbClr val="363636"/>
+                        </a:solidFill>
+                        <a:effectLst/>
+                        <a:latin typeface="Segoe UI"/>
+                      </a:endParaRPr>
+                    </a:p>
+                  </a:txBody>
+                  <a:tcPr marL="6350" marR="6350" marT="6350" marB="0" anchor="ctr"/>
+                </a:tc>
+                <a:tc>
+                  <a:txBody>
+                    <a:bodyPr/>
+                    <a:lstStyle/>
+                    <a:p>
+                      <a:pPr algn="l" fontAlgn="ctr"/>
+                      <a:r>
+                        <a:rPr lang="en-US" sz="1300" u="none" strike="noStrike">
+                          <a:effectLst/>
+                        </a:rPr>
+                        <a:t>Actual Work Hours</a:t>
+                      </a:r>
+                      <a:endParaRPr lang="en-US" sz="1300" b="0" i="0" u="none" strike="noStrike">
+                        <a:solidFill>
+                          <a:srgbClr val="363636"/>
+                        </a:solidFill>
+                        <a:effectLst/>
+                        <a:latin typeface="Segoe UI"/>
+                      </a:endParaRPr>
+                    </a:p>
+                  </a:txBody>
+                  <a:tcPr marL="6350" marR="6350" marT="6350" marB="0" anchor="ctr"/>
+                </a:tc>
+                <a:tc>
+                  <a:txBody>
+                    <a:bodyPr/>
+                    <a:lstStyle/>
+                    <a:p>
+                      <a:pPr algn="l" fontAlgn="ctr"/>
+                      <a:r>
+                        <a:rPr lang="en-US" sz="1300" u="none" strike="noStrike">
+                          <a:effectLst/>
+                        </a:rPr>
+                        <a:t>% Work Completed</a:t>
+                      </a:r>
+                      <a:endParaRPr lang="en-US" sz="1300" b="0" i="0" u="none" strike="noStrike">
+                        <a:solidFill>
+                          <a:srgbClr val="363636"/>
+                        </a:solidFill>
+                        <a:effectLst/>
+                        <a:latin typeface="Segoe UI"/>
+                      </a:endParaRPr>
+                    </a:p>
+                  </a:txBody>
+                  <a:tcPr marL="6350" marR="6350" marT="6350" marB="0" anchor="ctr"/>
+                </a:tc>
+              </a:tr>
+              <a:tr h="186468">
+                <a:tc>
+                  <a:txBody>
+                    <a:bodyPr/>
+                    <a:lstStyle/>
+                    <a:p>
+                      <a:pPr algn="l" fontAlgn="ctr"/>
+                      <a:r>
+                        <a:rPr lang="en-US" sz="1300" u="none" strike="noStrike">
+                          <a:effectLst/>
+                        </a:rPr>
+                        <a:t>1</a:t>
+                      </a:r>
+                      <a:endParaRPr lang="en-US" sz="1300" b="0" i="0" u="none" strike="noStrike">
+                        <a:solidFill>
+                          <a:srgbClr val="000000"/>
+                        </a:solidFill>
+                        <a:effectLst/>
+                        <a:latin typeface="Calibri"/>
+                      </a:endParaRPr>
+                    </a:p>
+                  </a:txBody>
+                  <a:tcPr marL="6350" marR="6350" marT="6350" marB="0" anchor="ctr"/>
+                </a:tc>
+                <a:tc>
+                  <a:txBody>
+                    <a:bodyPr/>
+                    <a:lstStyle/>
+                    <a:p>
+                      <a:pPr algn="l" fontAlgn="ctr"/>
+                      <a:r>
+                        <a:rPr lang="en-US" sz="1300" u="none" strike="noStrike">
+                          <a:effectLst/>
+                        </a:rPr>
+                        <a:t>Senior Design 1</a:t>
+                      </a:r>
+                      <a:endParaRPr lang="en-US" sz="1300" b="0" i="0" u="none" strike="noStrike">
+                        <a:solidFill>
+                          <a:srgbClr val="000000"/>
+                        </a:solidFill>
+                        <a:effectLst/>
+                        <a:latin typeface="Calibri"/>
+                      </a:endParaRPr>
+                    </a:p>
+                  </a:txBody>
+                  <a:tcPr marL="6350" marR="6350" marT="6350" marB="0" anchor="ctr"/>
+                </a:tc>
+                <a:tc>
+                  <a:txBody>
+                    <a:bodyPr/>
+                    <a:lstStyle/>
+                    <a:p>
+                      <a:pPr algn="l" fontAlgn="ctr"/>
+                      <a:r>
+                        <a:rPr lang="en-US" sz="1300" u="none" strike="noStrike">
+                          <a:effectLst/>
+                        </a:rPr>
+                        <a:t>Fri 1/18/13</a:t>
+                      </a:r>
+                      <a:endParaRPr lang="en-US" sz="1300" b="0" i="0" u="none" strike="noStrike">
+                        <a:solidFill>
+                          <a:srgbClr val="000000"/>
+                        </a:solidFill>
+                        <a:effectLst/>
+                        <a:latin typeface="Calibri"/>
+                      </a:endParaRPr>
+                    </a:p>
+                  </a:txBody>
+                  <a:tcPr marL="6350" marR="6350" marT="6350" marB="0" anchor="ctr"/>
+                </a:tc>
+                <a:tc>
+                  <a:txBody>
+                    <a:bodyPr/>
+                    <a:lstStyle/>
+                    <a:p>
+                      <a:pPr algn="l" fontAlgn="ctr"/>
+                      <a:r>
+                        <a:rPr lang="en-US" sz="1300" u="none" strike="noStrike">
+                          <a:effectLst/>
+                        </a:rPr>
+                        <a:t>Tue 12/9/14</a:t>
+                      </a:r>
+                      <a:endParaRPr lang="en-US" sz="1300" b="0" i="0" u="none" strike="noStrike">
+                        <a:solidFill>
+                          <a:srgbClr val="000000"/>
+                        </a:solidFill>
+                        <a:effectLst/>
+                        <a:latin typeface="Calibri"/>
+                      </a:endParaRPr>
+                    </a:p>
+                  </a:txBody>
+                  <a:tcPr marL="6350" marR="6350" marT="6350" marB="0" anchor="ctr"/>
+                </a:tc>
+                <a:tc>
+                  <a:txBody>
+                    <a:bodyPr/>
+                    <a:lstStyle/>
+                    <a:p>
+                      <a:pPr algn="r" fontAlgn="ctr"/>
+                      <a:r>
+                        <a:rPr lang="en-US" sz="1300" u="none" strike="noStrike">
+                          <a:effectLst/>
+                        </a:rPr>
+                        <a:t>327</a:t>
+                      </a:r>
+                      <a:endParaRPr lang="en-US" sz="1300" b="0" i="0" u="none" strike="noStrike">
+                        <a:solidFill>
+                          <a:srgbClr val="000000"/>
+                        </a:solidFill>
+                        <a:effectLst/>
+                        <a:latin typeface="Calibri"/>
+                      </a:endParaRPr>
+                    </a:p>
+                  </a:txBody>
+                  <a:tcPr marL="6350" marR="6350" marT="6350" marB="0" anchor="ctr"/>
+                </a:tc>
+                <a:tc>
+                  <a:txBody>
+                    <a:bodyPr/>
+                    <a:lstStyle/>
+                    <a:p>
+                      <a:pPr algn="r" fontAlgn="ctr"/>
+                      <a:r>
+                        <a:rPr lang="en-US" sz="1300" u="none" strike="noStrike">
+                          <a:effectLst/>
+                        </a:rPr>
+                        <a:t>202</a:t>
+                      </a:r>
+                      <a:endParaRPr lang="en-US" sz="1300" b="0" i="0" u="none" strike="noStrike">
+                        <a:solidFill>
+                          <a:srgbClr val="000000"/>
+                        </a:solidFill>
+                        <a:effectLst/>
+                        <a:latin typeface="Calibri"/>
+                      </a:endParaRPr>
+                    </a:p>
+                  </a:txBody>
+                  <a:tcPr marL="6350" marR="6350" marT="6350" marB="0" anchor="ctr"/>
+                </a:tc>
+                <a:tc>
+                  <a:txBody>
+                    <a:bodyPr/>
+                    <a:lstStyle/>
+                    <a:p>
+                      <a:pPr algn="r" fontAlgn="ctr"/>
+                      <a:r>
+                        <a:rPr lang="en-US" sz="1300" u="none" strike="noStrike">
+                          <a:effectLst/>
+                        </a:rPr>
+                        <a:t>100</a:t>
+                      </a:r>
+                      <a:endParaRPr lang="en-US" sz="1300" b="0" i="0" u="none" strike="noStrike">
+                        <a:solidFill>
+                          <a:srgbClr val="000000"/>
+                        </a:solidFill>
+                        <a:effectLst/>
+                        <a:latin typeface="Calibri"/>
+                      </a:endParaRPr>
+                    </a:p>
+                  </a:txBody>
+                  <a:tcPr marL="6350" marR="6350" marT="6350" marB="0" anchor="ctr"/>
+                </a:tc>
+              </a:tr>
+              <a:tr h="186468">
+                <a:tc>
+                  <a:txBody>
+                    <a:bodyPr/>
+                    <a:lstStyle/>
+                    <a:p>
+                      <a:pPr algn="l" fontAlgn="ctr"/>
+                      <a:r>
+                        <a:rPr lang="en-US" sz="1300" u="none" strike="noStrike">
+                          <a:effectLst/>
+                        </a:rPr>
+                        <a:t>1.1.3.3</a:t>
+                      </a:r>
+                      <a:endParaRPr lang="en-US" sz="1300" b="0" i="0" u="none" strike="noStrike">
+                        <a:solidFill>
+                          <a:srgbClr val="000000"/>
+                        </a:solidFill>
+                        <a:effectLst/>
+                        <a:latin typeface="Calibri"/>
+                      </a:endParaRPr>
+                    </a:p>
+                  </a:txBody>
+                  <a:tcPr marL="6350" marR="6350" marT="6350" marB="0" anchor="ctr"/>
+                </a:tc>
+                <a:tc>
+                  <a:txBody>
+                    <a:bodyPr/>
+                    <a:lstStyle/>
+                    <a:p>
+                      <a:pPr algn="l" fontAlgn="ctr"/>
+                      <a:r>
+                        <a:rPr lang="en-US" sz="1300" u="none" strike="noStrike">
+                          <a:effectLst/>
+                        </a:rPr>
+                        <a:t>      ADS   Version 2.0</a:t>
+                      </a:r>
+                      <a:endParaRPr lang="en-US" sz="1300" b="0" i="0" u="none" strike="noStrike">
+                        <a:solidFill>
+                          <a:srgbClr val="000000"/>
+                        </a:solidFill>
+                        <a:effectLst/>
+                        <a:latin typeface="Calibri"/>
+                      </a:endParaRPr>
+                    </a:p>
+                  </a:txBody>
+                  <a:tcPr marL="6350" marR="6350" marT="6350" marB="0" anchor="ctr"/>
+                </a:tc>
+                <a:tc>
+                  <a:txBody>
+                    <a:bodyPr/>
+                    <a:lstStyle/>
+                    <a:p>
+                      <a:pPr algn="l" fontAlgn="ctr"/>
+                      <a:r>
+                        <a:rPr lang="en-US" sz="1300" u="none" strike="noStrike">
+                          <a:effectLst/>
+                        </a:rPr>
+                        <a:t>Fri 1/18/13</a:t>
+                      </a:r>
+                      <a:endParaRPr lang="en-US" sz="1300" b="0" i="0" u="none" strike="noStrike">
+                        <a:solidFill>
+                          <a:srgbClr val="000000"/>
+                        </a:solidFill>
+                        <a:effectLst/>
+                        <a:latin typeface="Calibri"/>
+                      </a:endParaRPr>
+                    </a:p>
+                  </a:txBody>
+                  <a:tcPr marL="6350" marR="6350" marT="6350" marB="0" anchor="ctr"/>
+                </a:tc>
+                <a:tc>
+                  <a:txBody>
+                    <a:bodyPr/>
+                    <a:lstStyle/>
+                    <a:p>
+                      <a:pPr algn="l" fontAlgn="ctr"/>
+                      <a:r>
+                        <a:rPr lang="en-US" sz="1300" u="none" strike="noStrike">
+                          <a:effectLst/>
+                        </a:rPr>
+                        <a:t>Mon 1/20/14</a:t>
+                      </a:r>
+                      <a:endParaRPr lang="en-US" sz="1300" b="0" i="0" u="none" strike="noStrike">
+                        <a:solidFill>
+                          <a:srgbClr val="000000"/>
+                        </a:solidFill>
+                        <a:effectLst/>
+                        <a:latin typeface="Calibri"/>
+                      </a:endParaRPr>
+                    </a:p>
+                  </a:txBody>
+                  <a:tcPr marL="6350" marR="6350" marT="6350" marB="0" anchor="ctr"/>
+                </a:tc>
+                <a:tc>
+                  <a:txBody>
+                    <a:bodyPr/>
+                    <a:lstStyle/>
+                    <a:p>
+                      <a:pPr algn="r" fontAlgn="ctr"/>
+                      <a:r>
+                        <a:rPr lang="en-US" sz="1300" u="none" strike="noStrike">
+                          <a:effectLst/>
+                        </a:rPr>
+                        <a:t>30</a:t>
+                      </a:r>
+                      <a:endParaRPr lang="en-US" sz="1300" b="0" i="0" u="none" strike="noStrike">
+                        <a:solidFill>
+                          <a:srgbClr val="000000"/>
+                        </a:solidFill>
+                        <a:effectLst/>
+                        <a:latin typeface="Calibri"/>
+                      </a:endParaRPr>
+                    </a:p>
+                  </a:txBody>
+                  <a:tcPr marL="6350" marR="6350" marT="6350" marB="0" anchor="ctr"/>
+                </a:tc>
+                <a:tc>
+                  <a:txBody>
+                    <a:bodyPr/>
+                    <a:lstStyle/>
+                    <a:p>
+                      <a:pPr algn="r" fontAlgn="ctr"/>
+                      <a:r>
+                        <a:rPr lang="en-US" sz="1300" u="none" strike="noStrike">
+                          <a:effectLst/>
+                        </a:rPr>
+                        <a:t>12.5</a:t>
+                      </a:r>
+                      <a:endParaRPr lang="en-US" sz="1300" b="0" i="0" u="none" strike="noStrike">
+                        <a:solidFill>
+                          <a:srgbClr val="000000"/>
+                        </a:solidFill>
+                        <a:effectLst/>
+                        <a:latin typeface="Calibri"/>
+                      </a:endParaRPr>
+                    </a:p>
+                  </a:txBody>
+                  <a:tcPr marL="6350" marR="6350" marT="6350" marB="0" anchor="ctr"/>
+                </a:tc>
+                <a:tc>
+                  <a:txBody>
+                    <a:bodyPr/>
+                    <a:lstStyle/>
+                    <a:p>
+                      <a:pPr algn="r" fontAlgn="ctr"/>
+                      <a:r>
+                        <a:rPr lang="en-US" sz="1300" u="none" strike="noStrike">
+                          <a:effectLst/>
+                        </a:rPr>
+                        <a:t>100</a:t>
+                      </a:r>
+                      <a:endParaRPr lang="en-US" sz="1300" b="0" i="0" u="none" strike="noStrike">
+                        <a:solidFill>
+                          <a:srgbClr val="000000"/>
+                        </a:solidFill>
+                        <a:effectLst/>
+                        <a:latin typeface="Calibri"/>
+                      </a:endParaRPr>
+                    </a:p>
+                  </a:txBody>
+                  <a:tcPr marL="6350" marR="6350" marT="6350" marB="0" anchor="ctr"/>
+                </a:tc>
+              </a:tr>
+              <a:tr h="186468">
+                <a:tc>
+                  <a:txBody>
+                    <a:bodyPr/>
+                    <a:lstStyle/>
+                    <a:p>
+                      <a:pPr algn="l" fontAlgn="ctr"/>
+                      <a:r>
+                        <a:rPr lang="en-US" sz="1300" u="none" strike="noStrike">
+                          <a:effectLst/>
+                        </a:rPr>
+                        <a:t> </a:t>
+                      </a:r>
+                      <a:endParaRPr lang="en-US" sz="1300" b="0" i="0" u="none" strike="noStrike">
+                        <a:solidFill>
+                          <a:srgbClr val="000000"/>
+                        </a:solidFill>
+                        <a:effectLst/>
+                        <a:latin typeface="Calibri"/>
+                      </a:endParaRPr>
+                    </a:p>
+                  </a:txBody>
+                  <a:tcPr marL="6350" marR="6350" marT="6350" marB="0" anchor="ctr"/>
+                </a:tc>
+                <a:tc>
+                  <a:txBody>
+                    <a:bodyPr/>
+                    <a:lstStyle/>
+                    <a:p>
+                      <a:pPr algn="l" fontAlgn="ctr"/>
+                      <a:r>
+                        <a:rPr lang="en-US" sz="1300" u="none" strike="noStrike">
+                          <a:effectLst/>
+                        </a:rPr>
+                        <a:t> </a:t>
+                      </a:r>
+                      <a:endParaRPr lang="en-US" sz="1300" b="0" i="0" u="none" strike="noStrike">
+                        <a:solidFill>
+                          <a:srgbClr val="000000"/>
+                        </a:solidFill>
+                        <a:effectLst/>
+                        <a:latin typeface="Calibri"/>
+                      </a:endParaRPr>
+                    </a:p>
+                  </a:txBody>
+                  <a:tcPr marL="6350" marR="6350" marT="6350" marB="0" anchor="ctr"/>
+                </a:tc>
+                <a:tc>
+                  <a:txBody>
+                    <a:bodyPr/>
+                    <a:lstStyle/>
+                    <a:p>
+                      <a:pPr algn="l" fontAlgn="ctr"/>
+                      <a:r>
+                        <a:rPr lang="en-US" sz="1300" u="none" strike="noStrike">
+                          <a:effectLst/>
+                        </a:rPr>
+                        <a:t> </a:t>
+                      </a:r>
+                      <a:endParaRPr lang="en-US" sz="1300" b="0" i="0" u="none" strike="noStrike">
+                        <a:solidFill>
+                          <a:srgbClr val="000000"/>
+                        </a:solidFill>
+                        <a:effectLst/>
+                        <a:latin typeface="Calibri"/>
+                      </a:endParaRPr>
+                    </a:p>
+                  </a:txBody>
+                  <a:tcPr marL="6350" marR="6350" marT="6350" marB="0" anchor="ctr"/>
+                </a:tc>
+                <a:tc>
+                  <a:txBody>
+                    <a:bodyPr/>
+                    <a:lstStyle/>
+                    <a:p>
+                      <a:pPr algn="l" fontAlgn="ctr"/>
+                      <a:r>
+                        <a:rPr lang="en-US" sz="1300" u="none" strike="noStrike">
+                          <a:effectLst/>
+                        </a:rPr>
+                        <a:t> </a:t>
+                      </a:r>
+                      <a:endParaRPr lang="en-US" sz="1300" b="0" i="0" u="none" strike="noStrike">
+                        <a:solidFill>
+                          <a:srgbClr val="000000"/>
+                        </a:solidFill>
+                        <a:effectLst/>
+                        <a:latin typeface="Calibri"/>
+                      </a:endParaRPr>
+                    </a:p>
+                  </a:txBody>
+                  <a:tcPr marL="6350" marR="6350" marT="6350" marB="0" anchor="ctr"/>
+                </a:tc>
+                <a:tc>
+                  <a:txBody>
+                    <a:bodyPr/>
+                    <a:lstStyle/>
+                    <a:p>
+                      <a:pPr algn="l" fontAlgn="ctr"/>
+                      <a:r>
+                        <a:rPr lang="en-US" sz="1300" u="none" strike="noStrike">
+                          <a:effectLst/>
+                        </a:rPr>
+                        <a:t> </a:t>
+                      </a:r>
+                      <a:endParaRPr lang="en-US" sz="1300" b="0" i="0" u="none" strike="noStrike">
+                        <a:solidFill>
+                          <a:srgbClr val="000000"/>
+                        </a:solidFill>
+                        <a:effectLst/>
+                        <a:latin typeface="Calibri"/>
+                      </a:endParaRPr>
+                    </a:p>
+                  </a:txBody>
+                  <a:tcPr marL="6350" marR="6350" marT="6350" marB="0" anchor="ctr"/>
+                </a:tc>
+                <a:tc>
+                  <a:txBody>
+                    <a:bodyPr/>
+                    <a:lstStyle/>
+                    <a:p>
+                      <a:pPr algn="r" fontAlgn="ctr"/>
+                      <a:r>
+                        <a:rPr lang="en-US" sz="1300" u="none" strike="noStrike">
+                          <a:effectLst/>
+                        </a:rPr>
+                        <a:t> </a:t>
+                      </a:r>
+                      <a:endParaRPr lang="en-US" sz="1300" b="0" i="0" u="none" strike="noStrike">
+                        <a:solidFill>
+                          <a:srgbClr val="000000"/>
+                        </a:solidFill>
+                        <a:effectLst/>
+                        <a:latin typeface="Calibri"/>
+                      </a:endParaRPr>
+                    </a:p>
+                  </a:txBody>
+                  <a:tcPr marL="6350" marR="6350" marT="6350" marB="0" anchor="ctr"/>
+                </a:tc>
+                <a:tc>
+                  <a:txBody>
+                    <a:bodyPr/>
+                    <a:lstStyle/>
+                    <a:p>
+                      <a:pPr algn="l" fontAlgn="ctr"/>
+                      <a:r>
+                        <a:rPr lang="en-US" sz="1300" u="none" strike="noStrike">
+                          <a:effectLst/>
+                        </a:rPr>
+                        <a:t> </a:t>
+                      </a:r>
+                      <a:endParaRPr lang="en-US" sz="1300" b="0" i="0" u="none" strike="noStrike">
+                        <a:solidFill>
+                          <a:srgbClr val="000000"/>
+                        </a:solidFill>
+                        <a:effectLst/>
+                        <a:latin typeface="Calibri"/>
+                      </a:endParaRPr>
+                    </a:p>
+                  </a:txBody>
+                  <a:tcPr marL="6350" marR="6350" marT="6350" marB="0" anchor="ctr"/>
+                </a:tc>
+              </a:tr>
+              <a:tr h="186468">
+                <a:tc>
+                  <a:txBody>
+                    <a:bodyPr/>
+                    <a:lstStyle/>
+                    <a:p>
+                      <a:pPr algn="l" fontAlgn="ctr"/>
+                      <a:r>
+                        <a:rPr lang="en-US" sz="1300" u="none" strike="noStrike">
+                          <a:effectLst/>
+                        </a:rPr>
+                        <a:t>2</a:t>
+                      </a:r>
+                      <a:endParaRPr lang="en-US" sz="1300" b="0" i="0" u="none" strike="noStrike">
+                        <a:solidFill>
+                          <a:srgbClr val="000000"/>
+                        </a:solidFill>
+                        <a:effectLst/>
+                        <a:latin typeface="Calibri"/>
+                      </a:endParaRPr>
+                    </a:p>
+                  </a:txBody>
+                  <a:tcPr marL="6350" marR="6350" marT="6350" marB="0" anchor="ctr"/>
+                </a:tc>
+                <a:tc>
+                  <a:txBody>
+                    <a:bodyPr/>
+                    <a:lstStyle/>
+                    <a:p>
+                      <a:pPr algn="l" fontAlgn="ctr"/>
+                      <a:r>
+                        <a:rPr lang="en-US" sz="1300" u="none" strike="noStrike">
+                          <a:effectLst/>
+                        </a:rPr>
+                        <a:t>Senior Design 2</a:t>
+                      </a:r>
+                      <a:endParaRPr lang="en-US" sz="1300" b="0" i="0" u="none" strike="noStrike">
+                        <a:solidFill>
+                          <a:srgbClr val="000000"/>
+                        </a:solidFill>
+                        <a:effectLst/>
+                        <a:latin typeface="Calibri"/>
+                      </a:endParaRPr>
+                    </a:p>
+                  </a:txBody>
+                  <a:tcPr marL="6350" marR="6350" marT="6350" marB="0" anchor="ctr"/>
+                </a:tc>
+                <a:tc>
+                  <a:txBody>
+                    <a:bodyPr/>
+                    <a:lstStyle/>
+                    <a:p>
+                      <a:pPr algn="l" fontAlgn="ctr"/>
+                      <a:r>
+                        <a:rPr lang="en-US" sz="1300" u="none" strike="noStrike">
+                          <a:effectLst/>
+                        </a:rPr>
+                        <a:t>Wed 1/15/14</a:t>
+                      </a:r>
+                      <a:endParaRPr lang="en-US" sz="1300" b="0" i="0" u="none" strike="noStrike">
+                        <a:solidFill>
+                          <a:srgbClr val="000000"/>
+                        </a:solidFill>
+                        <a:effectLst/>
+                        <a:latin typeface="Calibri"/>
+                      </a:endParaRPr>
+                    </a:p>
+                  </a:txBody>
+                  <a:tcPr marL="6350" marR="6350" marT="6350" marB="0" anchor="ctr"/>
+                </a:tc>
+                <a:tc>
+                  <a:txBody>
+                    <a:bodyPr/>
+                    <a:lstStyle/>
+                    <a:p>
+                      <a:pPr algn="l" fontAlgn="ctr"/>
+                      <a:r>
+                        <a:rPr lang="en-US" sz="1300" u="none" strike="noStrike">
+                          <a:effectLst/>
+                        </a:rPr>
+                        <a:t>Fri 5/23/14</a:t>
+                      </a:r>
+                      <a:endParaRPr lang="en-US" sz="1300" b="0" i="0" u="none" strike="noStrike">
+                        <a:solidFill>
+                          <a:srgbClr val="000000"/>
+                        </a:solidFill>
+                        <a:effectLst/>
+                        <a:latin typeface="Calibri"/>
+                      </a:endParaRPr>
+                    </a:p>
+                  </a:txBody>
+                  <a:tcPr marL="6350" marR="6350" marT="6350" marB="0" anchor="ctr"/>
+                </a:tc>
+                <a:tc>
+                  <a:txBody>
+                    <a:bodyPr/>
+                    <a:lstStyle/>
+                    <a:p>
+                      <a:pPr algn="r" fontAlgn="ctr"/>
+                      <a:r>
+                        <a:rPr lang="en-US" sz="1300" u="none" strike="noStrike">
+                          <a:effectLst/>
+                        </a:rPr>
+                        <a:t>752</a:t>
+                      </a:r>
+                      <a:endParaRPr lang="en-US" sz="1300" b="0" i="0" u="none" strike="noStrike">
+                        <a:solidFill>
+                          <a:srgbClr val="000000"/>
+                        </a:solidFill>
+                        <a:effectLst/>
+                        <a:latin typeface="Calibri"/>
+                      </a:endParaRPr>
+                    </a:p>
+                  </a:txBody>
+                  <a:tcPr marL="6350" marR="6350" marT="6350" marB="0" anchor="ctr"/>
+                </a:tc>
+                <a:tc>
+                  <a:txBody>
+                    <a:bodyPr/>
+                    <a:lstStyle/>
+                    <a:p>
+                      <a:pPr algn="r" fontAlgn="ctr"/>
+                      <a:r>
+                        <a:rPr lang="en-US" sz="1300" u="none" strike="noStrike">
+                          <a:effectLst/>
+                        </a:rPr>
+                        <a:t>3</a:t>
+                      </a:r>
+                      <a:endParaRPr lang="en-US" sz="1300" b="0" i="0" u="none" strike="noStrike">
+                        <a:solidFill>
+                          <a:srgbClr val="000000"/>
+                        </a:solidFill>
+                        <a:effectLst/>
+                        <a:latin typeface="Calibri"/>
+                      </a:endParaRPr>
+                    </a:p>
+                  </a:txBody>
+                  <a:tcPr marL="6350" marR="6350" marT="6350" marB="0" anchor="ctr"/>
+                </a:tc>
+                <a:tc>
+                  <a:txBody>
+                    <a:bodyPr/>
+                    <a:lstStyle/>
+                    <a:p>
+                      <a:pPr algn="r" fontAlgn="ctr"/>
+                      <a:r>
+                        <a:rPr lang="en-US" sz="1300" u="none" strike="noStrike">
+                          <a:effectLst/>
+                        </a:rPr>
+                        <a:t>0</a:t>
+                      </a:r>
+                      <a:endParaRPr lang="en-US" sz="1300" b="0" i="0" u="none" strike="noStrike">
+                        <a:solidFill>
+                          <a:srgbClr val="000000"/>
+                        </a:solidFill>
+                        <a:effectLst/>
+                        <a:latin typeface="Calibri"/>
+                      </a:endParaRPr>
+                    </a:p>
+                  </a:txBody>
+                  <a:tcPr marL="6350" marR="6350" marT="6350" marB="0" anchor="ctr"/>
+                </a:tc>
+              </a:tr>
+              <a:tr h="186468">
+                <a:tc>
+                  <a:txBody>
+                    <a:bodyPr/>
+                    <a:lstStyle/>
+                    <a:p>
+                      <a:pPr algn="l" fontAlgn="ctr"/>
+                      <a:r>
+                        <a:rPr lang="en-US" sz="1300" u="none" strike="noStrike">
+                          <a:effectLst/>
+                        </a:rPr>
+                        <a:t>2.1</a:t>
+                      </a:r>
+                      <a:endParaRPr lang="en-US" sz="1300" b="0" i="0" u="none" strike="noStrike">
+                        <a:solidFill>
+                          <a:srgbClr val="000000"/>
+                        </a:solidFill>
+                        <a:effectLst/>
+                        <a:latin typeface="Calibri"/>
+                      </a:endParaRPr>
+                    </a:p>
+                  </a:txBody>
+                  <a:tcPr marL="6350" marR="6350" marT="6350" marB="0" anchor="ctr"/>
+                </a:tc>
+                <a:tc>
+                  <a:txBody>
+                    <a:bodyPr/>
+                    <a:lstStyle/>
+                    <a:p>
+                      <a:pPr algn="l" fontAlgn="ctr"/>
+                      <a:r>
+                        <a:rPr lang="en-US" sz="1300" u="none" strike="noStrike">
+                          <a:effectLst/>
+                        </a:rPr>
+                        <a:t>   Documents</a:t>
+                      </a:r>
+                      <a:endParaRPr lang="en-US" sz="1300" b="0" i="0" u="none" strike="noStrike">
+                        <a:solidFill>
+                          <a:srgbClr val="000000"/>
+                        </a:solidFill>
+                        <a:effectLst/>
+                        <a:latin typeface="Calibri"/>
+                      </a:endParaRPr>
+                    </a:p>
+                  </a:txBody>
+                  <a:tcPr marL="6350" marR="6350" marT="6350" marB="0" anchor="ctr"/>
+                </a:tc>
+                <a:tc>
+                  <a:txBody>
+                    <a:bodyPr/>
+                    <a:lstStyle/>
+                    <a:p>
+                      <a:pPr algn="l" fontAlgn="ctr"/>
+                      <a:r>
+                        <a:rPr lang="en-US" sz="1300" u="none" strike="noStrike">
+                          <a:effectLst/>
+                        </a:rPr>
+                        <a:t>Wed 1/15/14</a:t>
+                      </a:r>
+                      <a:endParaRPr lang="en-US" sz="1300" b="0" i="0" u="none" strike="noStrike">
+                        <a:solidFill>
+                          <a:srgbClr val="000000"/>
+                        </a:solidFill>
+                        <a:effectLst/>
+                        <a:latin typeface="Calibri"/>
+                      </a:endParaRPr>
+                    </a:p>
+                  </a:txBody>
+                  <a:tcPr marL="6350" marR="6350" marT="6350" marB="0" anchor="ctr"/>
+                </a:tc>
+                <a:tc>
+                  <a:txBody>
+                    <a:bodyPr/>
+                    <a:lstStyle/>
+                    <a:p>
+                      <a:pPr algn="l" fontAlgn="ctr"/>
+                      <a:r>
+                        <a:rPr lang="en-US" sz="1300" u="none" strike="noStrike">
+                          <a:effectLst/>
+                        </a:rPr>
+                        <a:t>Fri 5/23/14</a:t>
+                      </a:r>
+                      <a:endParaRPr lang="en-US" sz="1300" b="0" i="0" u="none" strike="noStrike">
+                        <a:solidFill>
+                          <a:srgbClr val="000000"/>
+                        </a:solidFill>
+                        <a:effectLst/>
+                        <a:latin typeface="Calibri"/>
+                      </a:endParaRPr>
+                    </a:p>
+                  </a:txBody>
+                  <a:tcPr marL="6350" marR="6350" marT="6350" marB="0" anchor="ctr"/>
+                </a:tc>
+                <a:tc>
+                  <a:txBody>
+                    <a:bodyPr/>
+                    <a:lstStyle/>
+                    <a:p>
+                      <a:pPr algn="r" fontAlgn="ctr"/>
+                      <a:r>
+                        <a:rPr lang="en-US" sz="1300" u="none" strike="noStrike">
+                          <a:effectLst/>
+                        </a:rPr>
+                        <a:t>242</a:t>
+                      </a:r>
+                      <a:endParaRPr lang="en-US" sz="1300" b="0" i="0" u="none" strike="noStrike">
+                        <a:solidFill>
+                          <a:srgbClr val="000000"/>
+                        </a:solidFill>
+                        <a:effectLst/>
+                        <a:latin typeface="Calibri"/>
+                      </a:endParaRPr>
+                    </a:p>
+                  </a:txBody>
+                  <a:tcPr marL="6350" marR="6350" marT="6350" marB="0" anchor="ctr"/>
+                </a:tc>
+                <a:tc>
+                  <a:txBody>
+                    <a:bodyPr/>
+                    <a:lstStyle/>
+                    <a:p>
+                      <a:pPr algn="r" fontAlgn="ctr"/>
+                      <a:r>
+                        <a:rPr lang="en-US" sz="1300" u="none" strike="noStrike">
+                          <a:effectLst/>
+                        </a:rPr>
+                        <a:t>3</a:t>
+                      </a:r>
+                      <a:endParaRPr lang="en-US" sz="1300" b="0" i="0" u="none" strike="noStrike">
+                        <a:solidFill>
+                          <a:srgbClr val="000000"/>
+                        </a:solidFill>
+                        <a:effectLst/>
+                        <a:latin typeface="Calibri"/>
+                      </a:endParaRPr>
+                    </a:p>
+                  </a:txBody>
+                  <a:tcPr marL="6350" marR="6350" marT="6350" marB="0" anchor="ctr"/>
+                </a:tc>
+                <a:tc>
+                  <a:txBody>
+                    <a:bodyPr/>
+                    <a:lstStyle/>
+                    <a:p>
+                      <a:pPr algn="r" fontAlgn="ctr"/>
+                      <a:r>
+                        <a:rPr lang="en-US" sz="1300" u="none" strike="noStrike">
+                          <a:effectLst/>
+                        </a:rPr>
+                        <a:t>0</a:t>
+                      </a:r>
+                      <a:endParaRPr lang="en-US" sz="1300" b="0" i="0" u="none" strike="noStrike">
+                        <a:solidFill>
+                          <a:srgbClr val="000000"/>
+                        </a:solidFill>
+                        <a:effectLst/>
+                        <a:latin typeface="Calibri"/>
+                      </a:endParaRPr>
+                    </a:p>
+                  </a:txBody>
+                  <a:tcPr marL="6350" marR="6350" marT="6350" marB="0" anchor="ctr"/>
+                </a:tc>
+              </a:tr>
+              <a:tr h="372937">
+                <a:tc>
+                  <a:txBody>
+                    <a:bodyPr/>
+                    <a:lstStyle/>
+                    <a:p>
+                      <a:pPr algn="l" fontAlgn="ctr"/>
+                      <a:r>
+                        <a:rPr lang="en-US" sz="1300" u="none" strike="noStrike">
+                          <a:effectLst/>
+                        </a:rPr>
+                        <a:t>2.1.1</a:t>
+                      </a:r>
+                      <a:endParaRPr lang="en-US" sz="1300" b="0" i="0" u="none" strike="noStrike">
+                        <a:solidFill>
+                          <a:srgbClr val="000000"/>
+                        </a:solidFill>
+                        <a:effectLst/>
+                        <a:latin typeface="Calibri"/>
+                      </a:endParaRPr>
+                    </a:p>
+                  </a:txBody>
+                  <a:tcPr marL="6350" marR="6350" marT="6350" marB="0" anchor="ctr"/>
+                </a:tc>
+                <a:tc>
+                  <a:txBody>
+                    <a:bodyPr/>
+                    <a:lstStyle/>
+                    <a:p>
+                      <a:pPr algn="l" fontAlgn="ctr"/>
+                      <a:r>
+                        <a:rPr lang="en-US" sz="1300" u="none" strike="noStrike">
+                          <a:effectLst/>
+                        </a:rPr>
+                        <a:t>      Detailed Design Documnetation</a:t>
+                      </a:r>
+                      <a:endParaRPr lang="en-US" sz="1300" b="0" i="0" u="none" strike="noStrike">
+                        <a:solidFill>
+                          <a:srgbClr val="000000"/>
+                        </a:solidFill>
+                        <a:effectLst/>
+                        <a:latin typeface="Calibri"/>
+                      </a:endParaRPr>
+                    </a:p>
+                  </a:txBody>
+                  <a:tcPr marL="6350" marR="6350" marT="6350" marB="0" anchor="ctr"/>
+                </a:tc>
+                <a:tc>
+                  <a:txBody>
+                    <a:bodyPr/>
+                    <a:lstStyle/>
+                    <a:p>
+                      <a:pPr algn="l" fontAlgn="ctr"/>
+                      <a:r>
+                        <a:rPr lang="en-US" sz="1300" u="none" strike="noStrike">
+                          <a:effectLst/>
+                        </a:rPr>
+                        <a:t>Wed 1/15/14</a:t>
+                      </a:r>
+                      <a:endParaRPr lang="en-US" sz="1300" b="0" i="0" u="none" strike="noStrike">
+                        <a:solidFill>
+                          <a:srgbClr val="000000"/>
+                        </a:solidFill>
+                        <a:effectLst/>
+                        <a:latin typeface="Calibri"/>
+                      </a:endParaRPr>
+                    </a:p>
+                  </a:txBody>
+                  <a:tcPr marL="6350" marR="6350" marT="6350" marB="0" anchor="ctr"/>
+                </a:tc>
+                <a:tc>
+                  <a:txBody>
+                    <a:bodyPr/>
+                    <a:lstStyle/>
+                    <a:p>
+                      <a:pPr algn="l" fontAlgn="ctr"/>
+                      <a:r>
+                        <a:rPr lang="en-US" sz="1300" u="none" strike="noStrike">
+                          <a:effectLst/>
+                        </a:rPr>
+                        <a:t>Tue 2/18/14</a:t>
+                      </a:r>
+                      <a:endParaRPr lang="en-US" sz="1300" b="0" i="0" u="none" strike="noStrike">
+                        <a:solidFill>
+                          <a:srgbClr val="000000"/>
+                        </a:solidFill>
+                        <a:effectLst/>
+                        <a:latin typeface="Calibri"/>
+                      </a:endParaRPr>
+                    </a:p>
+                  </a:txBody>
+                  <a:tcPr marL="6350" marR="6350" marT="6350" marB="0" anchor="ctr"/>
+                </a:tc>
+                <a:tc>
+                  <a:txBody>
+                    <a:bodyPr/>
+                    <a:lstStyle/>
+                    <a:p>
+                      <a:pPr algn="r" fontAlgn="ctr"/>
+                      <a:r>
+                        <a:rPr lang="en-US" sz="1300" u="none" strike="noStrike">
+                          <a:effectLst/>
+                        </a:rPr>
+                        <a:t>142</a:t>
+                      </a:r>
+                      <a:endParaRPr lang="en-US" sz="1300" b="0" i="0" u="none" strike="noStrike">
+                        <a:solidFill>
+                          <a:srgbClr val="000000"/>
+                        </a:solidFill>
+                        <a:effectLst/>
+                        <a:latin typeface="Calibri"/>
+                      </a:endParaRPr>
+                    </a:p>
+                  </a:txBody>
+                  <a:tcPr marL="6350" marR="6350" marT="6350" marB="0" anchor="ctr"/>
+                </a:tc>
+                <a:tc>
+                  <a:txBody>
+                    <a:bodyPr/>
+                    <a:lstStyle/>
+                    <a:p>
+                      <a:pPr algn="r" fontAlgn="ctr"/>
+                      <a:r>
+                        <a:rPr lang="en-US" sz="1300" u="none" strike="noStrike">
+                          <a:effectLst/>
+                        </a:rPr>
+                        <a:t>3</a:t>
+                      </a:r>
+                      <a:endParaRPr lang="en-US" sz="1300" b="0" i="0" u="none" strike="noStrike">
+                        <a:solidFill>
+                          <a:srgbClr val="000000"/>
+                        </a:solidFill>
+                        <a:effectLst/>
+                        <a:latin typeface="Calibri"/>
+                      </a:endParaRPr>
+                    </a:p>
+                  </a:txBody>
+                  <a:tcPr marL="6350" marR="6350" marT="6350" marB="0" anchor="ctr"/>
+                </a:tc>
+                <a:tc>
+                  <a:txBody>
+                    <a:bodyPr/>
+                    <a:lstStyle/>
+                    <a:p>
+                      <a:pPr algn="r" fontAlgn="ctr"/>
+                      <a:r>
+                        <a:rPr lang="en-US" sz="1300" u="none" strike="noStrike">
+                          <a:effectLst/>
+                        </a:rPr>
+                        <a:t>0</a:t>
+                      </a:r>
+                      <a:endParaRPr lang="en-US" sz="1300" b="0" i="0" u="none" strike="noStrike">
+                        <a:solidFill>
+                          <a:srgbClr val="000000"/>
+                        </a:solidFill>
+                        <a:effectLst/>
+                        <a:latin typeface="Calibri"/>
+                      </a:endParaRPr>
+                    </a:p>
+                  </a:txBody>
+                  <a:tcPr marL="6350" marR="6350" marT="6350" marB="0" anchor="ctr"/>
+                </a:tc>
+              </a:tr>
+              <a:tr h="186468">
+                <a:tc>
+                  <a:txBody>
+                    <a:bodyPr/>
+                    <a:lstStyle/>
+                    <a:p>
+                      <a:pPr algn="l" fontAlgn="ctr"/>
+                      <a:r>
+                        <a:rPr lang="en-US" sz="1300" u="none" strike="noStrike">
+                          <a:effectLst/>
+                        </a:rPr>
+                        <a:t>2.1.1.1</a:t>
+                      </a:r>
+                      <a:endParaRPr lang="en-US" sz="1300" b="0" i="0" u="none" strike="noStrike">
+                        <a:solidFill>
+                          <a:srgbClr val="000000"/>
+                        </a:solidFill>
+                        <a:effectLst/>
+                        <a:latin typeface="Calibri"/>
+                      </a:endParaRPr>
+                    </a:p>
+                  </a:txBody>
+                  <a:tcPr marL="6350" marR="6350" marT="6350" marB="0" anchor="ctr"/>
+                </a:tc>
+                <a:tc>
+                  <a:txBody>
+                    <a:bodyPr/>
+                    <a:lstStyle/>
+                    <a:p>
+                      <a:pPr algn="l" fontAlgn="ctr"/>
+                      <a:r>
+                        <a:rPr lang="en-US" sz="1300" u="none" strike="noStrike">
+                          <a:effectLst/>
+                        </a:rPr>
+                        <a:t>         Version 0.0</a:t>
+                      </a:r>
+                      <a:endParaRPr lang="en-US" sz="1300" b="0" i="0" u="none" strike="noStrike">
+                        <a:solidFill>
+                          <a:srgbClr val="000000"/>
+                        </a:solidFill>
+                        <a:effectLst/>
+                        <a:latin typeface="Calibri"/>
+                      </a:endParaRPr>
+                    </a:p>
+                  </a:txBody>
+                  <a:tcPr marL="6350" marR="6350" marT="6350" marB="0" anchor="ctr"/>
+                </a:tc>
+                <a:tc>
+                  <a:txBody>
+                    <a:bodyPr/>
+                    <a:lstStyle/>
+                    <a:p>
+                      <a:pPr algn="l" fontAlgn="ctr"/>
+                      <a:r>
+                        <a:rPr lang="en-US" sz="1300" u="none" strike="noStrike">
+                          <a:effectLst/>
+                        </a:rPr>
+                        <a:t>Wed 1/15/14</a:t>
+                      </a:r>
+                      <a:endParaRPr lang="en-US" sz="1300" b="0" i="0" u="none" strike="noStrike">
+                        <a:solidFill>
+                          <a:srgbClr val="000000"/>
+                        </a:solidFill>
+                        <a:effectLst/>
+                        <a:latin typeface="Calibri"/>
+                      </a:endParaRPr>
+                    </a:p>
+                  </a:txBody>
+                  <a:tcPr marL="6350" marR="6350" marT="6350" marB="0" anchor="ctr"/>
+                </a:tc>
+                <a:tc>
+                  <a:txBody>
+                    <a:bodyPr/>
+                    <a:lstStyle/>
+                    <a:p>
+                      <a:pPr algn="l" fontAlgn="ctr"/>
+                      <a:r>
+                        <a:rPr lang="en-US" sz="1300" u="none" strike="noStrike">
+                          <a:effectLst/>
+                        </a:rPr>
+                        <a:t>Tue 2/11/14</a:t>
+                      </a:r>
+                      <a:endParaRPr lang="en-US" sz="1300" b="0" i="0" u="none" strike="noStrike">
+                        <a:solidFill>
+                          <a:srgbClr val="000000"/>
+                        </a:solidFill>
+                        <a:effectLst/>
+                        <a:latin typeface="Calibri"/>
+                      </a:endParaRPr>
+                    </a:p>
+                  </a:txBody>
+                  <a:tcPr marL="6350" marR="6350" marT="6350" marB="0" anchor="ctr"/>
+                </a:tc>
+                <a:tc>
+                  <a:txBody>
+                    <a:bodyPr/>
+                    <a:lstStyle/>
+                    <a:p>
+                      <a:pPr algn="r" fontAlgn="ctr"/>
+                      <a:r>
+                        <a:rPr lang="en-US" sz="1300" u="none" strike="noStrike">
+                          <a:effectLst/>
+                        </a:rPr>
+                        <a:t>72</a:t>
+                      </a:r>
+                      <a:endParaRPr lang="en-US" sz="1300" b="0" i="0" u="none" strike="noStrike">
+                        <a:solidFill>
+                          <a:srgbClr val="000000"/>
+                        </a:solidFill>
+                        <a:effectLst/>
+                        <a:latin typeface="Calibri"/>
+                      </a:endParaRPr>
+                    </a:p>
+                  </a:txBody>
+                  <a:tcPr marL="6350" marR="6350" marT="6350" marB="0" anchor="ctr"/>
+                </a:tc>
+                <a:tc>
+                  <a:txBody>
+                    <a:bodyPr/>
+                    <a:lstStyle/>
+                    <a:p>
+                      <a:pPr algn="r" fontAlgn="ctr"/>
+                      <a:r>
+                        <a:rPr lang="en-US" sz="1300" u="none" strike="noStrike">
+                          <a:effectLst/>
+                        </a:rPr>
+                        <a:t>3</a:t>
+                      </a:r>
+                      <a:endParaRPr lang="en-US" sz="1300" b="0" i="0" u="none" strike="noStrike">
+                        <a:solidFill>
+                          <a:srgbClr val="000000"/>
+                        </a:solidFill>
+                        <a:effectLst/>
+                        <a:latin typeface="Calibri"/>
+                      </a:endParaRPr>
+                    </a:p>
+                  </a:txBody>
+                  <a:tcPr marL="6350" marR="6350" marT="6350" marB="0" anchor="ctr"/>
+                </a:tc>
+                <a:tc>
+                  <a:txBody>
+                    <a:bodyPr/>
+                    <a:lstStyle/>
+                    <a:p>
+                      <a:pPr algn="r" fontAlgn="ctr"/>
+                      <a:r>
+                        <a:rPr lang="en-US" sz="1300" u="none" strike="noStrike">
+                          <a:effectLst/>
+                        </a:rPr>
+                        <a:t>0</a:t>
+                      </a:r>
+                      <a:endParaRPr lang="en-US" sz="1300" b="0" i="0" u="none" strike="noStrike">
+                        <a:solidFill>
+                          <a:srgbClr val="000000"/>
+                        </a:solidFill>
+                        <a:effectLst/>
+                        <a:latin typeface="Calibri"/>
+                      </a:endParaRPr>
+                    </a:p>
+                  </a:txBody>
+                  <a:tcPr marL="6350" marR="6350" marT="6350" marB="0" anchor="ctr"/>
+                </a:tc>
+              </a:tr>
+              <a:tr h="186468">
+                <a:tc>
+                  <a:txBody>
+                    <a:bodyPr/>
+                    <a:lstStyle/>
+                    <a:p>
+                      <a:pPr algn="l" fontAlgn="ctr"/>
+                      <a:r>
+                        <a:rPr lang="en-US" sz="1300" u="none" strike="noStrike">
+                          <a:effectLst/>
+                        </a:rPr>
+                        <a:t>2.1.1.2</a:t>
+                      </a:r>
+                      <a:endParaRPr lang="en-US" sz="1300" b="0" i="0" u="none" strike="noStrike">
+                        <a:solidFill>
+                          <a:srgbClr val="000000"/>
+                        </a:solidFill>
+                        <a:effectLst/>
+                        <a:latin typeface="Calibri"/>
+                      </a:endParaRPr>
+                    </a:p>
+                  </a:txBody>
+                  <a:tcPr marL="6350" marR="6350" marT="6350" marB="0" anchor="ctr"/>
+                </a:tc>
+                <a:tc>
+                  <a:txBody>
+                    <a:bodyPr/>
+                    <a:lstStyle/>
+                    <a:p>
+                      <a:pPr algn="l" fontAlgn="ctr"/>
+                      <a:r>
+                        <a:rPr lang="en-US" sz="1300" u="none" strike="noStrike">
+                          <a:effectLst/>
+                        </a:rPr>
+                        <a:t>         Version 1.0</a:t>
+                      </a:r>
+                      <a:endParaRPr lang="en-US" sz="1300" b="0" i="0" u="none" strike="noStrike">
+                        <a:solidFill>
+                          <a:srgbClr val="000000"/>
+                        </a:solidFill>
+                        <a:effectLst/>
+                        <a:latin typeface="Calibri"/>
+                      </a:endParaRPr>
+                    </a:p>
+                  </a:txBody>
+                  <a:tcPr marL="6350" marR="6350" marT="6350" marB="0" anchor="ctr"/>
+                </a:tc>
+                <a:tc>
+                  <a:txBody>
+                    <a:bodyPr/>
+                    <a:lstStyle/>
+                    <a:p>
+                      <a:pPr algn="l" fontAlgn="ctr"/>
+                      <a:r>
+                        <a:rPr lang="en-US" sz="1300" u="none" strike="noStrike">
+                          <a:effectLst/>
+                        </a:rPr>
+                        <a:t>Wed 2/12/14</a:t>
+                      </a:r>
+                      <a:endParaRPr lang="en-US" sz="1300" b="0" i="0" u="none" strike="noStrike">
+                        <a:solidFill>
+                          <a:srgbClr val="000000"/>
+                        </a:solidFill>
+                        <a:effectLst/>
+                        <a:latin typeface="Calibri"/>
+                      </a:endParaRPr>
+                    </a:p>
+                  </a:txBody>
+                  <a:tcPr marL="6350" marR="6350" marT="6350" marB="0" anchor="ctr"/>
+                </a:tc>
+                <a:tc>
+                  <a:txBody>
+                    <a:bodyPr/>
+                    <a:lstStyle/>
+                    <a:p>
+                      <a:pPr algn="l" fontAlgn="ctr"/>
+                      <a:r>
+                        <a:rPr lang="en-US" sz="1300" u="none" strike="noStrike">
+                          <a:effectLst/>
+                        </a:rPr>
+                        <a:t>Tue 2/18/14</a:t>
+                      </a:r>
+                      <a:endParaRPr lang="en-US" sz="1300" b="0" i="0" u="none" strike="noStrike">
+                        <a:solidFill>
+                          <a:srgbClr val="000000"/>
+                        </a:solidFill>
+                        <a:effectLst/>
+                        <a:latin typeface="Calibri"/>
+                      </a:endParaRPr>
+                    </a:p>
+                  </a:txBody>
+                  <a:tcPr marL="6350" marR="6350" marT="6350" marB="0" anchor="ctr"/>
+                </a:tc>
+                <a:tc>
+                  <a:txBody>
+                    <a:bodyPr/>
+                    <a:lstStyle/>
+                    <a:p>
+                      <a:pPr algn="r" fontAlgn="ctr"/>
+                      <a:r>
+                        <a:rPr lang="en-US" sz="1300" u="none" strike="noStrike">
+                          <a:effectLst/>
+                        </a:rPr>
+                        <a:t>70</a:t>
+                      </a:r>
+                      <a:endParaRPr lang="en-US" sz="1300" b="0" i="0" u="none" strike="noStrike">
+                        <a:solidFill>
+                          <a:srgbClr val="000000"/>
+                        </a:solidFill>
+                        <a:effectLst/>
+                        <a:latin typeface="Calibri"/>
+                      </a:endParaRPr>
+                    </a:p>
+                  </a:txBody>
+                  <a:tcPr marL="6350" marR="6350" marT="6350" marB="0" anchor="ctr"/>
+                </a:tc>
+                <a:tc>
+                  <a:txBody>
+                    <a:bodyPr/>
+                    <a:lstStyle/>
+                    <a:p>
+                      <a:pPr algn="r" fontAlgn="ctr"/>
+                      <a:r>
+                        <a:rPr lang="en-US" sz="1300" u="none" strike="noStrike">
+                          <a:effectLst/>
+                        </a:rPr>
+                        <a:t>0</a:t>
+                      </a:r>
+                      <a:endParaRPr lang="en-US" sz="1300" b="0" i="0" u="none" strike="noStrike">
+                        <a:solidFill>
+                          <a:srgbClr val="000000"/>
+                        </a:solidFill>
+                        <a:effectLst/>
+                        <a:latin typeface="Calibri"/>
+                      </a:endParaRPr>
+                    </a:p>
+                  </a:txBody>
+                  <a:tcPr marL="6350" marR="6350" marT="6350" marB="0" anchor="ctr"/>
+                </a:tc>
+                <a:tc>
+                  <a:txBody>
+                    <a:bodyPr/>
+                    <a:lstStyle/>
+                    <a:p>
+                      <a:pPr algn="r" fontAlgn="ctr"/>
+                      <a:r>
+                        <a:rPr lang="en-US" sz="1300" u="none" strike="noStrike">
+                          <a:effectLst/>
+                        </a:rPr>
+                        <a:t>0</a:t>
+                      </a:r>
+                      <a:endParaRPr lang="en-US" sz="1300" b="0" i="0" u="none" strike="noStrike">
+                        <a:solidFill>
+                          <a:srgbClr val="000000"/>
+                        </a:solidFill>
+                        <a:effectLst/>
+                        <a:latin typeface="Calibri"/>
+                      </a:endParaRPr>
+                    </a:p>
+                  </a:txBody>
+                  <a:tcPr marL="6350" marR="6350" marT="6350" marB="0" anchor="ctr"/>
+                </a:tc>
+              </a:tr>
+              <a:tr h="186468">
+                <a:tc>
+                  <a:txBody>
+                    <a:bodyPr/>
+                    <a:lstStyle/>
+                    <a:p>
+                      <a:pPr algn="l" fontAlgn="ctr"/>
+                      <a:r>
+                        <a:rPr lang="en-US" sz="1300" u="none" strike="noStrike">
+                          <a:effectLst/>
+                        </a:rPr>
+                        <a:t>2.1.2</a:t>
+                      </a:r>
+                      <a:endParaRPr lang="en-US" sz="1300" b="0" i="0" u="none" strike="noStrike">
+                        <a:solidFill>
+                          <a:srgbClr val="000000"/>
+                        </a:solidFill>
+                        <a:effectLst/>
+                        <a:latin typeface="Calibri"/>
+                      </a:endParaRPr>
+                    </a:p>
+                  </a:txBody>
+                  <a:tcPr marL="6350" marR="6350" marT="6350" marB="0" anchor="ctr"/>
+                </a:tc>
+                <a:tc>
+                  <a:txBody>
+                    <a:bodyPr/>
+                    <a:lstStyle/>
+                    <a:p>
+                      <a:pPr algn="l" fontAlgn="ctr"/>
+                      <a:r>
+                        <a:rPr lang="en-US" sz="1300" u="none" strike="noStrike">
+                          <a:effectLst/>
+                        </a:rPr>
+                        <a:t>      Test Plan</a:t>
+                      </a:r>
+                      <a:endParaRPr lang="en-US" sz="1300" b="0" i="0" u="none" strike="noStrike">
+                        <a:solidFill>
+                          <a:srgbClr val="000000"/>
+                        </a:solidFill>
+                        <a:effectLst/>
+                        <a:latin typeface="Calibri"/>
+                      </a:endParaRPr>
+                    </a:p>
+                  </a:txBody>
+                  <a:tcPr marL="6350" marR="6350" marT="6350" marB="0" anchor="ctr"/>
+                </a:tc>
+                <a:tc>
+                  <a:txBody>
+                    <a:bodyPr/>
+                    <a:lstStyle/>
+                    <a:p>
+                      <a:pPr algn="l" fontAlgn="ctr"/>
+                      <a:r>
+                        <a:rPr lang="en-US" sz="1300" u="none" strike="noStrike">
+                          <a:effectLst/>
+                        </a:rPr>
+                        <a:t>Wed 2/5/14</a:t>
+                      </a:r>
+                      <a:endParaRPr lang="en-US" sz="1300" b="0" i="0" u="none" strike="noStrike">
+                        <a:solidFill>
+                          <a:srgbClr val="000000"/>
+                        </a:solidFill>
+                        <a:effectLst/>
+                        <a:latin typeface="Calibri"/>
+                      </a:endParaRPr>
+                    </a:p>
+                  </a:txBody>
+                  <a:tcPr marL="6350" marR="6350" marT="6350" marB="0" anchor="ctr"/>
+                </a:tc>
+                <a:tc>
+                  <a:txBody>
+                    <a:bodyPr/>
+                    <a:lstStyle/>
+                    <a:p>
+                      <a:pPr algn="l" fontAlgn="ctr"/>
+                      <a:r>
+                        <a:rPr lang="en-US" sz="1300" u="none" strike="noStrike">
+                          <a:effectLst/>
+                        </a:rPr>
+                        <a:t>Tue 2/18/14</a:t>
+                      </a:r>
+                      <a:endParaRPr lang="en-US" sz="1300" b="0" i="0" u="none" strike="noStrike">
+                        <a:solidFill>
+                          <a:srgbClr val="000000"/>
+                        </a:solidFill>
+                        <a:effectLst/>
+                        <a:latin typeface="Calibri"/>
+                      </a:endParaRPr>
+                    </a:p>
+                  </a:txBody>
+                  <a:tcPr marL="6350" marR="6350" marT="6350" marB="0" anchor="ctr"/>
+                </a:tc>
+                <a:tc>
+                  <a:txBody>
+                    <a:bodyPr/>
+                    <a:lstStyle/>
+                    <a:p>
+                      <a:pPr algn="r" fontAlgn="ctr"/>
+                      <a:r>
+                        <a:rPr lang="en-US" sz="1300" u="none" strike="noStrike">
+                          <a:effectLst/>
+                        </a:rPr>
+                        <a:t>100</a:t>
+                      </a:r>
+                      <a:endParaRPr lang="en-US" sz="1300" b="0" i="0" u="none" strike="noStrike">
+                        <a:solidFill>
+                          <a:srgbClr val="000000"/>
+                        </a:solidFill>
+                        <a:effectLst/>
+                        <a:latin typeface="Calibri"/>
+                      </a:endParaRPr>
+                    </a:p>
+                  </a:txBody>
+                  <a:tcPr marL="6350" marR="6350" marT="6350" marB="0" anchor="ctr"/>
+                </a:tc>
+                <a:tc>
+                  <a:txBody>
+                    <a:bodyPr/>
+                    <a:lstStyle/>
+                    <a:p>
+                      <a:pPr algn="r" fontAlgn="ctr"/>
+                      <a:r>
+                        <a:rPr lang="en-US" sz="1300" u="none" strike="noStrike">
+                          <a:effectLst/>
+                        </a:rPr>
+                        <a:t>0</a:t>
+                      </a:r>
+                      <a:endParaRPr lang="en-US" sz="1300" b="0" i="0" u="none" strike="noStrike">
+                        <a:solidFill>
+                          <a:srgbClr val="000000"/>
+                        </a:solidFill>
+                        <a:effectLst/>
+                        <a:latin typeface="Calibri"/>
+                      </a:endParaRPr>
+                    </a:p>
+                  </a:txBody>
+                  <a:tcPr marL="6350" marR="6350" marT="6350" marB="0" anchor="ctr"/>
+                </a:tc>
+                <a:tc>
+                  <a:txBody>
+                    <a:bodyPr/>
+                    <a:lstStyle/>
+                    <a:p>
+                      <a:pPr algn="r" fontAlgn="ctr"/>
+                      <a:r>
+                        <a:rPr lang="en-US" sz="1300" u="none" strike="noStrike">
+                          <a:effectLst/>
+                        </a:rPr>
+                        <a:t>0</a:t>
+                      </a:r>
+                      <a:endParaRPr lang="en-US" sz="1300" b="0" i="0" u="none" strike="noStrike">
+                        <a:solidFill>
+                          <a:srgbClr val="000000"/>
+                        </a:solidFill>
+                        <a:effectLst/>
+                        <a:latin typeface="Calibri"/>
+                      </a:endParaRPr>
+                    </a:p>
+                  </a:txBody>
+                  <a:tcPr marL="6350" marR="6350" marT="6350" marB="0" anchor="ctr"/>
+                </a:tc>
+              </a:tr>
+              <a:tr h="186468">
+                <a:tc>
+                  <a:txBody>
+                    <a:bodyPr/>
+                    <a:lstStyle/>
+                    <a:p>
+                      <a:pPr algn="l" fontAlgn="ctr"/>
+                      <a:r>
+                        <a:rPr lang="en-US" sz="1300" u="none" strike="noStrike">
+                          <a:effectLst/>
+                        </a:rPr>
+                        <a:t>2.2</a:t>
+                      </a:r>
+                      <a:endParaRPr lang="en-US" sz="1300" b="0" i="0" u="none" strike="noStrike">
+                        <a:solidFill>
+                          <a:srgbClr val="000000"/>
+                        </a:solidFill>
+                        <a:effectLst/>
+                        <a:latin typeface="Calibri"/>
+                      </a:endParaRPr>
+                    </a:p>
+                  </a:txBody>
+                  <a:tcPr marL="6350" marR="6350" marT="6350" marB="0" anchor="ctr"/>
+                </a:tc>
+                <a:tc>
+                  <a:txBody>
+                    <a:bodyPr/>
+                    <a:lstStyle/>
+                    <a:p>
+                      <a:pPr algn="l" fontAlgn="ctr"/>
+                      <a:r>
+                        <a:rPr lang="en-US" sz="1300" u="none" strike="noStrike">
+                          <a:effectLst/>
+                        </a:rPr>
+                        <a:t>   Prototype Implementation</a:t>
+                      </a:r>
+                      <a:endParaRPr lang="en-US" sz="1300" b="0" i="0" u="none" strike="noStrike">
+                        <a:solidFill>
+                          <a:srgbClr val="000000"/>
+                        </a:solidFill>
+                        <a:effectLst/>
+                        <a:latin typeface="Calibri"/>
+                      </a:endParaRPr>
+                    </a:p>
+                  </a:txBody>
+                  <a:tcPr marL="6350" marR="6350" marT="6350" marB="0" anchor="ctr"/>
+                </a:tc>
+                <a:tc>
+                  <a:txBody>
+                    <a:bodyPr/>
+                    <a:lstStyle/>
+                    <a:p>
+                      <a:pPr algn="l" fontAlgn="ctr"/>
+                      <a:r>
+                        <a:rPr lang="en-US" sz="1300" u="none" strike="noStrike">
+                          <a:effectLst/>
+                        </a:rPr>
+                        <a:t>Tue 2/18/14</a:t>
+                      </a:r>
+                      <a:endParaRPr lang="en-US" sz="1300" b="0" i="0" u="none" strike="noStrike">
+                        <a:solidFill>
+                          <a:srgbClr val="000000"/>
+                        </a:solidFill>
+                        <a:effectLst/>
+                        <a:latin typeface="Calibri"/>
+                      </a:endParaRPr>
+                    </a:p>
+                  </a:txBody>
+                  <a:tcPr marL="6350" marR="6350" marT="6350" marB="0" anchor="ctr"/>
+                </a:tc>
+                <a:tc>
+                  <a:txBody>
+                    <a:bodyPr/>
+                    <a:lstStyle/>
+                    <a:p>
+                      <a:pPr algn="l" fontAlgn="ctr"/>
+                      <a:r>
+                        <a:rPr lang="en-US" sz="1300" u="none" strike="noStrike">
+                          <a:effectLst/>
+                        </a:rPr>
+                        <a:t>Thu 5/15/14</a:t>
+                      </a:r>
+                      <a:endParaRPr lang="en-US" sz="1300" b="0" i="0" u="none" strike="noStrike">
+                        <a:solidFill>
+                          <a:srgbClr val="000000"/>
+                        </a:solidFill>
+                        <a:effectLst/>
+                        <a:latin typeface="Calibri"/>
+                      </a:endParaRPr>
+                    </a:p>
+                  </a:txBody>
+                  <a:tcPr marL="6350" marR="6350" marT="6350" marB="0" anchor="ctr"/>
+                </a:tc>
+                <a:tc>
+                  <a:txBody>
+                    <a:bodyPr/>
+                    <a:lstStyle/>
+                    <a:p>
+                      <a:pPr algn="r" fontAlgn="ctr"/>
+                      <a:r>
+                        <a:rPr lang="en-US" sz="1300" u="none" strike="noStrike">
+                          <a:effectLst/>
+                        </a:rPr>
+                        <a:t>500</a:t>
+                      </a:r>
+                      <a:endParaRPr lang="en-US" sz="1300" b="0" i="0" u="none" strike="noStrike">
+                        <a:solidFill>
+                          <a:srgbClr val="000000"/>
+                        </a:solidFill>
+                        <a:effectLst/>
+                        <a:latin typeface="Calibri"/>
+                      </a:endParaRPr>
+                    </a:p>
+                  </a:txBody>
+                  <a:tcPr marL="6350" marR="6350" marT="6350" marB="0" anchor="ctr"/>
+                </a:tc>
+                <a:tc>
+                  <a:txBody>
+                    <a:bodyPr/>
+                    <a:lstStyle/>
+                    <a:p>
+                      <a:pPr algn="r" fontAlgn="ctr"/>
+                      <a:r>
+                        <a:rPr lang="en-US" sz="1300" u="none" strike="noStrike">
+                          <a:effectLst/>
+                        </a:rPr>
+                        <a:t>0</a:t>
+                      </a:r>
+                      <a:endParaRPr lang="en-US" sz="1300" b="0" i="0" u="none" strike="noStrike">
+                        <a:solidFill>
+                          <a:srgbClr val="000000"/>
+                        </a:solidFill>
+                        <a:effectLst/>
+                        <a:latin typeface="Calibri"/>
+                      </a:endParaRPr>
+                    </a:p>
+                  </a:txBody>
+                  <a:tcPr marL="6350" marR="6350" marT="6350" marB="0" anchor="ctr"/>
+                </a:tc>
+                <a:tc>
+                  <a:txBody>
+                    <a:bodyPr/>
+                    <a:lstStyle/>
+                    <a:p>
+                      <a:pPr algn="r" fontAlgn="ctr"/>
+                      <a:r>
+                        <a:rPr lang="en-US" sz="1300" u="none" strike="noStrike">
+                          <a:effectLst/>
+                        </a:rPr>
+                        <a:t>0</a:t>
+                      </a:r>
+                      <a:endParaRPr lang="en-US" sz="1300" b="0" i="0" u="none" strike="noStrike">
+                        <a:solidFill>
+                          <a:srgbClr val="000000"/>
+                        </a:solidFill>
+                        <a:effectLst/>
+                        <a:latin typeface="Calibri"/>
+                      </a:endParaRPr>
+                    </a:p>
+                  </a:txBody>
+                  <a:tcPr marL="6350" marR="6350" marT="6350" marB="0" anchor="ctr"/>
+                </a:tc>
+              </a:tr>
+              <a:tr h="186468">
+                <a:tc>
+                  <a:txBody>
+                    <a:bodyPr/>
+                    <a:lstStyle/>
+                    <a:p>
+                      <a:pPr algn="l" fontAlgn="ctr"/>
+                      <a:r>
+                        <a:rPr lang="en-US" sz="1300" u="none" strike="noStrike">
+                          <a:effectLst/>
+                        </a:rPr>
+                        <a:t>2.2.1</a:t>
+                      </a:r>
+                      <a:endParaRPr lang="en-US" sz="1300" b="0" i="0" u="none" strike="noStrike">
+                        <a:solidFill>
+                          <a:srgbClr val="000000"/>
+                        </a:solidFill>
+                        <a:effectLst/>
+                        <a:latin typeface="Calibri"/>
+                      </a:endParaRPr>
+                    </a:p>
+                  </a:txBody>
+                  <a:tcPr marL="6350" marR="6350" marT="6350" marB="0" anchor="ctr"/>
+                </a:tc>
+                <a:tc>
+                  <a:txBody>
+                    <a:bodyPr/>
+                    <a:lstStyle/>
+                    <a:p>
+                      <a:pPr algn="l" fontAlgn="ctr"/>
+                      <a:r>
+                        <a:rPr lang="en-US" sz="1300" u="none" strike="noStrike">
+                          <a:effectLst/>
+                        </a:rPr>
+                        <a:t>      Version 0.0</a:t>
+                      </a:r>
+                      <a:endParaRPr lang="en-US" sz="1300" b="0" i="0" u="none" strike="noStrike">
+                        <a:solidFill>
+                          <a:srgbClr val="000000"/>
+                        </a:solidFill>
+                        <a:effectLst/>
+                        <a:latin typeface="Calibri"/>
+                      </a:endParaRPr>
+                    </a:p>
+                  </a:txBody>
+                  <a:tcPr marL="6350" marR="6350" marT="6350" marB="0" anchor="ctr"/>
+                </a:tc>
+                <a:tc>
+                  <a:txBody>
+                    <a:bodyPr/>
+                    <a:lstStyle/>
+                    <a:p>
+                      <a:pPr algn="l" fontAlgn="ctr"/>
+                      <a:r>
+                        <a:rPr lang="en-US" sz="1300" u="none" strike="noStrike">
+                          <a:effectLst/>
+                        </a:rPr>
+                        <a:t>Tue 2/18/14</a:t>
+                      </a:r>
+                      <a:endParaRPr lang="en-US" sz="1300" b="0" i="0" u="none" strike="noStrike">
+                        <a:solidFill>
+                          <a:srgbClr val="000000"/>
+                        </a:solidFill>
+                        <a:effectLst/>
+                        <a:latin typeface="Calibri"/>
+                      </a:endParaRPr>
+                    </a:p>
+                  </a:txBody>
+                  <a:tcPr marL="6350" marR="6350" marT="6350" marB="0" anchor="ctr"/>
+                </a:tc>
+                <a:tc>
+                  <a:txBody>
+                    <a:bodyPr/>
+                    <a:lstStyle/>
+                    <a:p>
+                      <a:pPr algn="l" fontAlgn="ctr"/>
+                      <a:r>
+                        <a:rPr lang="en-US" sz="1300" u="none" strike="noStrike">
+                          <a:effectLst/>
+                        </a:rPr>
+                        <a:t>Tue 3/4/14</a:t>
+                      </a:r>
+                      <a:endParaRPr lang="en-US" sz="1300" b="0" i="0" u="none" strike="noStrike">
+                        <a:solidFill>
+                          <a:srgbClr val="000000"/>
+                        </a:solidFill>
+                        <a:effectLst/>
+                        <a:latin typeface="Calibri"/>
+                      </a:endParaRPr>
+                    </a:p>
+                  </a:txBody>
+                  <a:tcPr marL="6350" marR="6350" marT="6350" marB="0" anchor="ctr"/>
+                </a:tc>
+                <a:tc>
+                  <a:txBody>
+                    <a:bodyPr/>
+                    <a:lstStyle/>
+                    <a:p>
+                      <a:pPr algn="r" fontAlgn="ctr"/>
+                      <a:r>
+                        <a:rPr lang="en-US" sz="1300" u="none" strike="noStrike">
+                          <a:effectLst/>
+                        </a:rPr>
+                        <a:t>100</a:t>
+                      </a:r>
+                      <a:endParaRPr lang="en-US" sz="1300" b="0" i="0" u="none" strike="noStrike">
+                        <a:solidFill>
+                          <a:srgbClr val="000000"/>
+                        </a:solidFill>
+                        <a:effectLst/>
+                        <a:latin typeface="Calibri"/>
+                      </a:endParaRPr>
+                    </a:p>
+                  </a:txBody>
+                  <a:tcPr marL="6350" marR="6350" marT="6350" marB="0" anchor="ctr"/>
+                </a:tc>
+                <a:tc>
+                  <a:txBody>
+                    <a:bodyPr/>
+                    <a:lstStyle/>
+                    <a:p>
+                      <a:pPr algn="r" fontAlgn="ctr"/>
+                      <a:r>
+                        <a:rPr lang="en-US" sz="1300" u="none" strike="noStrike">
+                          <a:effectLst/>
+                        </a:rPr>
+                        <a:t>0</a:t>
+                      </a:r>
+                      <a:endParaRPr lang="en-US" sz="1300" b="0" i="0" u="none" strike="noStrike">
+                        <a:solidFill>
+                          <a:srgbClr val="000000"/>
+                        </a:solidFill>
+                        <a:effectLst/>
+                        <a:latin typeface="Calibri"/>
+                      </a:endParaRPr>
+                    </a:p>
+                  </a:txBody>
+                  <a:tcPr marL="6350" marR="6350" marT="6350" marB="0" anchor="ctr"/>
+                </a:tc>
+                <a:tc>
+                  <a:txBody>
+                    <a:bodyPr/>
+                    <a:lstStyle/>
+                    <a:p>
+                      <a:pPr algn="r" fontAlgn="ctr"/>
+                      <a:r>
+                        <a:rPr lang="en-US" sz="1300" u="none" strike="noStrike">
+                          <a:effectLst/>
+                        </a:rPr>
+                        <a:t>0</a:t>
+                      </a:r>
+                      <a:endParaRPr lang="en-US" sz="1300" b="0" i="0" u="none" strike="noStrike">
+                        <a:solidFill>
+                          <a:srgbClr val="000000"/>
+                        </a:solidFill>
+                        <a:effectLst/>
+                        <a:latin typeface="Calibri"/>
+                      </a:endParaRPr>
+                    </a:p>
+                  </a:txBody>
+                  <a:tcPr marL="6350" marR="6350" marT="6350" marB="0" anchor="ctr"/>
+                </a:tc>
+              </a:tr>
+              <a:tr h="186468">
+                <a:tc>
+                  <a:txBody>
+                    <a:bodyPr/>
+                    <a:lstStyle/>
+                    <a:p>
+                      <a:pPr algn="l" fontAlgn="ctr"/>
+                      <a:r>
+                        <a:rPr lang="en-US" sz="1300" u="none" strike="noStrike">
+                          <a:effectLst/>
+                        </a:rPr>
+                        <a:t>2.2.2</a:t>
+                      </a:r>
+                      <a:endParaRPr lang="en-US" sz="1300" b="0" i="0" u="none" strike="noStrike">
+                        <a:solidFill>
+                          <a:srgbClr val="000000"/>
+                        </a:solidFill>
+                        <a:effectLst/>
+                        <a:latin typeface="Calibri"/>
+                      </a:endParaRPr>
+                    </a:p>
+                  </a:txBody>
+                  <a:tcPr marL="6350" marR="6350" marT="6350" marB="0" anchor="ctr"/>
+                </a:tc>
+                <a:tc>
+                  <a:txBody>
+                    <a:bodyPr/>
+                    <a:lstStyle/>
+                    <a:p>
+                      <a:pPr algn="l" fontAlgn="ctr"/>
+                      <a:r>
+                        <a:rPr lang="en-US" sz="1300" u="none" strike="noStrike">
+                          <a:effectLst/>
+                        </a:rPr>
+                        <a:t>      Version 1.0</a:t>
+                      </a:r>
+                      <a:endParaRPr lang="en-US" sz="1300" b="0" i="0" u="none" strike="noStrike">
+                        <a:solidFill>
+                          <a:srgbClr val="000000"/>
+                        </a:solidFill>
+                        <a:effectLst/>
+                        <a:latin typeface="Calibri"/>
+                      </a:endParaRPr>
+                    </a:p>
+                  </a:txBody>
+                  <a:tcPr marL="6350" marR="6350" marT="6350" marB="0" anchor="ctr"/>
+                </a:tc>
+                <a:tc>
+                  <a:txBody>
+                    <a:bodyPr/>
+                    <a:lstStyle/>
+                    <a:p>
+                      <a:pPr algn="l" fontAlgn="ctr"/>
+                      <a:r>
+                        <a:rPr lang="en-US" sz="1300" u="none" strike="noStrike">
+                          <a:effectLst/>
+                        </a:rPr>
+                        <a:t>Tue 3/4/14</a:t>
+                      </a:r>
+                      <a:endParaRPr lang="en-US" sz="1300" b="0" i="0" u="none" strike="noStrike">
+                        <a:solidFill>
+                          <a:srgbClr val="000000"/>
+                        </a:solidFill>
+                        <a:effectLst/>
+                        <a:latin typeface="Calibri"/>
+                      </a:endParaRPr>
+                    </a:p>
+                  </a:txBody>
+                  <a:tcPr marL="6350" marR="6350" marT="6350" marB="0" anchor="ctr"/>
+                </a:tc>
+                <a:tc>
+                  <a:txBody>
+                    <a:bodyPr/>
+                    <a:lstStyle/>
+                    <a:p>
+                      <a:pPr algn="l" fontAlgn="ctr"/>
+                      <a:r>
+                        <a:rPr lang="en-US" sz="1300" u="none" strike="noStrike">
+                          <a:effectLst/>
+                        </a:rPr>
+                        <a:t>Tue 3/18/14</a:t>
+                      </a:r>
+                      <a:endParaRPr lang="en-US" sz="1300" b="0" i="0" u="none" strike="noStrike">
+                        <a:solidFill>
+                          <a:srgbClr val="000000"/>
+                        </a:solidFill>
+                        <a:effectLst/>
+                        <a:latin typeface="Calibri"/>
+                      </a:endParaRPr>
+                    </a:p>
+                  </a:txBody>
+                  <a:tcPr marL="6350" marR="6350" marT="6350" marB="0" anchor="ctr"/>
+                </a:tc>
+                <a:tc>
+                  <a:txBody>
+                    <a:bodyPr/>
+                    <a:lstStyle/>
+                    <a:p>
+                      <a:pPr algn="r" fontAlgn="ctr"/>
+                      <a:r>
+                        <a:rPr lang="en-US" sz="1300" u="none" strike="noStrike">
+                          <a:effectLst/>
+                        </a:rPr>
+                        <a:t>100</a:t>
+                      </a:r>
+                      <a:endParaRPr lang="en-US" sz="1300" b="0" i="0" u="none" strike="noStrike">
+                        <a:solidFill>
+                          <a:srgbClr val="000000"/>
+                        </a:solidFill>
+                        <a:effectLst/>
+                        <a:latin typeface="Calibri"/>
+                      </a:endParaRPr>
+                    </a:p>
+                  </a:txBody>
+                  <a:tcPr marL="6350" marR="6350" marT="6350" marB="0" anchor="ctr"/>
+                </a:tc>
+                <a:tc>
+                  <a:txBody>
+                    <a:bodyPr/>
+                    <a:lstStyle/>
+                    <a:p>
+                      <a:pPr algn="r" fontAlgn="ctr"/>
+                      <a:r>
+                        <a:rPr lang="en-US" sz="1300" u="none" strike="noStrike">
+                          <a:effectLst/>
+                        </a:rPr>
+                        <a:t>0</a:t>
+                      </a:r>
+                      <a:endParaRPr lang="en-US" sz="1300" b="0" i="0" u="none" strike="noStrike">
+                        <a:solidFill>
+                          <a:srgbClr val="000000"/>
+                        </a:solidFill>
+                        <a:effectLst/>
+                        <a:latin typeface="Calibri"/>
+                      </a:endParaRPr>
+                    </a:p>
+                  </a:txBody>
+                  <a:tcPr marL="6350" marR="6350" marT="6350" marB="0" anchor="ctr"/>
+                </a:tc>
+                <a:tc>
+                  <a:txBody>
+                    <a:bodyPr/>
+                    <a:lstStyle/>
+                    <a:p>
+                      <a:pPr algn="r" fontAlgn="ctr"/>
+                      <a:r>
+                        <a:rPr lang="en-US" sz="1300" u="none" strike="noStrike">
+                          <a:effectLst/>
+                        </a:rPr>
+                        <a:t>0</a:t>
+                      </a:r>
+                      <a:endParaRPr lang="en-US" sz="1300" b="0" i="0" u="none" strike="noStrike">
+                        <a:solidFill>
+                          <a:srgbClr val="000000"/>
+                        </a:solidFill>
+                        <a:effectLst/>
+                        <a:latin typeface="Calibri"/>
+                      </a:endParaRPr>
+                    </a:p>
+                  </a:txBody>
+                  <a:tcPr marL="6350" marR="6350" marT="6350" marB="0" anchor="ctr"/>
+                </a:tc>
+              </a:tr>
+              <a:tr h="186468">
+                <a:tc>
+                  <a:txBody>
+                    <a:bodyPr/>
+                    <a:lstStyle/>
+                    <a:p>
+                      <a:pPr algn="l" fontAlgn="ctr"/>
+                      <a:r>
+                        <a:rPr lang="en-US" sz="1300" u="none" strike="noStrike">
+                          <a:effectLst/>
+                        </a:rPr>
+                        <a:t>2.2.3</a:t>
+                      </a:r>
+                      <a:endParaRPr lang="en-US" sz="1300" b="0" i="0" u="none" strike="noStrike">
+                        <a:solidFill>
+                          <a:srgbClr val="000000"/>
+                        </a:solidFill>
+                        <a:effectLst/>
+                        <a:latin typeface="Calibri"/>
+                      </a:endParaRPr>
+                    </a:p>
+                  </a:txBody>
+                  <a:tcPr marL="6350" marR="6350" marT="6350" marB="0" anchor="ctr"/>
+                </a:tc>
+                <a:tc>
+                  <a:txBody>
+                    <a:bodyPr/>
+                    <a:lstStyle/>
+                    <a:p>
+                      <a:pPr algn="l" fontAlgn="ctr"/>
+                      <a:r>
+                        <a:rPr lang="en-US" sz="1300" u="none" strike="noStrike">
+                          <a:effectLst/>
+                        </a:rPr>
+                        <a:t>      Version 2.0</a:t>
+                      </a:r>
+                      <a:endParaRPr lang="en-US" sz="1300" b="0" i="0" u="none" strike="noStrike">
+                        <a:solidFill>
+                          <a:srgbClr val="000000"/>
+                        </a:solidFill>
+                        <a:effectLst/>
+                        <a:latin typeface="Calibri"/>
+                      </a:endParaRPr>
+                    </a:p>
+                  </a:txBody>
+                  <a:tcPr marL="6350" marR="6350" marT="6350" marB="0" anchor="ctr"/>
+                </a:tc>
+                <a:tc>
+                  <a:txBody>
+                    <a:bodyPr/>
+                    <a:lstStyle/>
+                    <a:p>
+                      <a:pPr algn="l" fontAlgn="ctr"/>
+                      <a:r>
+                        <a:rPr lang="en-US" sz="1300" u="none" strike="noStrike">
+                          <a:effectLst/>
+                        </a:rPr>
+                        <a:t>Tue 3/18/14</a:t>
+                      </a:r>
+                      <a:endParaRPr lang="en-US" sz="1300" b="0" i="0" u="none" strike="noStrike">
+                        <a:solidFill>
+                          <a:srgbClr val="000000"/>
+                        </a:solidFill>
+                        <a:effectLst/>
+                        <a:latin typeface="Calibri"/>
+                      </a:endParaRPr>
+                    </a:p>
+                  </a:txBody>
+                  <a:tcPr marL="6350" marR="6350" marT="6350" marB="0" anchor="ctr"/>
+                </a:tc>
+                <a:tc>
+                  <a:txBody>
+                    <a:bodyPr/>
+                    <a:lstStyle/>
+                    <a:p>
+                      <a:pPr algn="l" fontAlgn="ctr"/>
+                      <a:r>
+                        <a:rPr lang="en-US" sz="1300" u="none" strike="noStrike">
+                          <a:effectLst/>
+                        </a:rPr>
+                        <a:t>Tue 4/1/14</a:t>
+                      </a:r>
+                      <a:endParaRPr lang="en-US" sz="1300" b="0" i="0" u="none" strike="noStrike">
+                        <a:solidFill>
+                          <a:srgbClr val="000000"/>
+                        </a:solidFill>
+                        <a:effectLst/>
+                        <a:latin typeface="Calibri"/>
+                      </a:endParaRPr>
+                    </a:p>
+                  </a:txBody>
+                  <a:tcPr marL="6350" marR="6350" marT="6350" marB="0" anchor="ctr"/>
+                </a:tc>
+                <a:tc>
+                  <a:txBody>
+                    <a:bodyPr/>
+                    <a:lstStyle/>
+                    <a:p>
+                      <a:pPr algn="r" fontAlgn="ctr"/>
+                      <a:r>
+                        <a:rPr lang="en-US" sz="1300" u="none" strike="noStrike">
+                          <a:effectLst/>
+                        </a:rPr>
+                        <a:t>100</a:t>
+                      </a:r>
+                      <a:endParaRPr lang="en-US" sz="1300" b="0" i="0" u="none" strike="noStrike">
+                        <a:solidFill>
+                          <a:srgbClr val="000000"/>
+                        </a:solidFill>
+                        <a:effectLst/>
+                        <a:latin typeface="Calibri"/>
+                      </a:endParaRPr>
+                    </a:p>
+                  </a:txBody>
+                  <a:tcPr marL="6350" marR="6350" marT="6350" marB="0" anchor="ctr"/>
+                </a:tc>
+                <a:tc>
+                  <a:txBody>
+                    <a:bodyPr/>
+                    <a:lstStyle/>
+                    <a:p>
+                      <a:pPr algn="r" fontAlgn="ctr"/>
+                      <a:r>
+                        <a:rPr lang="en-US" sz="1300" u="none" strike="noStrike">
+                          <a:effectLst/>
+                        </a:rPr>
+                        <a:t>0</a:t>
+                      </a:r>
+                      <a:endParaRPr lang="en-US" sz="1300" b="0" i="0" u="none" strike="noStrike">
+                        <a:solidFill>
+                          <a:srgbClr val="000000"/>
+                        </a:solidFill>
+                        <a:effectLst/>
+                        <a:latin typeface="Calibri"/>
+                      </a:endParaRPr>
+                    </a:p>
+                  </a:txBody>
+                  <a:tcPr marL="6350" marR="6350" marT="6350" marB="0" anchor="ctr"/>
+                </a:tc>
+                <a:tc>
+                  <a:txBody>
+                    <a:bodyPr/>
+                    <a:lstStyle/>
+                    <a:p>
+                      <a:pPr algn="r" fontAlgn="ctr"/>
+                      <a:r>
+                        <a:rPr lang="en-US" sz="1300" u="none" strike="noStrike">
+                          <a:effectLst/>
+                        </a:rPr>
+                        <a:t>0</a:t>
+                      </a:r>
+                      <a:endParaRPr lang="en-US" sz="1300" b="0" i="0" u="none" strike="noStrike">
+                        <a:solidFill>
+                          <a:srgbClr val="000000"/>
+                        </a:solidFill>
+                        <a:effectLst/>
+                        <a:latin typeface="Calibri"/>
+                      </a:endParaRPr>
+                    </a:p>
+                  </a:txBody>
+                  <a:tcPr marL="6350" marR="6350" marT="6350" marB="0" anchor="ctr"/>
+                </a:tc>
+              </a:tr>
+              <a:tr h="186468">
+                <a:tc>
+                  <a:txBody>
+                    <a:bodyPr/>
+                    <a:lstStyle/>
+                    <a:p>
+                      <a:pPr algn="l" fontAlgn="ctr"/>
+                      <a:r>
+                        <a:rPr lang="en-US" sz="1300" u="none" strike="noStrike">
+                          <a:effectLst/>
+                        </a:rPr>
+                        <a:t>2.2.4</a:t>
+                      </a:r>
+                      <a:endParaRPr lang="en-US" sz="1300" b="0" i="0" u="none" strike="noStrike">
+                        <a:solidFill>
+                          <a:srgbClr val="000000"/>
+                        </a:solidFill>
+                        <a:effectLst/>
+                        <a:latin typeface="Calibri"/>
+                      </a:endParaRPr>
+                    </a:p>
+                  </a:txBody>
+                  <a:tcPr marL="6350" marR="6350" marT="6350" marB="0" anchor="ctr"/>
+                </a:tc>
+                <a:tc>
+                  <a:txBody>
+                    <a:bodyPr/>
+                    <a:lstStyle/>
+                    <a:p>
+                      <a:pPr algn="l" fontAlgn="ctr"/>
+                      <a:r>
+                        <a:rPr lang="en-US" sz="1300" u="none" strike="noStrike">
+                          <a:effectLst/>
+                        </a:rPr>
+                        <a:t>      Version 3.0</a:t>
+                      </a:r>
+                      <a:endParaRPr lang="en-US" sz="1300" b="0" i="0" u="none" strike="noStrike">
+                        <a:solidFill>
+                          <a:srgbClr val="000000"/>
+                        </a:solidFill>
+                        <a:effectLst/>
+                        <a:latin typeface="Calibri"/>
+                      </a:endParaRPr>
+                    </a:p>
+                  </a:txBody>
+                  <a:tcPr marL="6350" marR="6350" marT="6350" marB="0" anchor="ctr"/>
+                </a:tc>
+                <a:tc>
+                  <a:txBody>
+                    <a:bodyPr/>
+                    <a:lstStyle/>
+                    <a:p>
+                      <a:pPr algn="l" fontAlgn="ctr"/>
+                      <a:r>
+                        <a:rPr lang="en-US" sz="1300" u="none" strike="noStrike">
+                          <a:effectLst/>
+                        </a:rPr>
+                        <a:t>Tue 4/1/14</a:t>
+                      </a:r>
+                      <a:endParaRPr lang="en-US" sz="1300" b="0" i="0" u="none" strike="noStrike">
+                        <a:solidFill>
+                          <a:srgbClr val="000000"/>
+                        </a:solidFill>
+                        <a:effectLst/>
+                        <a:latin typeface="Calibri"/>
+                      </a:endParaRPr>
+                    </a:p>
+                  </a:txBody>
+                  <a:tcPr marL="6350" marR="6350" marT="6350" marB="0" anchor="ctr"/>
+                </a:tc>
+                <a:tc>
+                  <a:txBody>
+                    <a:bodyPr/>
+                    <a:lstStyle/>
+                    <a:p>
+                      <a:pPr algn="l" fontAlgn="ctr"/>
+                      <a:r>
+                        <a:rPr lang="en-US" sz="1300" u="none" strike="noStrike">
+                          <a:effectLst/>
+                        </a:rPr>
+                        <a:t>Tue 4/15/14</a:t>
+                      </a:r>
+                      <a:endParaRPr lang="en-US" sz="1300" b="0" i="0" u="none" strike="noStrike">
+                        <a:solidFill>
+                          <a:srgbClr val="000000"/>
+                        </a:solidFill>
+                        <a:effectLst/>
+                        <a:latin typeface="Calibri"/>
+                      </a:endParaRPr>
+                    </a:p>
+                  </a:txBody>
+                  <a:tcPr marL="6350" marR="6350" marT="6350" marB="0" anchor="ctr"/>
+                </a:tc>
+                <a:tc>
+                  <a:txBody>
+                    <a:bodyPr/>
+                    <a:lstStyle/>
+                    <a:p>
+                      <a:pPr algn="r" fontAlgn="ctr"/>
+                      <a:r>
+                        <a:rPr lang="en-US" sz="1300" u="none" strike="noStrike">
+                          <a:effectLst/>
+                        </a:rPr>
+                        <a:t>100</a:t>
+                      </a:r>
+                      <a:endParaRPr lang="en-US" sz="1300" b="0" i="0" u="none" strike="noStrike">
+                        <a:solidFill>
+                          <a:srgbClr val="000000"/>
+                        </a:solidFill>
+                        <a:effectLst/>
+                        <a:latin typeface="Calibri"/>
+                      </a:endParaRPr>
+                    </a:p>
+                  </a:txBody>
+                  <a:tcPr marL="6350" marR="6350" marT="6350" marB="0" anchor="ctr"/>
+                </a:tc>
+                <a:tc>
+                  <a:txBody>
+                    <a:bodyPr/>
+                    <a:lstStyle/>
+                    <a:p>
+                      <a:pPr algn="r" fontAlgn="ctr"/>
+                      <a:r>
+                        <a:rPr lang="en-US" sz="1300" u="none" strike="noStrike">
+                          <a:effectLst/>
+                        </a:rPr>
+                        <a:t>0</a:t>
+                      </a:r>
+                      <a:endParaRPr lang="en-US" sz="1300" b="0" i="0" u="none" strike="noStrike">
+                        <a:solidFill>
+                          <a:srgbClr val="000000"/>
+                        </a:solidFill>
+                        <a:effectLst/>
+                        <a:latin typeface="Calibri"/>
+                      </a:endParaRPr>
+                    </a:p>
+                  </a:txBody>
+                  <a:tcPr marL="6350" marR="6350" marT="6350" marB="0" anchor="ctr"/>
+                </a:tc>
+                <a:tc>
+                  <a:txBody>
+                    <a:bodyPr/>
+                    <a:lstStyle/>
+                    <a:p>
+                      <a:pPr algn="r" fontAlgn="ctr"/>
+                      <a:r>
+                        <a:rPr lang="en-US" sz="1300" u="none" strike="noStrike">
+                          <a:effectLst/>
+                        </a:rPr>
+                        <a:t>0</a:t>
+                      </a:r>
+                      <a:endParaRPr lang="en-US" sz="1300" b="0" i="0" u="none" strike="noStrike">
+                        <a:solidFill>
+                          <a:srgbClr val="000000"/>
+                        </a:solidFill>
+                        <a:effectLst/>
+                        <a:latin typeface="Calibri"/>
+                      </a:endParaRPr>
+                    </a:p>
+                  </a:txBody>
+                  <a:tcPr marL="6350" marR="6350" marT="6350" marB="0" anchor="ctr"/>
+                </a:tc>
+              </a:tr>
+              <a:tr h="186468">
+                <a:tc>
+                  <a:txBody>
+                    <a:bodyPr/>
+                    <a:lstStyle/>
+                    <a:p>
+                      <a:pPr algn="l" fontAlgn="ctr"/>
+                      <a:r>
+                        <a:rPr lang="en-US" sz="1300" u="none" strike="noStrike">
+                          <a:effectLst/>
+                        </a:rPr>
+                        <a:t>2.2.5</a:t>
+                      </a:r>
+                      <a:endParaRPr lang="en-US" sz="1300" b="0" i="0" u="none" strike="noStrike">
+                        <a:solidFill>
+                          <a:srgbClr val="000000"/>
+                        </a:solidFill>
+                        <a:effectLst/>
+                        <a:latin typeface="Calibri"/>
+                      </a:endParaRPr>
+                    </a:p>
+                  </a:txBody>
+                  <a:tcPr marL="6350" marR="6350" marT="6350" marB="0" anchor="ctr"/>
+                </a:tc>
+                <a:tc>
+                  <a:txBody>
+                    <a:bodyPr/>
+                    <a:lstStyle/>
+                    <a:p>
+                      <a:pPr algn="l" fontAlgn="ctr"/>
+                      <a:r>
+                        <a:rPr lang="en-US" sz="1300" u="none" strike="noStrike">
+                          <a:effectLst/>
+                        </a:rPr>
+                        <a:t>      Final Product</a:t>
+                      </a:r>
+                      <a:endParaRPr lang="en-US" sz="1300" b="0" i="0" u="none" strike="noStrike">
+                        <a:solidFill>
+                          <a:srgbClr val="000000"/>
+                        </a:solidFill>
+                        <a:effectLst/>
+                        <a:latin typeface="Calibri"/>
+                      </a:endParaRPr>
+                    </a:p>
+                  </a:txBody>
+                  <a:tcPr marL="6350" marR="6350" marT="6350" marB="0" anchor="ctr"/>
+                </a:tc>
+                <a:tc>
+                  <a:txBody>
+                    <a:bodyPr/>
+                    <a:lstStyle/>
+                    <a:p>
+                      <a:pPr algn="l" fontAlgn="ctr"/>
+                      <a:r>
+                        <a:rPr lang="en-US" sz="1300" u="none" strike="noStrike">
+                          <a:effectLst/>
+                        </a:rPr>
+                        <a:t>Tue 4/15/14</a:t>
+                      </a:r>
+                      <a:endParaRPr lang="en-US" sz="1300" b="0" i="0" u="none" strike="noStrike">
+                        <a:solidFill>
+                          <a:srgbClr val="000000"/>
+                        </a:solidFill>
+                        <a:effectLst/>
+                        <a:latin typeface="Calibri"/>
+                      </a:endParaRPr>
+                    </a:p>
+                  </a:txBody>
+                  <a:tcPr marL="6350" marR="6350" marT="6350" marB="0" anchor="ctr"/>
+                </a:tc>
+                <a:tc>
+                  <a:txBody>
+                    <a:bodyPr/>
+                    <a:lstStyle/>
+                    <a:p>
+                      <a:pPr algn="l" fontAlgn="ctr"/>
+                      <a:r>
+                        <a:rPr lang="en-US" sz="1300" u="none" strike="noStrike">
+                          <a:effectLst/>
+                        </a:rPr>
+                        <a:t>Tue 4/29/14</a:t>
+                      </a:r>
+                      <a:endParaRPr lang="en-US" sz="1300" b="0" i="0" u="none" strike="noStrike">
+                        <a:solidFill>
+                          <a:srgbClr val="000000"/>
+                        </a:solidFill>
+                        <a:effectLst/>
+                        <a:latin typeface="Calibri"/>
+                      </a:endParaRPr>
+                    </a:p>
+                  </a:txBody>
+                  <a:tcPr marL="6350" marR="6350" marT="6350" marB="0" anchor="ctr"/>
+                </a:tc>
+                <a:tc>
+                  <a:txBody>
+                    <a:bodyPr/>
+                    <a:lstStyle/>
+                    <a:p>
+                      <a:pPr algn="r" fontAlgn="ctr"/>
+                      <a:r>
+                        <a:rPr lang="en-US" sz="1300" u="none" strike="noStrike">
+                          <a:effectLst/>
+                        </a:rPr>
+                        <a:t>100</a:t>
+                      </a:r>
+                      <a:endParaRPr lang="en-US" sz="1300" b="0" i="0" u="none" strike="noStrike">
+                        <a:solidFill>
+                          <a:srgbClr val="000000"/>
+                        </a:solidFill>
+                        <a:effectLst/>
+                        <a:latin typeface="Calibri"/>
+                      </a:endParaRPr>
+                    </a:p>
+                  </a:txBody>
+                  <a:tcPr marL="6350" marR="6350" marT="6350" marB="0" anchor="ctr"/>
+                </a:tc>
+                <a:tc>
+                  <a:txBody>
+                    <a:bodyPr/>
+                    <a:lstStyle/>
+                    <a:p>
+                      <a:pPr algn="r" fontAlgn="ctr"/>
+                      <a:r>
+                        <a:rPr lang="en-US" sz="1300" u="none" strike="noStrike">
+                          <a:effectLst/>
+                        </a:rPr>
+                        <a:t>0</a:t>
+                      </a:r>
+                      <a:endParaRPr lang="en-US" sz="1300" b="0" i="0" u="none" strike="noStrike">
+                        <a:solidFill>
+                          <a:srgbClr val="000000"/>
+                        </a:solidFill>
+                        <a:effectLst/>
+                        <a:latin typeface="Calibri"/>
+                      </a:endParaRPr>
+                    </a:p>
+                  </a:txBody>
+                  <a:tcPr marL="6350" marR="6350" marT="6350" marB="0" anchor="ctr"/>
+                </a:tc>
+                <a:tc>
+                  <a:txBody>
+                    <a:bodyPr/>
+                    <a:lstStyle/>
+                    <a:p>
+                      <a:pPr algn="r" fontAlgn="ctr"/>
+                      <a:r>
+                        <a:rPr lang="en-US" sz="1300" u="none" strike="noStrike">
+                          <a:effectLst/>
+                        </a:rPr>
+                        <a:t>0</a:t>
+                      </a:r>
+                      <a:endParaRPr lang="en-US" sz="1300" b="0" i="0" u="none" strike="noStrike">
+                        <a:solidFill>
+                          <a:srgbClr val="000000"/>
+                        </a:solidFill>
+                        <a:effectLst/>
+                        <a:latin typeface="Calibri"/>
+                      </a:endParaRPr>
+                    </a:p>
+                  </a:txBody>
+                  <a:tcPr marL="6350" marR="6350" marT="6350" marB="0" anchor="ctr"/>
+                </a:tc>
+              </a:tr>
+              <a:tr h="186468">
+                <a:tc>
+                  <a:txBody>
+                    <a:bodyPr/>
+                    <a:lstStyle/>
+                    <a:p>
+                      <a:pPr algn="l" fontAlgn="ctr"/>
+                      <a:r>
+                        <a:rPr lang="en-US" sz="1300" u="none" strike="noStrike">
+                          <a:effectLst/>
+                        </a:rPr>
+                        <a:t>2.3</a:t>
+                      </a:r>
+                      <a:endParaRPr lang="en-US" sz="1300" b="0" i="0" u="none" strike="noStrike">
+                        <a:solidFill>
+                          <a:srgbClr val="000000"/>
+                        </a:solidFill>
+                        <a:effectLst/>
+                        <a:latin typeface="Calibri"/>
+                      </a:endParaRPr>
+                    </a:p>
+                  </a:txBody>
+                  <a:tcPr marL="6350" marR="6350" marT="6350" marB="0" anchor="ctr"/>
+                </a:tc>
+                <a:tc>
+                  <a:txBody>
+                    <a:bodyPr/>
+                    <a:lstStyle/>
+                    <a:p>
+                      <a:pPr algn="l" fontAlgn="ctr"/>
+                      <a:r>
+                        <a:rPr lang="en-US" sz="1300" u="none" strike="noStrike">
+                          <a:effectLst/>
+                        </a:rPr>
+                        <a:t>   Final Documetation</a:t>
+                      </a:r>
+                      <a:endParaRPr lang="en-US" sz="1300" b="0" i="0" u="none" strike="noStrike">
+                        <a:solidFill>
+                          <a:srgbClr val="000000"/>
+                        </a:solidFill>
+                        <a:effectLst/>
+                        <a:latin typeface="Calibri"/>
+                      </a:endParaRPr>
+                    </a:p>
+                  </a:txBody>
+                  <a:tcPr marL="6350" marR="6350" marT="6350" marB="0" anchor="ctr"/>
+                </a:tc>
+                <a:tc>
+                  <a:txBody>
+                    <a:bodyPr/>
+                    <a:lstStyle/>
+                    <a:p>
+                      <a:pPr algn="l" fontAlgn="ctr"/>
+                      <a:r>
+                        <a:rPr lang="en-US" sz="1300" u="none" strike="noStrike">
+                          <a:effectLst/>
+                        </a:rPr>
+                        <a:t>Tue 4/1/14</a:t>
+                      </a:r>
+                      <a:endParaRPr lang="en-US" sz="1300" b="0" i="0" u="none" strike="noStrike">
+                        <a:solidFill>
+                          <a:srgbClr val="000000"/>
+                        </a:solidFill>
+                        <a:effectLst/>
+                        <a:latin typeface="Calibri"/>
+                      </a:endParaRPr>
+                    </a:p>
+                  </a:txBody>
+                  <a:tcPr marL="6350" marR="6350" marT="6350" marB="0" anchor="ctr"/>
+                </a:tc>
+                <a:tc>
+                  <a:txBody>
+                    <a:bodyPr/>
+                    <a:lstStyle/>
+                    <a:p>
+                      <a:pPr algn="l" fontAlgn="ctr"/>
+                      <a:r>
+                        <a:rPr lang="en-US" sz="1300" u="none" strike="noStrike">
+                          <a:effectLst/>
+                        </a:rPr>
+                        <a:t>Tue 4/29/14</a:t>
+                      </a:r>
+                      <a:endParaRPr lang="en-US" sz="1300" b="0" i="0" u="none" strike="noStrike">
+                        <a:solidFill>
+                          <a:srgbClr val="000000"/>
+                        </a:solidFill>
+                        <a:effectLst/>
+                        <a:latin typeface="Calibri"/>
+                      </a:endParaRPr>
+                    </a:p>
+                  </a:txBody>
+                  <a:tcPr marL="6350" marR="6350" marT="6350" marB="0" anchor="ctr"/>
+                </a:tc>
+                <a:tc>
+                  <a:txBody>
+                    <a:bodyPr/>
+                    <a:lstStyle/>
+                    <a:p>
+                      <a:pPr algn="r" fontAlgn="ctr"/>
+                      <a:r>
+                        <a:rPr lang="en-US" sz="1300" u="none" strike="noStrike">
+                          <a:effectLst/>
+                        </a:rPr>
+                        <a:t>10</a:t>
+                      </a:r>
+                      <a:endParaRPr lang="en-US" sz="1300" b="0" i="0" u="none" strike="noStrike">
+                        <a:solidFill>
+                          <a:srgbClr val="000000"/>
+                        </a:solidFill>
+                        <a:effectLst/>
+                        <a:latin typeface="Calibri"/>
+                      </a:endParaRPr>
+                    </a:p>
+                  </a:txBody>
+                  <a:tcPr marL="6350" marR="6350" marT="6350" marB="0" anchor="ctr"/>
+                </a:tc>
+                <a:tc>
+                  <a:txBody>
+                    <a:bodyPr/>
+                    <a:lstStyle/>
+                    <a:p>
+                      <a:pPr algn="r" fontAlgn="ctr"/>
+                      <a:r>
+                        <a:rPr lang="en-US" sz="1300" u="none" strike="noStrike">
+                          <a:effectLst/>
+                        </a:rPr>
+                        <a:t>0</a:t>
+                      </a:r>
+                      <a:endParaRPr lang="en-US" sz="1300" b="0" i="0" u="none" strike="noStrike">
+                        <a:solidFill>
+                          <a:srgbClr val="000000"/>
+                        </a:solidFill>
+                        <a:effectLst/>
+                        <a:latin typeface="Calibri"/>
+                      </a:endParaRPr>
+                    </a:p>
+                  </a:txBody>
+                  <a:tcPr marL="6350" marR="6350" marT="6350" marB="0" anchor="ctr"/>
+                </a:tc>
+                <a:tc>
+                  <a:txBody>
+                    <a:bodyPr/>
+                    <a:lstStyle/>
+                    <a:p>
+                      <a:pPr algn="r" fontAlgn="ctr"/>
+                      <a:r>
+                        <a:rPr lang="en-US" sz="1300" u="none" strike="noStrike">
+                          <a:effectLst/>
+                        </a:rPr>
+                        <a:t>0</a:t>
+                      </a:r>
+                      <a:endParaRPr lang="en-US" sz="1300" b="0" i="0" u="none" strike="noStrike">
+                        <a:solidFill>
+                          <a:srgbClr val="000000"/>
+                        </a:solidFill>
+                        <a:effectLst/>
+                        <a:latin typeface="Calibri"/>
+                      </a:endParaRPr>
+                    </a:p>
+                  </a:txBody>
+                  <a:tcPr marL="6350" marR="6350" marT="6350" marB="0" anchor="ctr"/>
+                </a:tc>
+              </a:tr>
+              <a:tr h="186468">
+                <a:tc>
+                  <a:txBody>
+                    <a:bodyPr/>
+                    <a:lstStyle/>
+                    <a:p>
+                      <a:pPr algn="l" fontAlgn="ctr"/>
+                      <a:r>
+                        <a:rPr lang="en-US" sz="1300" u="none" strike="noStrike">
+                          <a:effectLst/>
+                        </a:rPr>
+                        <a:t> </a:t>
+                      </a:r>
+                      <a:endParaRPr lang="en-US" sz="1300" b="0" i="0" u="none" strike="noStrike">
+                        <a:solidFill>
+                          <a:srgbClr val="000000"/>
+                        </a:solidFill>
+                        <a:effectLst/>
+                        <a:latin typeface="Calibri"/>
+                      </a:endParaRPr>
+                    </a:p>
+                  </a:txBody>
+                  <a:tcPr marL="6350" marR="6350" marT="6350" marB="0" anchor="ctr"/>
+                </a:tc>
+                <a:tc>
+                  <a:txBody>
+                    <a:bodyPr/>
+                    <a:lstStyle/>
+                    <a:p>
+                      <a:pPr algn="l" fontAlgn="ctr"/>
+                      <a:r>
+                        <a:rPr lang="en-US" sz="1300" u="none" strike="noStrike">
+                          <a:effectLst/>
+                        </a:rPr>
+                        <a:t> </a:t>
+                      </a:r>
+                      <a:endParaRPr lang="en-US" sz="1300" b="0" i="0" u="none" strike="noStrike">
+                        <a:solidFill>
+                          <a:srgbClr val="000000"/>
+                        </a:solidFill>
+                        <a:effectLst/>
+                        <a:latin typeface="Calibri"/>
+                      </a:endParaRPr>
+                    </a:p>
+                  </a:txBody>
+                  <a:tcPr marL="6350" marR="6350" marT="6350" marB="0" anchor="ctr"/>
+                </a:tc>
+                <a:tc>
+                  <a:txBody>
+                    <a:bodyPr/>
+                    <a:lstStyle/>
+                    <a:p>
+                      <a:pPr algn="l" fontAlgn="ctr"/>
+                      <a:r>
+                        <a:rPr lang="en-US" sz="1300" u="none" strike="noStrike">
+                          <a:effectLst/>
+                        </a:rPr>
+                        <a:t> </a:t>
+                      </a:r>
+                      <a:endParaRPr lang="en-US" sz="1300" b="0" i="0" u="none" strike="noStrike">
+                        <a:solidFill>
+                          <a:srgbClr val="000000"/>
+                        </a:solidFill>
+                        <a:effectLst/>
+                        <a:latin typeface="Calibri"/>
+                      </a:endParaRPr>
+                    </a:p>
+                  </a:txBody>
+                  <a:tcPr marL="6350" marR="6350" marT="6350" marB="0" anchor="ctr"/>
+                </a:tc>
+                <a:tc>
+                  <a:txBody>
+                    <a:bodyPr/>
+                    <a:lstStyle/>
+                    <a:p>
+                      <a:pPr algn="l" fontAlgn="ctr"/>
+                      <a:r>
+                        <a:rPr lang="en-US" sz="1300" u="none" strike="noStrike">
+                          <a:effectLst/>
+                        </a:rPr>
+                        <a:t> </a:t>
+                      </a:r>
+                      <a:endParaRPr lang="en-US" sz="1300" b="0" i="0" u="none" strike="noStrike">
+                        <a:solidFill>
+                          <a:srgbClr val="000000"/>
+                        </a:solidFill>
+                        <a:effectLst/>
+                        <a:latin typeface="Calibri"/>
+                      </a:endParaRPr>
+                    </a:p>
+                  </a:txBody>
+                  <a:tcPr marL="6350" marR="6350" marT="6350" marB="0" anchor="ctr"/>
+                </a:tc>
+                <a:tc>
+                  <a:txBody>
+                    <a:bodyPr/>
+                    <a:lstStyle/>
+                    <a:p>
+                      <a:pPr algn="l" fontAlgn="ctr"/>
+                      <a:r>
+                        <a:rPr lang="en-US" sz="1300" u="none" strike="noStrike">
+                          <a:effectLst/>
+                        </a:rPr>
+                        <a:t> </a:t>
+                      </a:r>
+                      <a:endParaRPr lang="en-US" sz="1300" b="0" i="0" u="none" strike="noStrike">
+                        <a:solidFill>
+                          <a:srgbClr val="000000"/>
+                        </a:solidFill>
+                        <a:effectLst/>
+                        <a:latin typeface="Calibri"/>
+                      </a:endParaRPr>
+                    </a:p>
+                  </a:txBody>
+                  <a:tcPr marL="6350" marR="6350" marT="6350" marB="0" anchor="ctr"/>
+                </a:tc>
+                <a:tc>
+                  <a:txBody>
+                    <a:bodyPr/>
+                    <a:lstStyle/>
+                    <a:p>
+                      <a:pPr algn="r" fontAlgn="ctr"/>
+                      <a:r>
+                        <a:rPr lang="en-US" sz="1300" u="none" strike="noStrike">
+                          <a:effectLst/>
+                        </a:rPr>
+                        <a:t> </a:t>
+                      </a:r>
+                      <a:endParaRPr lang="en-US" sz="1300" b="0" i="0" u="none" strike="noStrike">
+                        <a:solidFill>
+                          <a:srgbClr val="000000"/>
+                        </a:solidFill>
+                        <a:effectLst/>
+                        <a:latin typeface="Calibri"/>
+                      </a:endParaRPr>
+                    </a:p>
+                  </a:txBody>
+                  <a:tcPr marL="6350" marR="6350" marT="6350" marB="0" anchor="ctr"/>
+                </a:tc>
+                <a:tc>
+                  <a:txBody>
+                    <a:bodyPr/>
+                    <a:lstStyle/>
+                    <a:p>
+                      <a:pPr algn="l" fontAlgn="ctr"/>
+                      <a:r>
+                        <a:rPr lang="en-US" sz="1300" u="none" strike="noStrike">
+                          <a:effectLst/>
+                        </a:rPr>
+                        <a:t> </a:t>
+                      </a:r>
+                      <a:endParaRPr lang="en-US" sz="1300" b="0" i="0" u="none" strike="noStrike">
+                        <a:solidFill>
+                          <a:srgbClr val="000000"/>
+                        </a:solidFill>
+                        <a:effectLst/>
+                        <a:latin typeface="Calibri"/>
+                      </a:endParaRPr>
+                    </a:p>
+                  </a:txBody>
+                  <a:tcPr marL="6350" marR="6350" marT="6350" marB="0" anchor="ctr"/>
+                </a:tc>
+              </a:tr>
+              <a:tr h="186468">
+                <a:tc>
+                  <a:txBody>
+                    <a:bodyPr/>
+                    <a:lstStyle/>
+                    <a:p>
+                      <a:pPr algn="l" fontAlgn="ctr"/>
+                      <a:r>
+                        <a:rPr lang="en-US" sz="1300" u="none" strike="noStrike">
+                          <a:effectLst/>
+                        </a:rPr>
+                        <a:t>3</a:t>
+                      </a:r>
+                      <a:endParaRPr lang="en-US" sz="1300" b="0" i="0" u="none" strike="noStrike">
+                        <a:solidFill>
+                          <a:srgbClr val="000000"/>
+                        </a:solidFill>
+                        <a:effectLst/>
+                        <a:latin typeface="Calibri"/>
+                      </a:endParaRPr>
+                    </a:p>
+                  </a:txBody>
+                  <a:tcPr marL="6350" marR="6350" marT="6350" marB="0" anchor="ctr"/>
+                </a:tc>
+                <a:tc>
+                  <a:txBody>
+                    <a:bodyPr/>
+                    <a:lstStyle/>
+                    <a:p>
+                      <a:pPr algn="l" fontAlgn="ctr"/>
+                      <a:r>
+                        <a:rPr lang="en-US" sz="1300" u="none" strike="noStrike">
+                          <a:effectLst/>
+                        </a:rPr>
+                        <a:t>Presentations</a:t>
+                      </a:r>
+                      <a:endParaRPr lang="en-US" sz="1300" b="0" i="0" u="none" strike="noStrike">
+                        <a:solidFill>
+                          <a:srgbClr val="000000"/>
+                        </a:solidFill>
+                        <a:effectLst/>
+                        <a:latin typeface="Calibri"/>
+                      </a:endParaRPr>
+                    </a:p>
+                  </a:txBody>
+                  <a:tcPr marL="6350" marR="6350" marT="6350" marB="0" anchor="ctr"/>
+                </a:tc>
+                <a:tc>
+                  <a:txBody>
+                    <a:bodyPr/>
+                    <a:lstStyle/>
+                    <a:p>
+                      <a:pPr algn="l" fontAlgn="ctr"/>
+                      <a:r>
+                        <a:rPr lang="en-US" sz="1300" u="none" strike="noStrike">
+                          <a:effectLst/>
+                        </a:rPr>
+                        <a:t>Fri 9/13/13</a:t>
+                      </a:r>
+                      <a:endParaRPr lang="en-US" sz="1300" b="0" i="0" u="none" strike="noStrike">
+                        <a:solidFill>
+                          <a:srgbClr val="000000"/>
+                        </a:solidFill>
+                        <a:effectLst/>
+                        <a:latin typeface="Calibri"/>
+                      </a:endParaRPr>
+                    </a:p>
+                  </a:txBody>
+                  <a:tcPr marL="6350" marR="6350" marT="6350" marB="0" anchor="ctr"/>
+                </a:tc>
+                <a:tc>
+                  <a:txBody>
+                    <a:bodyPr/>
+                    <a:lstStyle/>
+                    <a:p>
+                      <a:pPr algn="l" fontAlgn="ctr"/>
+                      <a:r>
+                        <a:rPr lang="en-US" sz="1300" u="none" strike="noStrike">
+                          <a:effectLst/>
+                        </a:rPr>
+                        <a:t>Fri 4/25/14</a:t>
+                      </a:r>
+                      <a:endParaRPr lang="en-US" sz="1300" b="0" i="0" u="none" strike="noStrike">
+                        <a:solidFill>
+                          <a:srgbClr val="000000"/>
+                        </a:solidFill>
+                        <a:effectLst/>
+                        <a:latin typeface="Calibri"/>
+                      </a:endParaRPr>
+                    </a:p>
+                  </a:txBody>
+                  <a:tcPr marL="6350" marR="6350" marT="6350" marB="0" anchor="ctr"/>
+                </a:tc>
+                <a:tc>
+                  <a:txBody>
+                    <a:bodyPr/>
+                    <a:lstStyle/>
+                    <a:p>
+                      <a:pPr algn="r" fontAlgn="ctr"/>
+                      <a:r>
+                        <a:rPr lang="en-US" sz="1300" u="none" strike="noStrike">
+                          <a:effectLst/>
+                        </a:rPr>
+                        <a:t>42</a:t>
+                      </a:r>
+                      <a:endParaRPr lang="en-US" sz="1300" b="0" i="0" u="none" strike="noStrike">
+                        <a:solidFill>
+                          <a:srgbClr val="000000"/>
+                        </a:solidFill>
+                        <a:effectLst/>
+                        <a:latin typeface="Calibri"/>
+                      </a:endParaRPr>
+                    </a:p>
+                  </a:txBody>
+                  <a:tcPr marL="6350" marR="6350" marT="6350" marB="0" anchor="ctr"/>
+                </a:tc>
+                <a:tc>
+                  <a:txBody>
+                    <a:bodyPr/>
+                    <a:lstStyle/>
+                    <a:p>
+                      <a:pPr algn="r" fontAlgn="ctr"/>
+                      <a:r>
+                        <a:rPr lang="en-US" sz="1300" u="none" strike="noStrike">
+                          <a:effectLst/>
+                        </a:rPr>
+                        <a:t>28</a:t>
+                      </a:r>
+                      <a:endParaRPr lang="en-US" sz="1300" b="0" i="0" u="none" strike="noStrike">
+                        <a:solidFill>
+                          <a:srgbClr val="000000"/>
+                        </a:solidFill>
+                        <a:effectLst/>
+                        <a:latin typeface="Calibri"/>
+                      </a:endParaRPr>
+                    </a:p>
+                  </a:txBody>
+                  <a:tcPr marL="6350" marR="6350" marT="6350" marB="0" anchor="ctr"/>
+                </a:tc>
+                <a:tc>
+                  <a:txBody>
+                    <a:bodyPr/>
+                    <a:lstStyle/>
+                    <a:p>
+                      <a:pPr algn="r" fontAlgn="ctr"/>
+                      <a:r>
+                        <a:rPr lang="en-US" sz="1300" u="none" strike="noStrike">
+                          <a:effectLst/>
+                        </a:rPr>
+                        <a:t>80.95</a:t>
+                      </a:r>
+                      <a:endParaRPr lang="en-US" sz="1300" b="0" i="0" u="none" strike="noStrike">
+                        <a:solidFill>
+                          <a:srgbClr val="000000"/>
+                        </a:solidFill>
+                        <a:effectLst/>
+                        <a:latin typeface="Calibri"/>
+                      </a:endParaRPr>
+                    </a:p>
+                  </a:txBody>
+                  <a:tcPr marL="6350" marR="6350" marT="6350" marB="0" anchor="ctr"/>
+                </a:tc>
+              </a:tr>
+              <a:tr h="186468">
+                <a:tc>
+                  <a:txBody>
+                    <a:bodyPr/>
+                    <a:lstStyle/>
+                    <a:p>
+                      <a:pPr algn="l" fontAlgn="ctr"/>
+                      <a:r>
+                        <a:rPr lang="en-US" sz="1300" u="none" strike="noStrike">
+                          <a:effectLst/>
+                        </a:rPr>
+                        <a:t>3.5</a:t>
+                      </a:r>
+                      <a:endParaRPr lang="en-US" sz="1300" b="0" i="0" u="none" strike="noStrike">
+                        <a:solidFill>
+                          <a:srgbClr val="000000"/>
+                        </a:solidFill>
+                        <a:effectLst/>
+                        <a:latin typeface="Calibri"/>
+                      </a:endParaRPr>
+                    </a:p>
+                  </a:txBody>
+                  <a:tcPr marL="6350" marR="6350" marT="6350" marB="0" anchor="ctr"/>
+                </a:tc>
+                <a:tc>
+                  <a:txBody>
+                    <a:bodyPr/>
+                    <a:lstStyle/>
+                    <a:p>
+                      <a:pPr algn="l" fontAlgn="ctr"/>
+                      <a:r>
+                        <a:rPr lang="en-US" sz="1300" u="none" strike="noStrike">
+                          <a:effectLst/>
+                        </a:rPr>
+                        <a:t>   Team Stauts Report SD2</a:t>
+                      </a:r>
+                      <a:endParaRPr lang="en-US" sz="1300" b="0" i="0" u="none" strike="noStrike">
+                        <a:solidFill>
+                          <a:srgbClr val="000000"/>
+                        </a:solidFill>
+                        <a:effectLst/>
+                        <a:latin typeface="Calibri"/>
+                      </a:endParaRPr>
+                    </a:p>
+                  </a:txBody>
+                  <a:tcPr marL="6350" marR="6350" marT="6350" marB="0" anchor="ctr"/>
+                </a:tc>
+                <a:tc>
+                  <a:txBody>
+                    <a:bodyPr/>
+                    <a:lstStyle/>
+                    <a:p>
+                      <a:pPr algn="l" fontAlgn="ctr"/>
+                      <a:r>
+                        <a:rPr lang="en-US" sz="1300" u="none" strike="noStrike">
+                          <a:effectLst/>
+                        </a:rPr>
+                        <a:t>Thu 1/23/14</a:t>
+                      </a:r>
+                      <a:endParaRPr lang="en-US" sz="1300" b="0" i="0" u="none" strike="noStrike">
+                        <a:solidFill>
+                          <a:srgbClr val="000000"/>
+                        </a:solidFill>
+                        <a:effectLst/>
+                        <a:latin typeface="Calibri"/>
+                      </a:endParaRPr>
+                    </a:p>
+                  </a:txBody>
+                  <a:tcPr marL="6350" marR="6350" marT="6350" marB="0" anchor="ctr"/>
+                </a:tc>
+                <a:tc>
+                  <a:txBody>
+                    <a:bodyPr/>
+                    <a:lstStyle/>
+                    <a:p>
+                      <a:pPr algn="l" fontAlgn="ctr"/>
+                      <a:r>
+                        <a:rPr lang="en-US" sz="1300" u="none" strike="noStrike">
+                          <a:effectLst/>
+                        </a:rPr>
+                        <a:t>Fri 4/25/14</a:t>
+                      </a:r>
+                      <a:endParaRPr lang="en-US" sz="1300" b="0" i="0" u="none" strike="noStrike">
+                        <a:solidFill>
+                          <a:srgbClr val="000000"/>
+                        </a:solidFill>
+                        <a:effectLst/>
+                        <a:latin typeface="Calibri"/>
+                      </a:endParaRPr>
+                    </a:p>
+                  </a:txBody>
+                  <a:tcPr marL="6350" marR="6350" marT="6350" marB="0" anchor="ctr"/>
+                </a:tc>
+                <a:tc>
+                  <a:txBody>
+                    <a:bodyPr/>
+                    <a:lstStyle/>
+                    <a:p>
+                      <a:pPr algn="r" fontAlgn="ctr"/>
+                      <a:r>
+                        <a:rPr lang="en-US" sz="1300" u="none" strike="noStrike">
+                          <a:effectLst/>
+                        </a:rPr>
+                        <a:t>8</a:t>
+                      </a:r>
+                      <a:endParaRPr lang="en-US" sz="1300" b="0" i="0" u="none" strike="noStrike">
+                        <a:solidFill>
+                          <a:srgbClr val="000000"/>
+                        </a:solidFill>
+                        <a:effectLst/>
+                        <a:latin typeface="Calibri"/>
+                      </a:endParaRPr>
+                    </a:p>
+                  </a:txBody>
+                  <a:tcPr marL="6350" marR="6350" marT="6350" marB="0" anchor="ctr"/>
+                </a:tc>
+                <a:tc>
+                  <a:txBody>
+                    <a:bodyPr/>
+                    <a:lstStyle/>
+                    <a:p>
+                      <a:pPr algn="r" fontAlgn="ctr"/>
+                      <a:r>
+                        <a:rPr lang="en-US" sz="1300" u="none" strike="noStrike">
+                          <a:effectLst/>
+                        </a:rPr>
+                        <a:t>1</a:t>
+                      </a:r>
+                      <a:endParaRPr lang="en-US" sz="1300" b="0" i="0" u="none" strike="noStrike">
+                        <a:solidFill>
+                          <a:srgbClr val="000000"/>
+                        </a:solidFill>
+                        <a:effectLst/>
+                        <a:latin typeface="Calibri"/>
+                      </a:endParaRPr>
+                    </a:p>
+                  </a:txBody>
+                  <a:tcPr marL="6350" marR="6350" marT="6350" marB="0" anchor="ctr"/>
+                </a:tc>
+                <a:tc>
+                  <a:txBody>
+                    <a:bodyPr/>
+                    <a:lstStyle/>
+                    <a:p>
+                      <a:pPr algn="r" fontAlgn="ctr"/>
+                      <a:r>
+                        <a:rPr lang="en-US" sz="1300" u="none" strike="noStrike">
+                          <a:effectLst/>
+                        </a:rPr>
+                        <a:t>0</a:t>
+                      </a:r>
+                      <a:endParaRPr lang="en-US" sz="1300" b="0" i="0" u="none" strike="noStrike">
+                        <a:solidFill>
+                          <a:srgbClr val="000000"/>
+                        </a:solidFill>
+                        <a:effectLst/>
+                        <a:latin typeface="Calibri"/>
+                      </a:endParaRPr>
+                    </a:p>
+                  </a:txBody>
+                  <a:tcPr marL="6350" marR="6350" marT="6350" marB="0" anchor="ctr"/>
+                </a:tc>
+              </a:tr>
+              <a:tr h="186468">
+                <a:tc>
+                  <a:txBody>
+                    <a:bodyPr/>
+                    <a:lstStyle/>
+                    <a:p>
+                      <a:pPr algn="l" fontAlgn="ctr"/>
+                      <a:r>
+                        <a:rPr lang="en-US" sz="1300" u="none" strike="noStrike">
+                          <a:effectLst/>
+                        </a:rPr>
+                        <a:t> </a:t>
+                      </a:r>
+                      <a:endParaRPr lang="en-US" sz="1300" b="0" i="0" u="none" strike="noStrike">
+                        <a:solidFill>
+                          <a:srgbClr val="000000"/>
+                        </a:solidFill>
+                        <a:effectLst/>
+                        <a:latin typeface="Calibri"/>
+                      </a:endParaRPr>
+                    </a:p>
+                  </a:txBody>
+                  <a:tcPr marL="6350" marR="6350" marT="6350" marB="0" anchor="ctr"/>
+                </a:tc>
+                <a:tc>
+                  <a:txBody>
+                    <a:bodyPr/>
+                    <a:lstStyle/>
+                    <a:p>
+                      <a:pPr algn="l" fontAlgn="ctr"/>
+                      <a:r>
+                        <a:rPr lang="en-US" sz="1300" u="none" strike="noStrike">
+                          <a:effectLst/>
+                        </a:rPr>
+                        <a:t> </a:t>
+                      </a:r>
+                      <a:endParaRPr lang="en-US" sz="1300" b="0" i="0" u="none" strike="noStrike">
+                        <a:solidFill>
+                          <a:srgbClr val="000000"/>
+                        </a:solidFill>
+                        <a:effectLst/>
+                        <a:latin typeface="Calibri"/>
+                      </a:endParaRPr>
+                    </a:p>
+                  </a:txBody>
+                  <a:tcPr marL="6350" marR="6350" marT="6350" marB="0" anchor="ctr"/>
+                </a:tc>
+                <a:tc>
+                  <a:txBody>
+                    <a:bodyPr/>
+                    <a:lstStyle/>
+                    <a:p>
+                      <a:pPr algn="l" fontAlgn="ctr"/>
+                      <a:r>
+                        <a:rPr lang="en-US" sz="1300" u="none" strike="noStrike">
+                          <a:effectLst/>
+                        </a:rPr>
+                        <a:t> </a:t>
+                      </a:r>
+                      <a:endParaRPr lang="en-US" sz="1300" b="0" i="0" u="none" strike="noStrike">
+                        <a:solidFill>
+                          <a:srgbClr val="000000"/>
+                        </a:solidFill>
+                        <a:effectLst/>
+                        <a:latin typeface="Calibri"/>
+                      </a:endParaRPr>
+                    </a:p>
+                  </a:txBody>
+                  <a:tcPr marL="6350" marR="6350" marT="6350" marB="0" anchor="ctr"/>
+                </a:tc>
+                <a:tc>
+                  <a:txBody>
+                    <a:bodyPr/>
+                    <a:lstStyle/>
+                    <a:p>
+                      <a:pPr algn="l" fontAlgn="ctr"/>
+                      <a:r>
+                        <a:rPr lang="en-US" sz="1300" u="none" strike="noStrike">
+                          <a:effectLst/>
+                        </a:rPr>
+                        <a:t> </a:t>
+                      </a:r>
+                      <a:endParaRPr lang="en-US" sz="1300" b="0" i="0" u="none" strike="noStrike">
+                        <a:solidFill>
+                          <a:srgbClr val="000000"/>
+                        </a:solidFill>
+                        <a:effectLst/>
+                        <a:latin typeface="Calibri"/>
+                      </a:endParaRPr>
+                    </a:p>
+                  </a:txBody>
+                  <a:tcPr marL="6350" marR="6350" marT="6350" marB="0" anchor="ctr"/>
+                </a:tc>
+                <a:tc>
+                  <a:txBody>
+                    <a:bodyPr/>
+                    <a:lstStyle/>
+                    <a:p>
+                      <a:pPr algn="l" fontAlgn="ctr"/>
+                      <a:r>
+                        <a:rPr lang="en-US" sz="1300" u="none" strike="noStrike">
+                          <a:effectLst/>
+                        </a:rPr>
+                        <a:t> </a:t>
+                      </a:r>
+                      <a:endParaRPr lang="en-US" sz="1300" b="0" i="0" u="none" strike="noStrike">
+                        <a:solidFill>
+                          <a:srgbClr val="000000"/>
+                        </a:solidFill>
+                        <a:effectLst/>
+                        <a:latin typeface="Calibri"/>
+                      </a:endParaRPr>
+                    </a:p>
+                  </a:txBody>
+                  <a:tcPr marL="6350" marR="6350" marT="6350" marB="0" anchor="ctr"/>
+                </a:tc>
+                <a:tc>
+                  <a:txBody>
+                    <a:bodyPr/>
+                    <a:lstStyle/>
+                    <a:p>
+                      <a:pPr algn="r" fontAlgn="ctr"/>
+                      <a:r>
+                        <a:rPr lang="en-US" sz="1300" u="none" strike="noStrike">
+                          <a:effectLst/>
+                        </a:rPr>
+                        <a:t> </a:t>
+                      </a:r>
+                      <a:endParaRPr lang="en-US" sz="1300" b="0" i="0" u="none" strike="noStrike">
+                        <a:solidFill>
+                          <a:srgbClr val="000000"/>
+                        </a:solidFill>
+                        <a:effectLst/>
+                        <a:latin typeface="Calibri"/>
+                      </a:endParaRPr>
+                    </a:p>
+                  </a:txBody>
+                  <a:tcPr marL="6350" marR="6350" marT="6350" marB="0" anchor="ctr"/>
+                </a:tc>
+                <a:tc>
+                  <a:txBody>
+                    <a:bodyPr/>
+                    <a:lstStyle/>
+                    <a:p>
+                      <a:pPr algn="l" fontAlgn="ctr"/>
+                      <a:r>
+                        <a:rPr lang="en-US" sz="1300" u="none" strike="noStrike">
+                          <a:effectLst/>
+                        </a:rPr>
+                        <a:t> </a:t>
+                      </a:r>
+                      <a:endParaRPr lang="en-US" sz="1300" b="0" i="0" u="none" strike="noStrike">
+                        <a:solidFill>
+                          <a:srgbClr val="000000"/>
+                        </a:solidFill>
+                        <a:effectLst/>
+                        <a:latin typeface="Calibri"/>
+                      </a:endParaRPr>
+                    </a:p>
+                  </a:txBody>
+                  <a:tcPr marL="6350" marR="6350" marT="6350" marB="0" anchor="ctr"/>
+                </a:tc>
+              </a:tr>
+              <a:tr h="186468">
+                <a:tc>
+                  <a:txBody>
+                    <a:bodyPr/>
+                    <a:lstStyle/>
+                    <a:p>
+                      <a:pPr algn="l" fontAlgn="ctr"/>
+                      <a:r>
+                        <a:rPr lang="en-US" sz="1300" u="none" strike="noStrike">
+                          <a:effectLst/>
+                        </a:rPr>
+                        <a:t>4</a:t>
+                      </a:r>
+                      <a:endParaRPr lang="en-US" sz="1300" b="0" i="0" u="none" strike="noStrike">
+                        <a:solidFill>
+                          <a:srgbClr val="000000"/>
+                        </a:solidFill>
+                        <a:effectLst/>
+                        <a:latin typeface="Calibri"/>
+                      </a:endParaRPr>
+                    </a:p>
+                  </a:txBody>
+                  <a:tcPr marL="6350" marR="6350" marT="6350" marB="0" anchor="ctr"/>
+                </a:tc>
+                <a:tc>
+                  <a:txBody>
+                    <a:bodyPr/>
+                    <a:lstStyle/>
+                    <a:p>
+                      <a:pPr algn="l" fontAlgn="ctr"/>
+                      <a:r>
+                        <a:rPr lang="en-US" sz="1300" u="none" strike="noStrike">
+                          <a:effectLst/>
+                        </a:rPr>
+                        <a:t>Team Meetings</a:t>
+                      </a:r>
+                      <a:endParaRPr lang="en-US" sz="1300" b="0" i="0" u="none" strike="noStrike">
+                        <a:solidFill>
+                          <a:srgbClr val="000000"/>
+                        </a:solidFill>
+                        <a:effectLst/>
+                        <a:latin typeface="Calibri"/>
+                      </a:endParaRPr>
+                    </a:p>
+                  </a:txBody>
+                  <a:tcPr marL="6350" marR="6350" marT="6350" marB="0" anchor="ctr"/>
+                </a:tc>
+                <a:tc>
+                  <a:txBody>
+                    <a:bodyPr/>
+                    <a:lstStyle/>
+                    <a:p>
+                      <a:pPr algn="l" fontAlgn="ctr"/>
+                      <a:r>
+                        <a:rPr lang="en-US" sz="1300" u="none" strike="noStrike">
+                          <a:effectLst/>
+                        </a:rPr>
+                        <a:t>Tue 9/10/13</a:t>
+                      </a:r>
+                      <a:endParaRPr lang="en-US" sz="1300" b="0" i="0" u="none" strike="noStrike">
+                        <a:solidFill>
+                          <a:srgbClr val="000000"/>
+                        </a:solidFill>
+                        <a:effectLst/>
+                        <a:latin typeface="Calibri"/>
+                      </a:endParaRPr>
+                    </a:p>
+                  </a:txBody>
+                  <a:tcPr marL="6350" marR="6350" marT="6350" marB="0" anchor="ctr"/>
+                </a:tc>
+                <a:tc>
+                  <a:txBody>
+                    <a:bodyPr/>
+                    <a:lstStyle/>
+                    <a:p>
+                      <a:pPr algn="l" fontAlgn="ctr"/>
+                      <a:r>
+                        <a:rPr lang="en-US" sz="1300" u="none" strike="noStrike">
+                          <a:effectLst/>
+                        </a:rPr>
+                        <a:t>Tue 12/9/14</a:t>
+                      </a:r>
+                      <a:endParaRPr lang="en-US" sz="1300" b="0" i="0" u="none" strike="noStrike">
+                        <a:solidFill>
+                          <a:srgbClr val="000000"/>
+                        </a:solidFill>
+                        <a:effectLst/>
+                        <a:latin typeface="Calibri"/>
+                      </a:endParaRPr>
+                    </a:p>
+                  </a:txBody>
+                  <a:tcPr marL="6350" marR="6350" marT="6350" marB="0" anchor="ctr"/>
+                </a:tc>
+                <a:tc>
+                  <a:txBody>
+                    <a:bodyPr/>
+                    <a:lstStyle/>
+                    <a:p>
+                      <a:pPr algn="r" fontAlgn="ctr"/>
+                      <a:r>
+                        <a:rPr lang="en-US" sz="1300" u="none" strike="noStrike">
+                          <a:effectLst/>
+                        </a:rPr>
+                        <a:t>480</a:t>
+                      </a:r>
+                      <a:endParaRPr lang="en-US" sz="1300" b="0" i="0" u="none" strike="noStrike">
+                        <a:solidFill>
+                          <a:srgbClr val="000000"/>
+                        </a:solidFill>
+                        <a:effectLst/>
+                        <a:latin typeface="Calibri"/>
+                      </a:endParaRPr>
+                    </a:p>
+                  </a:txBody>
+                  <a:tcPr marL="6350" marR="6350" marT="6350" marB="0" anchor="ctr"/>
+                </a:tc>
+                <a:tc>
+                  <a:txBody>
+                    <a:bodyPr/>
+                    <a:lstStyle/>
+                    <a:p>
+                      <a:pPr algn="r" fontAlgn="ctr"/>
+                      <a:r>
+                        <a:rPr lang="en-US" sz="1300" u="none" strike="noStrike">
+                          <a:effectLst/>
+                        </a:rPr>
+                        <a:t>130</a:t>
+                      </a:r>
+                      <a:endParaRPr lang="en-US" sz="1300" b="0" i="0" u="none" strike="noStrike">
+                        <a:solidFill>
+                          <a:srgbClr val="000000"/>
+                        </a:solidFill>
+                        <a:effectLst/>
+                        <a:latin typeface="Calibri"/>
+                      </a:endParaRPr>
+                    </a:p>
+                  </a:txBody>
+                  <a:tcPr marL="6350" marR="6350" marT="6350" marB="0" anchor="ctr"/>
+                </a:tc>
+                <a:tc>
+                  <a:txBody>
+                    <a:bodyPr/>
+                    <a:lstStyle/>
+                    <a:p>
+                      <a:pPr algn="r" fontAlgn="ctr"/>
+                      <a:r>
+                        <a:rPr lang="en-US" sz="1300" u="none" strike="noStrike">
+                          <a:effectLst/>
+                        </a:rPr>
+                        <a:t>53.33</a:t>
+                      </a:r>
+                      <a:endParaRPr lang="en-US" sz="1300" b="0" i="0" u="none" strike="noStrike">
+                        <a:solidFill>
+                          <a:srgbClr val="000000"/>
+                        </a:solidFill>
+                        <a:effectLst/>
+                        <a:latin typeface="Calibri"/>
+                      </a:endParaRPr>
+                    </a:p>
+                  </a:txBody>
+                  <a:tcPr marL="6350" marR="6350" marT="6350" marB="0" anchor="ctr"/>
+                </a:tc>
+              </a:tr>
+              <a:tr h="186468">
+                <a:tc>
+                  <a:txBody>
+                    <a:bodyPr/>
+                    <a:lstStyle/>
+                    <a:p>
+                      <a:pPr algn="l" fontAlgn="ctr"/>
+                      <a:r>
+                        <a:rPr lang="en-US" sz="1300" u="none" strike="noStrike">
+                          <a:effectLst/>
+                        </a:rPr>
+                        <a:t>4.2</a:t>
+                      </a:r>
+                      <a:endParaRPr lang="en-US" sz="1300" b="0" i="0" u="none" strike="noStrike">
+                        <a:solidFill>
+                          <a:srgbClr val="000000"/>
+                        </a:solidFill>
+                        <a:effectLst/>
+                        <a:latin typeface="Calibri"/>
+                      </a:endParaRPr>
+                    </a:p>
+                  </a:txBody>
+                  <a:tcPr marL="6350" marR="6350" marT="6350" marB="0" anchor="ctr"/>
+                </a:tc>
+                <a:tc>
+                  <a:txBody>
+                    <a:bodyPr/>
+                    <a:lstStyle/>
+                    <a:p>
+                      <a:pPr algn="l" fontAlgn="ctr"/>
+                      <a:r>
+                        <a:rPr lang="en-US" sz="1300" u="none" strike="noStrike">
+                          <a:effectLst/>
+                        </a:rPr>
+                        <a:t>   Team Meeting SD2</a:t>
+                      </a:r>
+                      <a:endParaRPr lang="en-US" sz="1300" b="0" i="0" u="none" strike="noStrike">
+                        <a:solidFill>
+                          <a:srgbClr val="000000"/>
+                        </a:solidFill>
+                        <a:effectLst/>
+                        <a:latin typeface="Calibri"/>
+                      </a:endParaRPr>
+                    </a:p>
+                  </a:txBody>
+                  <a:tcPr marL="6350" marR="6350" marT="6350" marB="0" anchor="ctr"/>
+                </a:tc>
+                <a:tc>
+                  <a:txBody>
+                    <a:bodyPr/>
+                    <a:lstStyle/>
+                    <a:p>
+                      <a:pPr algn="l" fontAlgn="ctr"/>
+                      <a:r>
+                        <a:rPr lang="en-US" sz="1300" u="none" strike="noStrike">
+                          <a:effectLst/>
+                        </a:rPr>
+                        <a:t>Tue 1/14/14</a:t>
+                      </a:r>
+                      <a:endParaRPr lang="en-US" sz="1300" b="0" i="0" u="none" strike="noStrike">
+                        <a:solidFill>
+                          <a:srgbClr val="000000"/>
+                        </a:solidFill>
+                        <a:effectLst/>
+                        <a:latin typeface="Calibri"/>
+                      </a:endParaRPr>
+                    </a:p>
+                  </a:txBody>
+                  <a:tcPr marL="6350" marR="6350" marT="6350" marB="0" anchor="ctr"/>
+                </a:tc>
+                <a:tc>
+                  <a:txBody>
+                    <a:bodyPr/>
+                    <a:lstStyle/>
+                    <a:p>
+                      <a:pPr algn="l" fontAlgn="ctr"/>
+                      <a:r>
+                        <a:rPr lang="en-US" sz="1300" u="none" strike="noStrike">
+                          <a:effectLst/>
+                        </a:rPr>
+                        <a:t>Thu 5/1/14</a:t>
+                      </a:r>
+                      <a:endParaRPr lang="en-US" sz="1300" b="0" i="0" u="none" strike="noStrike">
+                        <a:solidFill>
+                          <a:srgbClr val="000000"/>
+                        </a:solidFill>
+                        <a:effectLst/>
+                        <a:latin typeface="Calibri"/>
+                      </a:endParaRPr>
+                    </a:p>
+                  </a:txBody>
+                  <a:tcPr marL="6350" marR="6350" marT="6350" marB="0" anchor="ctr"/>
+                </a:tc>
+                <a:tc>
+                  <a:txBody>
+                    <a:bodyPr/>
+                    <a:lstStyle/>
+                    <a:p>
+                      <a:pPr algn="r" fontAlgn="ctr"/>
+                      <a:r>
+                        <a:rPr lang="en-US" sz="1300" u="none" strike="noStrike">
+                          <a:effectLst/>
+                        </a:rPr>
+                        <a:t>256</a:t>
+                      </a:r>
+                      <a:endParaRPr lang="en-US" sz="1300" b="0" i="0" u="none" strike="noStrike">
+                        <a:solidFill>
+                          <a:srgbClr val="000000"/>
+                        </a:solidFill>
+                        <a:effectLst/>
+                        <a:latin typeface="Calibri"/>
+                      </a:endParaRPr>
+                    </a:p>
+                  </a:txBody>
+                  <a:tcPr marL="6350" marR="6350" marT="6350" marB="0" anchor="ctr"/>
+                </a:tc>
+                <a:tc>
+                  <a:txBody>
+                    <a:bodyPr/>
+                    <a:lstStyle/>
+                    <a:p>
+                      <a:pPr algn="r" fontAlgn="ctr"/>
+                      <a:r>
+                        <a:rPr lang="en-US" sz="1300" u="none" strike="noStrike">
+                          <a:effectLst/>
+                        </a:rPr>
+                        <a:t>22</a:t>
+                      </a:r>
+                      <a:endParaRPr lang="en-US" sz="1300" b="0" i="0" u="none" strike="noStrike">
+                        <a:solidFill>
+                          <a:srgbClr val="000000"/>
+                        </a:solidFill>
+                        <a:effectLst/>
+                        <a:latin typeface="Calibri"/>
+                      </a:endParaRPr>
+                    </a:p>
+                  </a:txBody>
+                  <a:tcPr marL="6350" marR="6350" marT="6350" marB="0" anchor="ctr"/>
+                </a:tc>
+                <a:tc>
+                  <a:txBody>
+                    <a:bodyPr/>
+                    <a:lstStyle/>
+                    <a:p>
+                      <a:pPr algn="r" fontAlgn="ctr"/>
+                      <a:r>
+                        <a:rPr lang="en-US" sz="1300" u="none" strike="noStrike">
+                          <a:effectLst/>
+                        </a:rPr>
+                        <a:t>12.5</a:t>
+                      </a:r>
+                      <a:endParaRPr lang="en-US" sz="1300" b="0" i="0" u="none" strike="noStrike">
+                        <a:solidFill>
+                          <a:srgbClr val="000000"/>
+                        </a:solidFill>
+                        <a:effectLst/>
+                        <a:latin typeface="Calibri"/>
+                      </a:endParaRPr>
+                    </a:p>
+                  </a:txBody>
+                  <a:tcPr marL="6350" marR="6350" marT="6350" marB="0" anchor="ctr"/>
+                </a:tc>
+              </a:tr>
+              <a:tr h="186468">
+                <a:tc>
+                  <a:txBody>
+                    <a:bodyPr/>
+                    <a:lstStyle/>
+                    <a:p>
+                      <a:pPr algn="l" fontAlgn="ctr"/>
+                      <a:r>
+                        <a:rPr lang="en-US" sz="1300" u="none" strike="noStrike">
+                          <a:effectLst/>
+                        </a:rPr>
+                        <a:t>5</a:t>
+                      </a:r>
+                      <a:endParaRPr lang="en-US" sz="1300" b="0" i="0" u="none" strike="noStrike">
+                        <a:solidFill>
+                          <a:srgbClr val="000000"/>
+                        </a:solidFill>
+                        <a:effectLst/>
+                        <a:latin typeface="Calibri"/>
+                      </a:endParaRPr>
+                    </a:p>
+                  </a:txBody>
+                  <a:tcPr marL="6350" marR="6350" marT="6350" marB="0" anchor="ctr"/>
+                </a:tc>
+                <a:tc>
+                  <a:txBody>
+                    <a:bodyPr/>
+                    <a:lstStyle/>
+                    <a:p>
+                      <a:pPr algn="l" fontAlgn="ctr"/>
+                      <a:r>
+                        <a:rPr lang="en-US" sz="1300" u="none" strike="noStrike">
+                          <a:effectLst/>
+                        </a:rPr>
+                        <a:t>Sponser Meetings</a:t>
+                      </a:r>
+                      <a:endParaRPr lang="en-US" sz="1300" b="0" i="0" u="none" strike="noStrike">
+                        <a:solidFill>
+                          <a:srgbClr val="000000"/>
+                        </a:solidFill>
+                        <a:effectLst/>
+                        <a:latin typeface="Calibri"/>
+                      </a:endParaRPr>
+                    </a:p>
+                  </a:txBody>
+                  <a:tcPr marL="6350" marR="6350" marT="6350" marB="0" anchor="ctr"/>
+                </a:tc>
+                <a:tc>
+                  <a:txBody>
+                    <a:bodyPr/>
+                    <a:lstStyle/>
+                    <a:p>
+                      <a:pPr algn="l" fontAlgn="ctr"/>
+                      <a:r>
+                        <a:rPr lang="en-US" sz="1300" u="none" strike="noStrike">
+                          <a:effectLst/>
+                        </a:rPr>
+                        <a:t>Tue 9/9/14</a:t>
+                      </a:r>
+                      <a:endParaRPr lang="en-US" sz="1300" b="0" i="0" u="none" strike="noStrike">
+                        <a:solidFill>
+                          <a:srgbClr val="000000"/>
+                        </a:solidFill>
+                        <a:effectLst/>
+                        <a:latin typeface="Calibri"/>
+                      </a:endParaRPr>
+                    </a:p>
+                  </a:txBody>
+                  <a:tcPr marL="6350" marR="6350" marT="6350" marB="0" anchor="ctr"/>
+                </a:tc>
+                <a:tc>
+                  <a:txBody>
+                    <a:bodyPr/>
+                    <a:lstStyle/>
+                    <a:p>
+                      <a:pPr algn="l" fontAlgn="ctr"/>
+                      <a:r>
+                        <a:rPr lang="en-US" sz="1300" u="none" strike="noStrike">
+                          <a:effectLst/>
+                        </a:rPr>
+                        <a:t>Tue 9/9/14</a:t>
+                      </a:r>
+                      <a:endParaRPr lang="en-US" sz="1300" b="0" i="0" u="none" strike="noStrike">
+                        <a:solidFill>
+                          <a:srgbClr val="000000"/>
+                        </a:solidFill>
+                        <a:effectLst/>
+                        <a:latin typeface="Calibri"/>
+                      </a:endParaRPr>
+                    </a:p>
+                  </a:txBody>
+                  <a:tcPr marL="6350" marR="6350" marT="6350" marB="0" anchor="ctr"/>
+                </a:tc>
+                <a:tc>
+                  <a:txBody>
+                    <a:bodyPr/>
+                    <a:lstStyle/>
+                    <a:p>
+                      <a:pPr algn="r" fontAlgn="ctr"/>
+                      <a:r>
+                        <a:rPr lang="en-US" sz="1300" u="none" strike="noStrike">
+                          <a:effectLst/>
+                        </a:rPr>
+                        <a:t>30</a:t>
+                      </a:r>
+                      <a:endParaRPr lang="en-US" sz="1300" b="0" i="0" u="none" strike="noStrike">
+                        <a:solidFill>
+                          <a:srgbClr val="000000"/>
+                        </a:solidFill>
+                        <a:effectLst/>
+                        <a:latin typeface="Calibri"/>
+                      </a:endParaRPr>
+                    </a:p>
+                  </a:txBody>
+                  <a:tcPr marL="6350" marR="6350" marT="6350" marB="0" anchor="ctr"/>
+                </a:tc>
+                <a:tc>
+                  <a:txBody>
+                    <a:bodyPr/>
+                    <a:lstStyle/>
+                    <a:p>
+                      <a:pPr algn="r" fontAlgn="ctr"/>
+                      <a:r>
+                        <a:rPr lang="en-US" sz="1300" u="none" strike="noStrike">
+                          <a:effectLst/>
+                        </a:rPr>
+                        <a:t>8</a:t>
+                      </a:r>
+                      <a:endParaRPr lang="en-US" sz="1300" b="0" i="0" u="none" strike="noStrike">
+                        <a:solidFill>
+                          <a:srgbClr val="000000"/>
+                        </a:solidFill>
+                        <a:effectLst/>
+                        <a:latin typeface="Calibri"/>
+                      </a:endParaRPr>
+                    </a:p>
+                  </a:txBody>
+                  <a:tcPr marL="6350" marR="6350" marT="6350" marB="0" anchor="ctr"/>
+                </a:tc>
+                <a:tc>
+                  <a:txBody>
+                    <a:bodyPr/>
+                    <a:lstStyle/>
+                    <a:p>
+                      <a:pPr algn="r" fontAlgn="ctr"/>
+                      <a:r>
+                        <a:rPr lang="en-US" sz="1300" u="none" strike="noStrike">
+                          <a:effectLst/>
+                        </a:rPr>
+                        <a:t>0</a:t>
+                      </a:r>
+                      <a:endParaRPr lang="en-US" sz="1300" b="0" i="0" u="none" strike="noStrike">
+                        <a:solidFill>
+                          <a:srgbClr val="000000"/>
+                        </a:solidFill>
+                        <a:effectLst/>
+                        <a:latin typeface="Calibri"/>
+                      </a:endParaRPr>
+                    </a:p>
+                  </a:txBody>
+                  <a:tcPr marL="6350" marR="6350" marT="6350" marB="0" anchor="ctr"/>
+                </a:tc>
+              </a:tr>
+              <a:tr h="186468">
+                <a:tc>
+                  <a:txBody>
+                    <a:bodyPr/>
+                    <a:lstStyle/>
+                    <a:p>
+                      <a:pPr algn="l" fontAlgn="ctr"/>
+                      <a:r>
+                        <a:rPr lang="en-US" sz="1300" u="none" strike="noStrike">
+                          <a:effectLst/>
+                        </a:rPr>
+                        <a:t> </a:t>
+                      </a:r>
+                      <a:endParaRPr lang="en-US" sz="1300" b="0" i="0" u="none" strike="noStrike">
+                        <a:solidFill>
+                          <a:srgbClr val="000000"/>
+                        </a:solidFill>
+                        <a:effectLst/>
+                        <a:latin typeface="Calibri"/>
+                      </a:endParaRPr>
+                    </a:p>
+                  </a:txBody>
+                  <a:tcPr marL="6350" marR="6350" marT="6350" marB="0" anchor="ctr"/>
+                </a:tc>
+                <a:tc>
+                  <a:txBody>
+                    <a:bodyPr/>
+                    <a:lstStyle/>
+                    <a:p>
+                      <a:pPr algn="l" fontAlgn="ctr"/>
+                      <a:r>
+                        <a:rPr lang="en-US" sz="1300" u="none" strike="noStrike">
+                          <a:effectLst/>
+                        </a:rPr>
+                        <a:t> </a:t>
+                      </a:r>
+                      <a:endParaRPr lang="en-US" sz="1300" b="0" i="0" u="none" strike="noStrike">
+                        <a:solidFill>
+                          <a:srgbClr val="000000"/>
+                        </a:solidFill>
+                        <a:effectLst/>
+                        <a:latin typeface="Calibri"/>
+                      </a:endParaRPr>
+                    </a:p>
+                  </a:txBody>
+                  <a:tcPr marL="6350" marR="6350" marT="6350" marB="0" anchor="ctr"/>
+                </a:tc>
+                <a:tc>
+                  <a:txBody>
+                    <a:bodyPr/>
+                    <a:lstStyle/>
+                    <a:p>
+                      <a:pPr algn="l" fontAlgn="ctr"/>
+                      <a:r>
+                        <a:rPr lang="en-US" sz="1300" u="none" strike="noStrike">
+                          <a:effectLst/>
+                        </a:rPr>
+                        <a:t> </a:t>
+                      </a:r>
+                      <a:endParaRPr lang="en-US" sz="1300" b="0" i="0" u="none" strike="noStrike">
+                        <a:solidFill>
+                          <a:srgbClr val="000000"/>
+                        </a:solidFill>
+                        <a:effectLst/>
+                        <a:latin typeface="Calibri"/>
+                      </a:endParaRPr>
+                    </a:p>
+                  </a:txBody>
+                  <a:tcPr marL="6350" marR="6350" marT="6350" marB="0" anchor="ctr"/>
+                </a:tc>
+                <a:tc>
+                  <a:txBody>
+                    <a:bodyPr/>
+                    <a:lstStyle/>
+                    <a:p>
+                      <a:pPr algn="l" fontAlgn="ctr"/>
+                      <a:r>
+                        <a:rPr lang="en-US" sz="1300" u="none" strike="noStrike">
+                          <a:effectLst/>
+                        </a:rPr>
+                        <a:t> </a:t>
+                      </a:r>
+                      <a:endParaRPr lang="en-US" sz="1300" b="0" i="0" u="none" strike="noStrike">
+                        <a:solidFill>
+                          <a:srgbClr val="000000"/>
+                        </a:solidFill>
+                        <a:effectLst/>
+                        <a:latin typeface="Calibri"/>
+                      </a:endParaRPr>
+                    </a:p>
+                  </a:txBody>
+                  <a:tcPr marL="6350" marR="6350" marT="6350" marB="0" anchor="ctr"/>
+                </a:tc>
+                <a:tc>
+                  <a:txBody>
+                    <a:bodyPr/>
+                    <a:lstStyle/>
+                    <a:p>
+                      <a:pPr algn="l" fontAlgn="ctr"/>
+                      <a:r>
+                        <a:rPr lang="en-US" sz="1300" u="none" strike="noStrike">
+                          <a:effectLst/>
+                        </a:rPr>
+                        <a:t> </a:t>
+                      </a:r>
+                      <a:endParaRPr lang="en-US" sz="1300" b="0" i="0" u="none" strike="noStrike">
+                        <a:solidFill>
+                          <a:srgbClr val="000000"/>
+                        </a:solidFill>
+                        <a:effectLst/>
+                        <a:latin typeface="Calibri"/>
+                      </a:endParaRPr>
+                    </a:p>
+                  </a:txBody>
+                  <a:tcPr marL="6350" marR="6350" marT="6350" marB="0" anchor="ctr"/>
+                </a:tc>
+                <a:tc>
+                  <a:txBody>
+                    <a:bodyPr/>
+                    <a:lstStyle/>
+                    <a:p>
+                      <a:pPr algn="r" fontAlgn="ctr"/>
+                      <a:r>
+                        <a:rPr lang="en-US" sz="1300" u="none" strike="noStrike">
+                          <a:effectLst/>
+                        </a:rPr>
+                        <a:t> </a:t>
+                      </a:r>
+                      <a:endParaRPr lang="en-US" sz="1300" b="0" i="0" u="none" strike="noStrike">
+                        <a:solidFill>
+                          <a:srgbClr val="000000"/>
+                        </a:solidFill>
+                        <a:effectLst/>
+                        <a:latin typeface="Calibri"/>
+                      </a:endParaRPr>
+                    </a:p>
+                  </a:txBody>
+                  <a:tcPr marL="6350" marR="6350" marT="6350" marB="0" anchor="ctr"/>
+                </a:tc>
+                <a:tc>
+                  <a:txBody>
+                    <a:bodyPr/>
+                    <a:lstStyle/>
+                    <a:p>
+                      <a:pPr algn="l" fontAlgn="ctr"/>
+                      <a:r>
+                        <a:rPr lang="en-US" sz="1300" u="none" strike="noStrike">
+                          <a:effectLst/>
+                        </a:rPr>
+                        <a:t> </a:t>
+                      </a:r>
+                      <a:endParaRPr lang="en-US" sz="1300" b="0" i="0" u="none" strike="noStrike">
+                        <a:solidFill>
+                          <a:srgbClr val="000000"/>
+                        </a:solidFill>
+                        <a:effectLst/>
+                        <a:latin typeface="Calibri"/>
+                      </a:endParaRPr>
+                    </a:p>
+                  </a:txBody>
+                  <a:tcPr marL="6350" marR="6350" marT="6350" marB="0" anchor="ctr"/>
+                </a:tc>
+              </a:tr>
+              <a:tr h="186468">
+                <a:tc>
+                  <a:txBody>
+                    <a:bodyPr/>
+                    <a:lstStyle/>
+                    <a:p>
+                      <a:pPr algn="l" fontAlgn="ctr"/>
+                      <a:r>
+                        <a:rPr lang="en-US" sz="1300" u="none" strike="noStrike">
+                          <a:effectLst/>
+                        </a:rPr>
+                        <a:t>6</a:t>
+                      </a:r>
+                      <a:endParaRPr lang="en-US" sz="1300" b="0" i="0" u="none" strike="noStrike">
+                        <a:solidFill>
+                          <a:srgbClr val="000000"/>
+                        </a:solidFill>
+                        <a:effectLst/>
+                        <a:latin typeface="Calibri"/>
+                      </a:endParaRPr>
+                    </a:p>
+                  </a:txBody>
+                  <a:tcPr marL="6350" marR="6350" marT="6350" marB="0" anchor="ctr"/>
+                </a:tc>
+                <a:tc>
+                  <a:txBody>
+                    <a:bodyPr/>
+                    <a:lstStyle/>
+                    <a:p>
+                      <a:pPr algn="l" fontAlgn="ctr"/>
+                      <a:r>
+                        <a:rPr lang="en-US" sz="1300" u="none" strike="noStrike">
+                          <a:effectLst/>
+                        </a:rPr>
+                        <a:t>MS Project </a:t>
+                      </a:r>
+                      <a:endParaRPr lang="en-US" sz="1300" b="0" i="0" u="none" strike="noStrike">
+                        <a:solidFill>
+                          <a:srgbClr val="000000"/>
+                        </a:solidFill>
+                        <a:effectLst/>
+                        <a:latin typeface="Calibri"/>
+                      </a:endParaRPr>
+                    </a:p>
+                  </a:txBody>
+                  <a:tcPr marL="6350" marR="6350" marT="6350" marB="0" anchor="ctr"/>
+                </a:tc>
+                <a:tc>
+                  <a:txBody>
+                    <a:bodyPr/>
+                    <a:lstStyle/>
+                    <a:p>
+                      <a:pPr algn="l" fontAlgn="ctr"/>
+                      <a:r>
+                        <a:rPr lang="en-US" sz="1300" u="none" strike="noStrike">
+                          <a:effectLst/>
+                        </a:rPr>
+                        <a:t>Sun 9/29/13</a:t>
+                      </a:r>
+                      <a:endParaRPr lang="en-US" sz="1300" b="0" i="0" u="none" strike="noStrike">
+                        <a:solidFill>
+                          <a:srgbClr val="000000"/>
+                        </a:solidFill>
+                        <a:effectLst/>
+                        <a:latin typeface="Calibri"/>
+                      </a:endParaRPr>
+                    </a:p>
+                  </a:txBody>
+                  <a:tcPr marL="6350" marR="6350" marT="6350" marB="0" anchor="ctr"/>
+                </a:tc>
+                <a:tc>
+                  <a:txBody>
+                    <a:bodyPr/>
+                    <a:lstStyle/>
+                    <a:p>
+                      <a:pPr algn="l" fontAlgn="ctr"/>
+                      <a:r>
+                        <a:rPr lang="en-US" sz="1300" u="none" strike="noStrike">
+                          <a:effectLst/>
+                        </a:rPr>
+                        <a:t>Thu 10/23/14</a:t>
+                      </a:r>
+                      <a:endParaRPr lang="en-US" sz="1300" b="0" i="0" u="none" strike="noStrike">
+                        <a:solidFill>
+                          <a:srgbClr val="000000"/>
+                        </a:solidFill>
+                        <a:effectLst/>
+                        <a:latin typeface="Calibri"/>
+                      </a:endParaRPr>
+                    </a:p>
+                  </a:txBody>
+                  <a:tcPr marL="6350" marR="6350" marT="6350" marB="0" anchor="ctr"/>
+                </a:tc>
+                <a:tc>
+                  <a:txBody>
+                    <a:bodyPr/>
+                    <a:lstStyle/>
+                    <a:p>
+                      <a:pPr algn="r" fontAlgn="ctr"/>
+                      <a:r>
+                        <a:rPr lang="en-US" sz="1300" u="none" strike="noStrike">
+                          <a:effectLst/>
+                        </a:rPr>
+                        <a:t>40</a:t>
+                      </a:r>
+                      <a:endParaRPr lang="en-US" sz="1300" b="0" i="0" u="none" strike="noStrike">
+                        <a:solidFill>
+                          <a:srgbClr val="000000"/>
+                        </a:solidFill>
+                        <a:effectLst/>
+                        <a:latin typeface="Calibri"/>
+                      </a:endParaRPr>
+                    </a:p>
+                  </a:txBody>
+                  <a:tcPr marL="6350" marR="6350" marT="6350" marB="0" anchor="ctr"/>
+                </a:tc>
+                <a:tc>
+                  <a:txBody>
+                    <a:bodyPr/>
+                    <a:lstStyle/>
+                    <a:p>
+                      <a:pPr algn="r" fontAlgn="ctr"/>
+                      <a:r>
+                        <a:rPr lang="en-US" sz="1300" u="none" strike="noStrike">
+                          <a:effectLst/>
+                        </a:rPr>
+                        <a:t>23</a:t>
+                      </a:r>
+                      <a:endParaRPr lang="en-US" sz="1300" b="0" i="0" u="none" strike="noStrike">
+                        <a:solidFill>
+                          <a:srgbClr val="000000"/>
+                        </a:solidFill>
+                        <a:effectLst/>
+                        <a:latin typeface="Calibri"/>
+                      </a:endParaRPr>
+                    </a:p>
+                  </a:txBody>
+                  <a:tcPr marL="6350" marR="6350" marT="6350" marB="0" anchor="ctr"/>
+                </a:tc>
+                <a:tc>
+                  <a:txBody>
+                    <a:bodyPr/>
+                    <a:lstStyle/>
+                    <a:p>
+                      <a:pPr algn="r" fontAlgn="ctr"/>
+                      <a:r>
+                        <a:rPr lang="en-US" sz="1300" u="none" strike="noStrike">
+                          <a:effectLst/>
+                        </a:rPr>
+                        <a:t>50</a:t>
+                      </a:r>
+                      <a:endParaRPr lang="en-US" sz="1300" b="0" i="0" u="none" strike="noStrike">
+                        <a:solidFill>
+                          <a:srgbClr val="000000"/>
+                        </a:solidFill>
+                        <a:effectLst/>
+                        <a:latin typeface="Calibri"/>
+                      </a:endParaRPr>
+                    </a:p>
+                  </a:txBody>
+                  <a:tcPr marL="6350" marR="6350" marT="6350" marB="0" anchor="ctr"/>
+                </a:tc>
+              </a:tr>
+              <a:tr h="186468">
+                <a:tc>
+                  <a:txBody>
+                    <a:bodyPr/>
+                    <a:lstStyle/>
+                    <a:p>
+                      <a:pPr algn="l" fontAlgn="ctr"/>
+                      <a:r>
+                        <a:rPr lang="en-US" sz="1300" u="none" strike="noStrike">
+                          <a:effectLst/>
+                        </a:rPr>
+                        <a:t>6.2</a:t>
+                      </a:r>
+                      <a:endParaRPr lang="en-US" sz="1300" b="0" i="0" u="none" strike="noStrike">
+                        <a:solidFill>
+                          <a:srgbClr val="000000"/>
+                        </a:solidFill>
+                        <a:effectLst/>
+                        <a:latin typeface="Calibri"/>
+                      </a:endParaRPr>
+                    </a:p>
+                  </a:txBody>
+                  <a:tcPr marL="6350" marR="6350" marT="6350" marB="0" anchor="ctr"/>
+                </a:tc>
+                <a:tc>
+                  <a:txBody>
+                    <a:bodyPr/>
+                    <a:lstStyle/>
+                    <a:p>
+                      <a:pPr algn="l" fontAlgn="ctr"/>
+                      <a:r>
+                        <a:rPr lang="en-US" sz="1300" u="none" strike="noStrike">
+                          <a:effectLst/>
+                        </a:rPr>
+                        <a:t>   SD 2</a:t>
+                      </a:r>
+                      <a:endParaRPr lang="en-US" sz="1300" b="0" i="0" u="none" strike="noStrike">
+                        <a:solidFill>
+                          <a:srgbClr val="000000"/>
+                        </a:solidFill>
+                        <a:effectLst/>
+                        <a:latin typeface="Calibri"/>
+                      </a:endParaRPr>
+                    </a:p>
+                  </a:txBody>
+                  <a:tcPr marL="6350" marR="6350" marT="6350" marB="0" anchor="ctr"/>
+                </a:tc>
+                <a:tc>
+                  <a:txBody>
+                    <a:bodyPr/>
+                    <a:lstStyle/>
+                    <a:p>
+                      <a:pPr algn="l" fontAlgn="ctr"/>
+                      <a:r>
+                        <a:rPr lang="en-US" sz="1300" u="none" strike="noStrike">
+                          <a:effectLst/>
+                        </a:rPr>
+                        <a:t>Thu 1/23/14</a:t>
+                      </a:r>
+                      <a:endParaRPr lang="en-US" sz="1300" b="0" i="0" u="none" strike="noStrike">
+                        <a:solidFill>
+                          <a:srgbClr val="000000"/>
+                        </a:solidFill>
+                        <a:effectLst/>
+                        <a:latin typeface="Calibri"/>
+                      </a:endParaRPr>
+                    </a:p>
+                  </a:txBody>
+                  <a:tcPr marL="6350" marR="6350" marT="6350" marB="0" anchor="ctr"/>
+                </a:tc>
+                <a:tc>
+                  <a:txBody>
+                    <a:bodyPr/>
+                    <a:lstStyle/>
+                    <a:p>
+                      <a:pPr algn="l" fontAlgn="ctr"/>
+                      <a:r>
+                        <a:rPr lang="en-US" sz="1300" u="none" strike="noStrike">
+                          <a:effectLst/>
+                        </a:rPr>
+                        <a:t>Thu 1/23/14</a:t>
+                      </a:r>
+                      <a:endParaRPr lang="en-US" sz="1300" b="0" i="0" u="none" strike="noStrike">
+                        <a:solidFill>
+                          <a:srgbClr val="000000"/>
+                        </a:solidFill>
+                        <a:effectLst/>
+                        <a:latin typeface="Calibri"/>
+                      </a:endParaRPr>
+                    </a:p>
+                  </a:txBody>
+                  <a:tcPr marL="6350" marR="6350" marT="6350" marB="0" anchor="ctr"/>
+                </a:tc>
+                <a:tc>
+                  <a:txBody>
+                    <a:bodyPr/>
+                    <a:lstStyle/>
+                    <a:p>
+                      <a:pPr algn="r" fontAlgn="ctr"/>
+                      <a:r>
+                        <a:rPr lang="en-US" sz="1300" u="none" strike="noStrike">
+                          <a:effectLst/>
+                        </a:rPr>
+                        <a:t>20</a:t>
+                      </a:r>
+                      <a:endParaRPr lang="en-US" sz="1300" b="0" i="0" u="none" strike="noStrike">
+                        <a:solidFill>
+                          <a:srgbClr val="000000"/>
+                        </a:solidFill>
+                        <a:effectLst/>
+                        <a:latin typeface="Calibri"/>
+                      </a:endParaRPr>
+                    </a:p>
+                  </a:txBody>
+                  <a:tcPr marL="6350" marR="6350" marT="6350" marB="0" anchor="ctr"/>
+                </a:tc>
+                <a:tc>
+                  <a:txBody>
+                    <a:bodyPr/>
+                    <a:lstStyle/>
+                    <a:p>
+                      <a:pPr algn="r" fontAlgn="ctr"/>
+                      <a:r>
+                        <a:rPr lang="en-US" sz="1300" u="none" strike="noStrike">
+                          <a:effectLst/>
+                        </a:rPr>
+                        <a:t>1</a:t>
+                      </a:r>
+                      <a:endParaRPr lang="en-US" sz="1300" b="0" i="0" u="none" strike="noStrike">
+                        <a:solidFill>
+                          <a:srgbClr val="000000"/>
+                        </a:solidFill>
+                        <a:effectLst/>
+                        <a:latin typeface="Calibri"/>
+                      </a:endParaRPr>
+                    </a:p>
+                  </a:txBody>
+                  <a:tcPr marL="6350" marR="6350" marT="6350" marB="0" anchor="ctr"/>
+                </a:tc>
+                <a:tc>
+                  <a:txBody>
+                    <a:bodyPr/>
+                    <a:lstStyle/>
+                    <a:p>
+                      <a:pPr algn="r" fontAlgn="ctr"/>
+                      <a:r>
+                        <a:rPr lang="en-US" sz="1300" u="none" strike="noStrike" dirty="0">
+                          <a:effectLst/>
+                        </a:rPr>
+                        <a:t>0</a:t>
+                      </a:r>
+                      <a:endParaRPr lang="en-US" sz="1300" b="0" i="0" u="none" strike="noStrike" dirty="0">
+                        <a:solidFill>
+                          <a:srgbClr val="000000"/>
+                        </a:solidFill>
+                        <a:effectLst/>
+                        <a:latin typeface="Calibri"/>
+                      </a:endParaRPr>
+                    </a:p>
+                  </a:txBody>
+                  <a:tcPr marL="6350" marR="6350" marT="6350" marB="0" anchor="ctr"/>
+                </a:tc>
+              </a:tr>
+            </a:tbl>
+          </a:graphicData>
+        </a:graphic>
+      </p:graphicFrame>
     </p:spTree>
     <p:extLst>
       <p:ext uri="{BB962C8B-B14F-4D97-AF65-F5344CB8AC3E}">
@@ -3465,12 +7806,9 @@
           <a:p>
             <a:r>
               <a:rPr lang="en-US" dirty="0" smtClean="0"/>
-              <a:t>ADS Changes – U.I</a:t>
-            </a:r>
-            <a:r>
-              <a:rPr lang="en-US" dirty="0"/>
-              <a:t>. Layer</a:t>
-            </a:r>
+              <a:t>ADS Changes</a:t>
+            </a:r>
+            <a:endParaRPr lang="en-US" dirty="0"/>
           </a:p>
         </p:txBody>
       </p:sp>
@@ -3486,98 +7824,58 @@
         </p:nvSpPr>
         <p:spPr/>
         <p:txBody>
-          <a:bodyPr/>
+          <a:bodyPr>
+            <a:normAutofit/>
+          </a:bodyPr>
           <a:lstStyle/>
           <a:p>
             <a:r>
-              <a:rPr lang="en-US" dirty="0"/>
-              <a:t>Condensed Subsystems of the U.I. Layer</a:t>
-            </a:r>
-          </a:p>
-          <a:p>
-            <a:pPr lvl="1"/>
-            <a:r>
-              <a:rPr lang="en-US" dirty="0"/>
-              <a:t>BEFORE: </a:t>
-            </a:r>
-            <a:r>
-              <a:rPr lang="en-US" b="1" dirty="0">
-                <a:solidFill>
-                  <a:schemeClr val="accent6">
-                    <a:lumMod val="75000"/>
-                  </a:schemeClr>
-                </a:solidFill>
-              </a:rPr>
-              <a:t>Configuration, Import, Print, Status, </a:t>
-            </a:r>
-            <a:r>
-              <a:rPr lang="en-US" b="1" dirty="0">
-                <a:solidFill>
-                  <a:srgbClr val="C00000"/>
-                </a:solidFill>
-              </a:rPr>
-              <a:t>Database</a:t>
-            </a:r>
-          </a:p>
-          <a:p>
-            <a:pPr lvl="1"/>
-            <a:r>
-              <a:rPr lang="en-US" dirty="0"/>
-              <a:t>AFTER: </a:t>
-            </a:r>
-            <a:r>
-              <a:rPr lang="en-US" b="1" dirty="0">
-                <a:solidFill>
-                  <a:srgbClr val="0070C0"/>
-                </a:solidFill>
-              </a:rPr>
-              <a:t>GUI</a:t>
-            </a:r>
-            <a:r>
-              <a:rPr lang="en-US" dirty="0"/>
-              <a:t>, </a:t>
-            </a:r>
-            <a:r>
-              <a:rPr lang="en-US" b="1" dirty="0">
-                <a:solidFill>
-                  <a:schemeClr val="accent4">
-                    <a:lumMod val="75000"/>
-                  </a:schemeClr>
-                </a:solidFill>
-              </a:rPr>
-              <a:t>Controller</a:t>
-            </a:r>
-            <a:r>
-              <a:rPr lang="en-US" dirty="0"/>
-              <a:t>, </a:t>
-            </a:r>
-            <a:r>
-              <a:rPr lang="en-US" b="1" dirty="0">
-                <a:solidFill>
-                  <a:srgbClr val="C00000"/>
-                </a:solidFill>
-              </a:rPr>
-              <a:t>Database</a:t>
-            </a:r>
-          </a:p>
-          <a:p>
-            <a:pPr lvl="1"/>
-            <a:endParaRPr lang="en-US" b="1" dirty="0">
-              <a:solidFill>
-                <a:srgbClr val="C00000"/>
-              </a:solidFill>
-            </a:endParaRPr>
-          </a:p>
-          <a:p>
-            <a:r>
-              <a:rPr lang="en-US" dirty="0"/>
-              <a:t>Changed “Modules” to “Subsystems”</a:t>
-            </a:r>
-          </a:p>
-          <a:p>
-            <a:r>
-              <a:rPr lang="en-US" dirty="0"/>
-              <a:t>Updated Inter-Subsystem Data Flow Chart.</a:t>
+              <a:rPr lang="en-US" sz="2800" dirty="0" smtClean="0"/>
+              <a:t>Redrew UI Layer to MVC</a:t>
+            </a:r>
+          </a:p>
+          <a:p>
+            <a:r>
+              <a:rPr lang="en-US" sz="2800" dirty="0" smtClean="0"/>
+              <a:t>Updated Data </a:t>
+            </a:r>
+            <a:r>
+              <a:rPr lang="en-US" sz="2800" dirty="0"/>
+              <a:t>F</a:t>
+            </a:r>
+            <a:r>
+              <a:rPr lang="en-US" sz="2800" dirty="0" smtClean="0"/>
+              <a:t>low Numbering</a:t>
+            </a:r>
+          </a:p>
+          <a:p>
+            <a:r>
+              <a:rPr lang="en-US" sz="2800" dirty="0" smtClean="0"/>
+              <a:t>Added  Traceability Matrix</a:t>
+            </a:r>
+          </a:p>
+          <a:p>
+            <a:r>
+              <a:rPr lang="en-US" sz="2800" dirty="0" smtClean="0"/>
+              <a:t>Rewrote Layer introduction</a:t>
+            </a:r>
+          </a:p>
+          <a:p>
+            <a:r>
+              <a:rPr lang="en-US" sz="2800" dirty="0" smtClean="0"/>
+              <a:t>Tradeoffs</a:t>
+            </a:r>
+          </a:p>
+          <a:p>
+            <a:r>
+              <a:rPr lang="en-US" sz="2800" dirty="0" smtClean="0"/>
+              <a:t>Testing Considerations</a:t>
+            </a:r>
+          </a:p>
+          <a:p>
+            <a:r>
+              <a:rPr lang="en-US" sz="2800" dirty="0" smtClean="0"/>
+              <a:t>OS Requirements</a:t>
             </a:r>
           </a:p>
           <a:p>
@@ -3588,7 +7886,7 @@
     </p:spTree>
     <p:extLst>
       <p:ext uri="{BB962C8B-B14F-4D97-AF65-F5344CB8AC3E}">
-        <p14:creationId xmlns:p14="http://schemas.microsoft.com/office/powerpoint/2010/main" val="3595647399"/>
+        <p14:creationId xmlns:p14="http://schemas.microsoft.com/office/powerpoint/2010/main" val="3674321379"/>
       </p:ext>
     </p:extLst>
   </p:cSld>
@@ -3632,40 +7930,130 @@
           <a:p>
             <a:r>
               <a:rPr lang="en-US" dirty="0" smtClean="0"/>
-              <a:t>Before</a:t>
-            </a:r>
-            <a:endParaRPr lang="en-US" dirty="0"/>
+              <a:t>ADS Changes – U.I</a:t>
+            </a:r>
+            <a:r>
+              <a:rPr lang="en-US" dirty="0"/>
+              <a:t>. Layer</a:t>
+            </a:r>
           </a:p>
         </p:txBody>
       </p:sp>
-      <p:pic>
-        <p:nvPicPr>
-          <p:cNvPr id="6" name="Picture 5"/>
-          <p:cNvPicPr>
-            <a:picLocks noChangeAspect="1"/>
-          </p:cNvPicPr>
-          <p:nvPr/>
-        </p:nvPicPr>
-        <p:blipFill>
-          <a:blip r:embed="rId2"/>
-          <a:stretch>
-            <a:fillRect/>
-          </a:stretch>
-        </p:blipFill>
-        <p:spPr>
-          <a:xfrm>
-            <a:off x="152400" y="1371600"/>
-            <a:ext cx="8311163" cy="4687623"/>
-          </a:xfrm>
-          <a:prstGeom prst="rect">
-            <a:avLst/>
-          </a:prstGeom>
-        </p:spPr>
-      </p:pic>
+      <p:sp>
+        <p:nvSpPr>
+          <p:cNvPr id="3" name="Content Placeholder 2"/>
+          <p:cNvSpPr>
+            <a:spLocks noGrp="1"/>
+          </p:cNvSpPr>
+          <p:nvPr>
+            <p:ph idx="1"/>
+          </p:nvPr>
+        </p:nvSpPr>
+        <p:spPr/>
+        <p:txBody>
+          <a:bodyPr/>
+          <a:lstStyle/>
+          <a:p>
+            <a:r>
+              <a:rPr lang="en-US" dirty="0"/>
+              <a:t>Condensed Subsystems of the U.I. Layer</a:t>
+            </a:r>
+          </a:p>
+          <a:p>
+            <a:pPr lvl="1"/>
+            <a:r>
+              <a:rPr lang="en-US" dirty="0"/>
+              <a:t>BEFORE: </a:t>
+            </a:r>
+            <a:r>
+              <a:rPr lang="en-US" b="1" dirty="0">
+                <a:solidFill>
+                  <a:schemeClr val="accent6">
+                    <a:lumMod val="75000"/>
+                  </a:schemeClr>
+                </a:solidFill>
+              </a:rPr>
+              <a:t>Configuration, Import, Print, Status, </a:t>
+            </a:r>
+            <a:r>
+              <a:rPr lang="en-US" b="1" dirty="0">
+                <a:solidFill>
+                  <a:srgbClr val="C00000"/>
+                </a:solidFill>
+              </a:rPr>
+              <a:t>Database</a:t>
+            </a:r>
+          </a:p>
+          <a:p>
+            <a:pPr lvl="1"/>
+            <a:r>
+              <a:rPr lang="en-US" dirty="0"/>
+              <a:t>AFTER: </a:t>
+            </a:r>
+            <a:r>
+              <a:rPr lang="en-US" b="1" dirty="0">
+                <a:solidFill>
+                  <a:srgbClr val="0070C0"/>
+                </a:solidFill>
+              </a:rPr>
+              <a:t>GUI</a:t>
+            </a:r>
+            <a:r>
+              <a:rPr lang="en-US" dirty="0"/>
+              <a:t>, </a:t>
+            </a:r>
+            <a:r>
+              <a:rPr lang="en-US" b="1" dirty="0">
+                <a:solidFill>
+                  <a:schemeClr val="accent4">
+                    <a:lumMod val="75000"/>
+                  </a:schemeClr>
+                </a:solidFill>
+              </a:rPr>
+              <a:t>Controller</a:t>
+            </a:r>
+            <a:r>
+              <a:rPr lang="en-US" dirty="0"/>
+              <a:t>, </a:t>
+            </a:r>
+            <a:r>
+              <a:rPr lang="en-US" b="1" dirty="0">
+                <a:solidFill>
+                  <a:srgbClr val="C00000"/>
+                </a:solidFill>
+              </a:rPr>
+              <a:t>Database</a:t>
+            </a:r>
+          </a:p>
+          <a:p>
+            <a:pPr lvl="1"/>
+            <a:endParaRPr lang="en-US" b="1" dirty="0">
+              <a:solidFill>
+                <a:srgbClr val="C00000"/>
+              </a:solidFill>
+            </a:endParaRPr>
+          </a:p>
+          <a:p>
+            <a:r>
+              <a:rPr lang="en-US" dirty="0"/>
+              <a:t>Changed “Modules” to “Subsystems”</a:t>
+            </a:r>
+          </a:p>
+          <a:p>
+            <a:r>
+              <a:rPr lang="en-US" dirty="0"/>
+              <a:t>Updated Inter-Subsystem Data Flow Chart.</a:t>
+            </a:r>
+          </a:p>
+          <a:p>
+            <a:endParaRPr lang="en-US" dirty="0"/>
+          </a:p>
+        </p:txBody>
+      </p:sp>
     </p:spTree>
     <p:extLst>
       <p:ext uri="{BB962C8B-B14F-4D97-AF65-F5344CB8AC3E}">
-        <p14:creationId xmlns:p14="http://schemas.microsoft.com/office/powerpoint/2010/main" val="26394844"/>
+        <p14:creationId xmlns:p14="http://schemas.microsoft.com/office/powerpoint/2010/main" val="3595647399"/>
       </p:ext>
     </p:extLst>
   </p:cSld>
@@ -3709,6 +8097,83 @@
           <a:p>
             <a:r>
               <a:rPr lang="en-US" dirty="0" smtClean="0"/>
+              <a:t>Before</a:t>
+            </a:r>
+            <a:endParaRPr lang="en-US" dirty="0"/>
+          </a:p>
+        </p:txBody>
+      </p:sp>
+      <p:pic>
+        <p:nvPicPr>
+          <p:cNvPr id="6" name="Picture 5"/>
+          <p:cNvPicPr>
+            <a:picLocks noChangeAspect="1"/>
+          </p:cNvPicPr>
+          <p:nvPr/>
+        </p:nvPicPr>
+        <p:blipFill>
+          <a:blip r:embed="rId2"/>
+          <a:stretch>
+            <a:fillRect/>
+          </a:stretch>
+        </p:blipFill>
+        <p:spPr>
+          <a:xfrm>
+            <a:off x="152400" y="1371600"/>
+            <a:ext cx="8311163" cy="4687623"/>
+          </a:xfrm>
+          <a:prstGeom prst="rect">
+            <a:avLst/>
+          </a:prstGeom>
+        </p:spPr>
+      </p:pic>
+    </p:spTree>
+    <p:extLst>
+      <p:ext uri="{BB962C8B-B14F-4D97-AF65-F5344CB8AC3E}">
+        <p14:creationId xmlns:p14="http://schemas.microsoft.com/office/powerpoint/2010/main" val="26394844"/>
+      </p:ext>
+    </p:extLst>
+  </p:cSld>
+  <p:clrMapOvr>
+    <a:masterClrMapping/>
+  </p:clrMapOvr>
+</p:sld>
+</file>
+
+<file path=ppt/slides/slide6.xml><?xml version="1.0" encoding="utf-8"?>
+<p:sld xmlns:a="http://schemas.openxmlformats.org/drawingml/2006/main" xmlns:r="http://schemas.openxmlformats.org/officeDocument/2006/relationships" xmlns:p="http://schemas.openxmlformats.org/presentationml/2006/main">
+  <p:cSld>
+    <p:spTree>
+      <p:nvGrpSpPr>
+        <p:cNvPr id="1" name=""/>
+        <p:cNvGrpSpPr/>
+        <p:nvPr/>
+      </p:nvGrpSpPr>
+      <p:grpSpPr>
+        <a:xfrm>
+          <a:off x="0" y="0"/>
+          <a:ext cx="0" cy="0"/>
+          <a:chOff x="0" y="0"/>
+          <a:chExt cx="0" cy="0"/>
+        </a:xfrm>
+      </p:grpSpPr>
+      <p:sp>
+        <p:nvSpPr>
+          <p:cNvPr id="2" name="Title 1"/>
+          <p:cNvSpPr>
+            <a:spLocks noGrp="1"/>
+          </p:cNvSpPr>
+          <p:nvPr>
+            <p:ph type="title"/>
+          </p:nvPr>
+        </p:nvSpPr>
+        <p:spPr/>
+        <p:txBody>
+          <a:bodyPr/>
+          <a:lstStyle/>
+          <a:p>
+            <a:r>
+              <a:rPr lang="en-US" dirty="0" smtClean="0"/>
               <a:t>After</a:t>
             </a:r>
             <a:endParaRPr lang="en-US" dirty="0"/>
@@ -3737,7 +8202,7 @@
           <a:graphicData uri="http://schemas.openxmlformats.org/presentationml/2006/ole">
             <mc:AlternateContent xmlns:mc="http://schemas.openxmlformats.org/markup-compatibility/2006">
               <mc:Choice xmlns:v="urn:schemas-microsoft-com:vml" Requires="v">
-                <p:oleObj spid="_x0000_s1034" name="Visio" r:id="rId3" imgW="7029530" imgH="4381562" progId="Visio.Drawing.15">
+                <p:oleObj spid="_x0000_s1036" name="Visio" r:id="rId3" imgW="7029530" imgH="4381562" progId="Visio.Drawing.15">
                   <p:embed/>
                 </p:oleObj>
               </mc:Choice>
@@ -3789,7 +8254,7 @@
 </p:sld>
 </file>
 
-<file path=ppt/slides/slide6.xml><?xml version="1.0" encoding="utf-8"?>
+<file path=ppt/slides/slide7.xml><?xml version="1.0" encoding="utf-8"?>
 <p:sld xmlns:a="http://schemas.openxmlformats.org/drawingml/2006/main" xmlns:r="http://schemas.openxmlformats.org/officeDocument/2006/relationships" xmlns:p="http://schemas.openxmlformats.org/presentationml/2006/main">
   <p:cSld>
     <p:spTree>
@@ -3828,11 +8293,7 @@
           <a:p>
             <a:r>
               <a:rPr lang="en-US" dirty="0" smtClean="0"/>
-              <a:t>ADS </a:t>
-            </a:r>
-            <a:r>
-              <a:rPr lang="en-US" dirty="0" smtClean="0"/>
-              <a:t>Changes – Tradeoffs Testing </a:t>
+              <a:t>ADS Changes – Tradeoffs Testing </a:t>
             </a:r>
             <a:endParaRPr lang="en-US" dirty="0"/>
           </a:p>
@@ -3912,7 +8373,7 @@
 </p:sld>
 </file>
 
-<file path=ppt/slides/slide7.xml><?xml version="1.0" encoding="utf-8"?>
+<file path=ppt/slides/slide8.xml><?xml version="1.0" encoding="utf-8"?>
 <p:sld xmlns:a="http://schemas.openxmlformats.org/drawingml/2006/main" xmlns:r="http://schemas.openxmlformats.org/officeDocument/2006/relationships" xmlns:p="http://schemas.openxmlformats.org/presentationml/2006/main">
   <p:cSld>
     <p:spTree>
@@ -3951,17 +8412,12 @@
           <a:p>
             <a:r>
               <a:rPr lang="en-US" dirty="0" smtClean="0"/>
-              <a:t>ADS </a:t>
-            </a:r>
-            <a:r>
-              <a:rPr lang="en-US" dirty="0" smtClean="0"/>
-              <a:t>Changes – OS </a:t>
+              <a:t>ADS Changes – OS </a:t>
             </a:r>
             <a:r>
               <a:rPr lang="en-US" dirty="0"/>
               <a:t>Requirements </a:t>
             </a:r>
-            <a:endParaRPr lang="en-US" dirty="0"/>
           </a:p>
         </p:txBody>
       </p:sp>
